--- a/PHP.pptx
+++ b/PHP.pptx
@@ -114,6 +114,33 @@
     <p:sldId id="362" r:id="rId108"/>
     <p:sldId id="363" r:id="rId109"/>
     <p:sldId id="364" r:id="rId110"/>
+    <p:sldId id="365" r:id="rId111"/>
+    <p:sldId id="366" r:id="rId112"/>
+    <p:sldId id="367" r:id="rId113"/>
+    <p:sldId id="368" r:id="rId114"/>
+    <p:sldId id="369" r:id="rId115"/>
+    <p:sldId id="370" r:id="rId116"/>
+    <p:sldId id="371" r:id="rId117"/>
+    <p:sldId id="372" r:id="rId118"/>
+    <p:sldId id="373" r:id="rId119"/>
+    <p:sldId id="374" r:id="rId120"/>
+    <p:sldId id="375" r:id="rId121"/>
+    <p:sldId id="376" r:id="rId122"/>
+    <p:sldId id="377" r:id="rId123"/>
+    <p:sldId id="378" r:id="rId124"/>
+    <p:sldId id="379" r:id="rId125"/>
+    <p:sldId id="380" r:id="rId126"/>
+    <p:sldId id="381" r:id="rId127"/>
+    <p:sldId id="382" r:id="rId128"/>
+    <p:sldId id="383" r:id="rId129"/>
+    <p:sldId id="384" r:id="rId130"/>
+    <p:sldId id="385" r:id="rId131"/>
+    <p:sldId id="386" r:id="rId132"/>
+    <p:sldId id="387" r:id="rId133"/>
+    <p:sldId id="388" r:id="rId134"/>
+    <p:sldId id="389" r:id="rId135"/>
+    <p:sldId id="390" r:id="rId136"/>
+    <p:sldId id="391" r:id="rId137"/>
   </p:sldIdLst>
   <p:sldSz cx="9144000" cy="6858000" type="screen4x3"/>
   <p:notesSz cx="6858000" cy="9144000"/>
@@ -396,7 +423,7 @@
           <a:p>
             <a:fld id="{BD05E6A2-8C9D-48DB-ABA9-91190E3D94AE}" type="datetimeFigureOut">
               <a:rPr lang="en-US" smtClean="0"/>
-              <a:t>11/27/2019</a:t>
+              <a:t>12/6/2019</a:t>
             </a:fld>
             <a:endParaRPr lang="en-US"/>
           </a:p>
@@ -566,7 +593,7 @@
           <a:p>
             <a:fld id="{BD05E6A2-8C9D-48DB-ABA9-91190E3D94AE}" type="datetimeFigureOut">
               <a:rPr lang="en-US" smtClean="0"/>
-              <a:t>11/27/2019</a:t>
+              <a:t>12/6/2019</a:t>
             </a:fld>
             <a:endParaRPr lang="en-US"/>
           </a:p>
@@ -746,7 +773,7 @@
           <a:p>
             <a:fld id="{BD05E6A2-8C9D-48DB-ABA9-91190E3D94AE}" type="datetimeFigureOut">
               <a:rPr lang="en-US" smtClean="0"/>
-              <a:t>11/27/2019</a:t>
+              <a:t>12/6/2019</a:t>
             </a:fld>
             <a:endParaRPr lang="en-US"/>
           </a:p>
@@ -916,7 +943,7 @@
           <a:p>
             <a:fld id="{BD05E6A2-8C9D-48DB-ABA9-91190E3D94AE}" type="datetimeFigureOut">
               <a:rPr lang="en-US" smtClean="0"/>
-              <a:t>11/27/2019</a:t>
+              <a:t>12/6/2019</a:t>
             </a:fld>
             <a:endParaRPr lang="en-US"/>
           </a:p>
@@ -1162,7 +1189,7 @@
           <a:p>
             <a:fld id="{BD05E6A2-8C9D-48DB-ABA9-91190E3D94AE}" type="datetimeFigureOut">
               <a:rPr lang="en-US" smtClean="0"/>
-              <a:t>11/27/2019</a:t>
+              <a:t>12/6/2019</a:t>
             </a:fld>
             <a:endParaRPr lang="en-US"/>
           </a:p>
@@ -1450,7 +1477,7 @@
           <a:p>
             <a:fld id="{BD05E6A2-8C9D-48DB-ABA9-91190E3D94AE}" type="datetimeFigureOut">
               <a:rPr lang="en-US" smtClean="0"/>
-              <a:t>11/27/2019</a:t>
+              <a:t>12/6/2019</a:t>
             </a:fld>
             <a:endParaRPr lang="en-US"/>
           </a:p>
@@ -1872,7 +1899,7 @@
           <a:p>
             <a:fld id="{BD05E6A2-8C9D-48DB-ABA9-91190E3D94AE}" type="datetimeFigureOut">
               <a:rPr lang="en-US" smtClean="0"/>
-              <a:t>11/27/2019</a:t>
+              <a:t>12/6/2019</a:t>
             </a:fld>
             <a:endParaRPr lang="en-US"/>
           </a:p>
@@ -1990,7 +2017,7 @@
           <a:p>
             <a:fld id="{BD05E6A2-8C9D-48DB-ABA9-91190E3D94AE}" type="datetimeFigureOut">
               <a:rPr lang="en-US" smtClean="0"/>
-              <a:t>11/27/2019</a:t>
+              <a:t>12/6/2019</a:t>
             </a:fld>
             <a:endParaRPr lang="en-US"/>
           </a:p>
@@ -2085,7 +2112,7 @@
           <a:p>
             <a:fld id="{BD05E6A2-8C9D-48DB-ABA9-91190E3D94AE}" type="datetimeFigureOut">
               <a:rPr lang="en-US" smtClean="0"/>
-              <a:t>11/27/2019</a:t>
+              <a:t>12/6/2019</a:t>
             </a:fld>
             <a:endParaRPr lang="en-US"/>
           </a:p>
@@ -2362,7 +2389,7 @@
           <a:p>
             <a:fld id="{BD05E6A2-8C9D-48DB-ABA9-91190E3D94AE}" type="datetimeFigureOut">
               <a:rPr lang="en-US" smtClean="0"/>
-              <a:t>11/27/2019</a:t>
+              <a:t>12/6/2019</a:t>
             </a:fld>
             <a:endParaRPr lang="en-US"/>
           </a:p>
@@ -2615,7 +2642,7 @@
           <a:p>
             <a:fld id="{BD05E6A2-8C9D-48DB-ABA9-91190E3D94AE}" type="datetimeFigureOut">
               <a:rPr lang="en-US" smtClean="0"/>
-              <a:t>11/27/2019</a:t>
+              <a:t>12/6/2019</a:t>
             </a:fld>
             <a:endParaRPr lang="en-US"/>
           </a:p>
@@ -2828,7 +2855,7 @@
           <a:p>
             <a:fld id="{BD05E6A2-8C9D-48DB-ABA9-91190E3D94AE}" type="datetimeFigureOut">
               <a:rPr lang="en-US" smtClean="0"/>
-              <a:t>11/27/2019</a:t>
+              <a:t>12/6/2019</a:t>
             </a:fld>
             <a:endParaRPr lang="en-US"/>
           </a:p>
@@ -6437,6 +6464,2674 @@
 </p:sld>
 </file>
 
+<file path=ppt/slides/slide110.xml><?xml version="1.0" encoding="utf-8"?>
+<p:sld xmlns:a="http://schemas.openxmlformats.org/drawingml/2006/main" xmlns:r="http://schemas.openxmlformats.org/officeDocument/2006/relationships" xmlns:p="http://schemas.openxmlformats.org/presentationml/2006/main">
+  <p:cSld>
+    <p:spTree>
+      <p:nvGrpSpPr>
+        <p:cNvPr id="1" name=""/>
+        <p:cNvGrpSpPr/>
+        <p:nvPr/>
+      </p:nvGrpSpPr>
+      <p:grpSpPr>
+        <a:xfrm>
+          <a:off x="0" y="0"/>
+          <a:ext cx="0" cy="0"/>
+          <a:chOff x="0" y="0"/>
+          <a:chExt cx="0" cy="0"/>
+        </a:xfrm>
+      </p:grpSpPr>
+      <p:sp>
+        <p:nvSpPr>
+          <p:cNvPr id="2" name="Rectangle 1"/>
+          <p:cNvSpPr/>
+          <p:nvPr/>
+        </p:nvSpPr>
+        <p:spPr>
+          <a:xfrm>
+            <a:off x="228600" y="152400"/>
+            <a:ext cx="4150239" cy="369332"/>
+          </a:xfrm>
+          <a:prstGeom prst="rect">
+            <a:avLst/>
+          </a:prstGeom>
+        </p:spPr>
+        <p:txBody>
+          <a:bodyPr wrap="none">
+            <a:spAutoFit/>
+          </a:bodyPr>
+          <a:lstStyle/>
+          <a:p>
+            <a:r>
+              <a:rPr lang="en-US" dirty="0"/>
+              <a:t>Difference Between $</a:t>
+            </a:r>
+            <a:r>
+              <a:rPr lang="en-US" dirty="0" err="1"/>
+              <a:t>var</a:t>
+            </a:r>
+            <a:r>
+              <a:rPr lang="en-US" dirty="0"/>
+              <a:t> and $$</a:t>
+            </a:r>
+            <a:r>
+              <a:rPr lang="en-US" dirty="0" err="1"/>
+              <a:t>var</a:t>
+            </a:r>
+            <a:r>
+              <a:rPr lang="en-US" dirty="0"/>
+              <a:t> in PHP</a:t>
+            </a:r>
+          </a:p>
+        </p:txBody>
+      </p:sp>
+      <p:sp>
+        <p:nvSpPr>
+          <p:cNvPr id="3" name="Rectangle 2"/>
+          <p:cNvSpPr/>
+          <p:nvPr/>
+        </p:nvSpPr>
+        <p:spPr>
+          <a:xfrm>
+            <a:off x="263236" y="838200"/>
+            <a:ext cx="8423564" cy="646331"/>
+          </a:xfrm>
+          <a:prstGeom prst="rect">
+            <a:avLst/>
+          </a:prstGeom>
+        </p:spPr>
+        <p:txBody>
+          <a:bodyPr wrap="square">
+            <a:spAutoFit/>
+          </a:bodyPr>
+          <a:lstStyle/>
+          <a:p>
+            <a:r>
+              <a:rPr lang="en-US" dirty="0"/>
+              <a:t>PHP $$</a:t>
+            </a:r>
+            <a:r>
+              <a:rPr lang="en-US" dirty="0" err="1"/>
+              <a:t>var</a:t>
+            </a:r>
+            <a:r>
+              <a:rPr lang="en-US" dirty="0"/>
+              <a:t> uses the value of the variable whose name is the value of $var. It means $$</a:t>
+            </a:r>
+            <a:r>
+              <a:rPr lang="en-US" dirty="0" err="1"/>
+              <a:t>var</a:t>
+            </a:r>
+            <a:r>
+              <a:rPr lang="en-US" dirty="0"/>
+              <a:t> is known as reference variable </a:t>
+            </a:r>
+          </a:p>
+        </p:txBody>
+      </p:sp>
+      <p:sp>
+        <p:nvSpPr>
+          <p:cNvPr id="4" name="Rectangle 3"/>
+          <p:cNvSpPr/>
+          <p:nvPr/>
+        </p:nvSpPr>
+        <p:spPr>
+          <a:xfrm>
+            <a:off x="381000" y="1616977"/>
+            <a:ext cx="4572000" cy="3693319"/>
+          </a:xfrm>
+          <a:prstGeom prst="rect">
+            <a:avLst/>
+          </a:prstGeom>
+        </p:spPr>
+        <p:txBody>
+          <a:bodyPr>
+            <a:spAutoFit/>
+          </a:bodyPr>
+          <a:lstStyle/>
+          <a:p>
+            <a:r>
+              <a:rPr lang="en-US" dirty="0"/>
+              <a:t>&lt;?</a:t>
+            </a:r>
+            <a:r>
+              <a:rPr lang="en-US" dirty="0" err="1"/>
+              <a:t>php</a:t>
+            </a:r>
+            <a:endParaRPr lang="en-US" dirty="0"/>
+          </a:p>
+          <a:p>
+            <a:endParaRPr lang="en-US" dirty="0"/>
+          </a:p>
+          <a:p>
+            <a:r>
+              <a:rPr lang="en-US" dirty="0"/>
+              <a:t>$name="Rajeev";</a:t>
+            </a:r>
+          </a:p>
+          <a:p>
+            <a:endParaRPr lang="en-US" dirty="0"/>
+          </a:p>
+          <a:p>
+            <a:r>
+              <a:rPr lang="en-US" dirty="0"/>
+              <a:t>$name="</a:t>
+            </a:r>
+            <a:r>
+              <a:rPr lang="en-US" dirty="0" err="1"/>
+              <a:t>Sanjeev</a:t>
+            </a:r>
+            <a:r>
+              <a:rPr lang="en-US" dirty="0"/>
+              <a:t>";</a:t>
+            </a:r>
+          </a:p>
+          <a:p>
+            <a:endParaRPr lang="en-US" dirty="0"/>
+          </a:p>
+          <a:p>
+            <a:r>
+              <a:rPr lang="en-US" dirty="0"/>
+              <a:t>echo $name."&lt;</a:t>
+            </a:r>
+            <a:r>
+              <a:rPr lang="en-US" dirty="0" err="1"/>
+              <a:t>br</a:t>
+            </a:r>
+            <a:r>
+              <a:rPr lang="en-US" dirty="0"/>
+              <a:t>/&gt;";</a:t>
+            </a:r>
+          </a:p>
+          <a:p>
+            <a:endParaRPr lang="en-US" dirty="0"/>
+          </a:p>
+          <a:p>
+            <a:r>
+              <a:rPr lang="en-US" dirty="0"/>
+              <a:t>echo $name."&lt;</a:t>
+            </a:r>
+            <a:r>
+              <a:rPr lang="en-US" dirty="0" err="1"/>
+              <a:t>br</a:t>
+            </a:r>
+            <a:r>
+              <a:rPr lang="en-US" dirty="0"/>
+              <a:t>/&gt;";</a:t>
+            </a:r>
+          </a:p>
+          <a:p>
+            <a:endParaRPr lang="en-US" dirty="0"/>
+          </a:p>
+          <a:p>
+            <a:r>
+              <a:rPr lang="en-US" dirty="0"/>
+              <a:t>echo $Rajeev;</a:t>
+            </a:r>
+          </a:p>
+          <a:p>
+            <a:r>
+              <a:rPr lang="en-US" dirty="0"/>
+              <a:t>	</a:t>
+            </a:r>
+          </a:p>
+          <a:p>
+            <a:r>
+              <a:rPr lang="en-US" dirty="0"/>
+              <a:t>?&gt;</a:t>
+            </a:r>
+          </a:p>
+        </p:txBody>
+      </p:sp>
+      <p:sp>
+        <p:nvSpPr>
+          <p:cNvPr id="6" name="Rectangle 5"/>
+          <p:cNvSpPr/>
+          <p:nvPr/>
+        </p:nvSpPr>
+        <p:spPr>
+          <a:xfrm>
+            <a:off x="4399621" y="2438400"/>
+            <a:ext cx="4572000" cy="4247317"/>
+          </a:xfrm>
+          <a:prstGeom prst="rect">
+            <a:avLst/>
+          </a:prstGeom>
+        </p:spPr>
+        <p:txBody>
+          <a:bodyPr>
+            <a:spAutoFit/>
+          </a:bodyPr>
+          <a:lstStyle/>
+          <a:p>
+            <a:r>
+              <a:rPr lang="en-US" dirty="0"/>
+              <a:t>&lt;?</a:t>
+            </a:r>
+            <a:r>
+              <a:rPr lang="en-US" dirty="0" err="1"/>
+              <a:t>php</a:t>
+            </a:r>
+            <a:endParaRPr lang="en-US" dirty="0"/>
+          </a:p>
+          <a:p>
+            <a:r>
+              <a:rPr lang="en-US" dirty="0"/>
+              <a:t>	</a:t>
+            </a:r>
+          </a:p>
+          <a:p>
+            <a:r>
+              <a:rPr lang="en-US" dirty="0"/>
+              <a:t>$name="Ravi";</a:t>
+            </a:r>
+          </a:p>
+          <a:p>
+            <a:r>
+              <a:rPr lang="en-US" dirty="0"/>
+              <a:t>	</a:t>
+            </a:r>
+          </a:p>
+          <a:p>
+            <a:r>
+              <a:rPr lang="en-US" dirty="0"/>
+              <a:t>${$name}="</a:t>
+            </a:r>
+            <a:r>
+              <a:rPr lang="en-US" dirty="0" err="1"/>
+              <a:t>Ranjan</a:t>
+            </a:r>
+            <a:r>
+              <a:rPr lang="en-US" dirty="0"/>
+              <a:t>";</a:t>
+            </a:r>
+          </a:p>
+          <a:p>
+            <a:r>
+              <a:rPr lang="en-US" dirty="0"/>
+              <a:t>	</a:t>
+            </a:r>
+          </a:p>
+          <a:p>
+            <a:r>
+              <a:rPr lang="en-US" dirty="0"/>
+              <a:t>${${$name}}="</a:t>
+            </a:r>
+            <a:r>
+              <a:rPr lang="en-US" dirty="0" err="1"/>
+              <a:t>Rexx</a:t>
+            </a:r>
+            <a:r>
+              <a:rPr lang="en-US" dirty="0"/>
+              <a:t>";</a:t>
+            </a:r>
+          </a:p>
+          <a:p>
+            <a:r>
+              <a:rPr lang="en-US" dirty="0"/>
+              <a:t>	</a:t>
+            </a:r>
+          </a:p>
+          <a:p>
+            <a:r>
+              <a:rPr lang="en-US" dirty="0"/>
+              <a:t>echo $name;</a:t>
+            </a:r>
+          </a:p>
+          <a:p>
+            <a:r>
+              <a:rPr lang="en-US" dirty="0"/>
+              <a:t>	</a:t>
+            </a:r>
+          </a:p>
+          <a:p>
+            <a:r>
+              <a:rPr lang="en-US" dirty="0"/>
+              <a:t>echo ${$name};</a:t>
+            </a:r>
+          </a:p>
+          <a:p>
+            <a:r>
+              <a:rPr lang="en-US" dirty="0"/>
+              <a:t>	</a:t>
+            </a:r>
+          </a:p>
+          <a:p>
+            <a:r>
+              <a:rPr lang="en-US" dirty="0"/>
+              <a:t>echo ${${$name}};</a:t>
+            </a:r>
+          </a:p>
+          <a:p>
+            <a:r>
+              <a:rPr lang="en-US" dirty="0"/>
+              <a:t>  </a:t>
+            </a:r>
+          </a:p>
+          <a:p>
+            <a:r>
+              <a:rPr lang="en-US" dirty="0"/>
+              <a:t>?&gt;</a:t>
+            </a:r>
+          </a:p>
+        </p:txBody>
+      </p:sp>
+    </p:spTree>
+    <p:extLst>
+      <p:ext uri="{BB962C8B-B14F-4D97-AF65-F5344CB8AC3E}">
+        <p14:creationId xmlns:p14="http://schemas.microsoft.com/office/powerpoint/2010/main" val="2674801088"/>
+      </p:ext>
+    </p:extLst>
+  </p:cSld>
+  <p:clrMapOvr>
+    <a:masterClrMapping/>
+  </p:clrMapOvr>
+</p:sld>
+</file>
+
+<file path=ppt/slides/slide111.xml><?xml version="1.0" encoding="utf-8"?>
+<p:sld xmlns:a="http://schemas.openxmlformats.org/drawingml/2006/main" xmlns:r="http://schemas.openxmlformats.org/officeDocument/2006/relationships" xmlns:p="http://schemas.openxmlformats.org/presentationml/2006/main">
+  <p:cSld>
+    <p:spTree>
+      <p:nvGrpSpPr>
+        <p:cNvPr id="1" name=""/>
+        <p:cNvGrpSpPr/>
+        <p:nvPr/>
+      </p:nvGrpSpPr>
+      <p:grpSpPr>
+        <a:xfrm>
+          <a:off x="0" y="0"/>
+          <a:ext cx="0" cy="0"/>
+          <a:chOff x="0" y="0"/>
+          <a:chExt cx="0" cy="0"/>
+        </a:xfrm>
+      </p:grpSpPr>
+      <p:sp>
+        <p:nvSpPr>
+          <p:cNvPr id="2" name="Rectangle 1"/>
+          <p:cNvSpPr/>
+          <p:nvPr/>
+        </p:nvSpPr>
+        <p:spPr>
+          <a:xfrm>
+            <a:off x="116829" y="228600"/>
+            <a:ext cx="2956259" cy="369332"/>
+          </a:xfrm>
+          <a:prstGeom prst="rect">
+            <a:avLst/>
+          </a:prstGeom>
+        </p:spPr>
+        <p:txBody>
+          <a:bodyPr wrap="none">
+            <a:spAutoFit/>
+          </a:bodyPr>
+          <a:lstStyle/>
+          <a:p>
+            <a:r>
+              <a:rPr lang="en-US" dirty="0"/>
+              <a:t>Super Global Variables in PHP</a:t>
+            </a:r>
+          </a:p>
+        </p:txBody>
+      </p:sp>
+      <p:sp>
+        <p:nvSpPr>
+          <p:cNvPr id="3" name="Rectangle 2"/>
+          <p:cNvSpPr/>
+          <p:nvPr/>
+        </p:nvSpPr>
+        <p:spPr>
+          <a:xfrm>
+            <a:off x="990600" y="838200"/>
+            <a:ext cx="2939779" cy="369332"/>
+          </a:xfrm>
+          <a:prstGeom prst="rect">
+            <a:avLst/>
+          </a:prstGeom>
+        </p:spPr>
+        <p:txBody>
+          <a:bodyPr wrap="none">
+            <a:spAutoFit/>
+          </a:bodyPr>
+          <a:lstStyle/>
+          <a:p>
+            <a:r>
+              <a:rPr lang="en-US" dirty="0"/>
+              <a:t>$_GET["</a:t>
+            </a:r>
+            <a:r>
+              <a:rPr lang="en-US" dirty="0" err="1"/>
+              <a:t>FormElementName</a:t>
+            </a:r>
+            <a:r>
+              <a:rPr lang="en-US" dirty="0"/>
+              <a:t>"]</a:t>
+            </a:r>
+          </a:p>
+        </p:txBody>
+      </p:sp>
+      <p:sp>
+        <p:nvSpPr>
+          <p:cNvPr id="4" name="Rectangle 3"/>
+          <p:cNvSpPr/>
+          <p:nvPr/>
+        </p:nvSpPr>
+        <p:spPr>
+          <a:xfrm>
+            <a:off x="990600" y="1295400"/>
+            <a:ext cx="3056799" cy="369332"/>
+          </a:xfrm>
+          <a:prstGeom prst="rect">
+            <a:avLst/>
+          </a:prstGeom>
+        </p:spPr>
+        <p:txBody>
+          <a:bodyPr wrap="none">
+            <a:spAutoFit/>
+          </a:bodyPr>
+          <a:lstStyle/>
+          <a:p>
+            <a:r>
+              <a:rPr lang="en-US" dirty="0"/>
+              <a:t>$_POST["</a:t>
+            </a:r>
+            <a:r>
+              <a:rPr lang="en-US" dirty="0" err="1"/>
+              <a:t>FormElementName</a:t>
+            </a:r>
+            <a:r>
+              <a:rPr lang="en-US" dirty="0"/>
+              <a:t>"]</a:t>
+            </a:r>
+          </a:p>
+        </p:txBody>
+      </p:sp>
+      <p:sp>
+        <p:nvSpPr>
+          <p:cNvPr id="5" name="Rectangle 4"/>
+          <p:cNvSpPr/>
+          <p:nvPr/>
+        </p:nvSpPr>
+        <p:spPr>
+          <a:xfrm>
+            <a:off x="990600" y="1752600"/>
+            <a:ext cx="3432478" cy="369332"/>
+          </a:xfrm>
+          <a:prstGeom prst="rect">
+            <a:avLst/>
+          </a:prstGeom>
+        </p:spPr>
+        <p:txBody>
+          <a:bodyPr wrap="none">
+            <a:spAutoFit/>
+          </a:bodyPr>
+          <a:lstStyle/>
+          <a:p>
+            <a:r>
+              <a:rPr lang="en-US" dirty="0"/>
+              <a:t>$_REQUEST["</a:t>
+            </a:r>
+            <a:r>
+              <a:rPr lang="en-US" dirty="0" err="1"/>
+              <a:t>FormElementName</a:t>
+            </a:r>
+            <a:r>
+              <a:rPr lang="en-US" dirty="0"/>
+              <a:t>"]</a:t>
+            </a:r>
+          </a:p>
+        </p:txBody>
+      </p:sp>
+      <p:sp>
+        <p:nvSpPr>
+          <p:cNvPr id="6" name="Rectangle 5"/>
+          <p:cNvSpPr/>
+          <p:nvPr/>
+        </p:nvSpPr>
+        <p:spPr>
+          <a:xfrm>
+            <a:off x="990600" y="2209800"/>
+            <a:ext cx="3046540" cy="369332"/>
+          </a:xfrm>
+          <a:prstGeom prst="rect">
+            <a:avLst/>
+          </a:prstGeom>
+        </p:spPr>
+        <p:txBody>
+          <a:bodyPr wrap="none">
+            <a:spAutoFit/>
+          </a:bodyPr>
+          <a:lstStyle/>
+          <a:p>
+            <a:r>
+              <a:rPr lang="en-US" dirty="0"/>
+              <a:t>$_FILES["</a:t>
+            </a:r>
+            <a:r>
+              <a:rPr lang="en-US" dirty="0" err="1"/>
+              <a:t>FormElementName</a:t>
+            </a:r>
+            <a:r>
+              <a:rPr lang="en-US" dirty="0"/>
+              <a:t>"]</a:t>
+            </a:r>
+          </a:p>
+        </p:txBody>
+      </p:sp>
+      <p:sp>
+        <p:nvSpPr>
+          <p:cNvPr id="7" name="Rectangle 6"/>
+          <p:cNvSpPr/>
+          <p:nvPr/>
+        </p:nvSpPr>
+        <p:spPr>
+          <a:xfrm>
+            <a:off x="990600" y="2667000"/>
+            <a:ext cx="4385368" cy="369332"/>
+          </a:xfrm>
+          <a:prstGeom prst="rect">
+            <a:avLst/>
+          </a:prstGeom>
+        </p:spPr>
+        <p:txBody>
+          <a:bodyPr wrap="none">
+            <a:spAutoFit/>
+          </a:bodyPr>
+          <a:lstStyle/>
+          <a:p>
+            <a:r>
+              <a:rPr lang="en-US" dirty="0"/>
+              <a:t>$_FILES["</a:t>
+            </a:r>
+            <a:r>
+              <a:rPr lang="en-US" dirty="0" err="1"/>
+              <a:t>FormElementName</a:t>
+            </a:r>
+            <a:r>
+              <a:rPr lang="en-US" dirty="0"/>
+              <a:t>"]["</a:t>
+            </a:r>
+            <a:r>
+              <a:rPr lang="en-US" dirty="0" err="1"/>
+              <a:t>ArrayIndex</a:t>
+            </a:r>
+            <a:r>
+              <a:rPr lang="en-US" dirty="0"/>
+              <a:t>"]</a:t>
+            </a:r>
+          </a:p>
+        </p:txBody>
+      </p:sp>
+      <p:sp>
+        <p:nvSpPr>
+          <p:cNvPr id="8" name="Rectangle 7"/>
+          <p:cNvSpPr/>
+          <p:nvPr/>
+        </p:nvSpPr>
+        <p:spPr>
+          <a:xfrm>
+            <a:off x="914400" y="3124200"/>
+            <a:ext cx="2905924" cy="369332"/>
+          </a:xfrm>
+          <a:prstGeom prst="rect">
+            <a:avLst/>
+          </a:prstGeom>
+        </p:spPr>
+        <p:txBody>
+          <a:bodyPr wrap="none">
+            <a:spAutoFit/>
+          </a:bodyPr>
+          <a:lstStyle/>
+          <a:p>
+            <a:r>
+              <a:rPr lang="en-US" dirty="0"/>
+              <a:t> $_SESSION["</a:t>
+            </a:r>
+            <a:r>
+              <a:rPr lang="en-US" dirty="0" err="1"/>
+              <a:t>VariableName</a:t>
+            </a:r>
+            <a:r>
+              <a:rPr lang="en-US" dirty="0"/>
+              <a:t>"]</a:t>
+            </a:r>
+          </a:p>
+        </p:txBody>
+      </p:sp>
+      <p:sp>
+        <p:nvSpPr>
+          <p:cNvPr id="9" name="Rectangle 8"/>
+          <p:cNvSpPr/>
+          <p:nvPr/>
+        </p:nvSpPr>
+        <p:spPr>
+          <a:xfrm>
+            <a:off x="990600" y="3581400"/>
+            <a:ext cx="2782685" cy="369332"/>
+          </a:xfrm>
+          <a:prstGeom prst="rect">
+            <a:avLst/>
+          </a:prstGeom>
+        </p:spPr>
+        <p:txBody>
+          <a:bodyPr wrap="none">
+            <a:spAutoFit/>
+          </a:bodyPr>
+          <a:lstStyle/>
+          <a:p>
+            <a:r>
+              <a:rPr lang="en-US" dirty="0"/>
+              <a:t>$_COOKIE["</a:t>
+            </a:r>
+            <a:r>
+              <a:rPr lang="en-US" dirty="0" err="1"/>
+              <a:t>VariableName</a:t>
+            </a:r>
+            <a:r>
+              <a:rPr lang="en-US" dirty="0"/>
+              <a:t>"]</a:t>
+            </a:r>
+          </a:p>
+        </p:txBody>
+      </p:sp>
+      <p:sp>
+        <p:nvSpPr>
+          <p:cNvPr id="10" name="Rectangle 9"/>
+          <p:cNvSpPr/>
+          <p:nvPr/>
+        </p:nvSpPr>
+        <p:spPr>
+          <a:xfrm>
+            <a:off x="1066800" y="4038600"/>
+            <a:ext cx="2847831" cy="369332"/>
+          </a:xfrm>
+          <a:prstGeom prst="rect">
+            <a:avLst/>
+          </a:prstGeom>
+        </p:spPr>
+        <p:txBody>
+          <a:bodyPr wrap="none">
+            <a:spAutoFit/>
+          </a:bodyPr>
+          <a:lstStyle/>
+          <a:p>
+            <a:r>
+              <a:rPr lang="en-US" dirty="0"/>
+              <a:t>$_SERVER["</a:t>
+            </a:r>
+            <a:r>
+              <a:rPr lang="en-US" dirty="0" err="1"/>
+              <a:t>ConstantName</a:t>
+            </a:r>
+            <a:r>
+              <a:rPr lang="en-US" dirty="0"/>
+              <a:t>"]</a:t>
+            </a:r>
+          </a:p>
+        </p:txBody>
+      </p:sp>
+      <p:sp>
+        <p:nvSpPr>
+          <p:cNvPr id="11" name="Rectangle 10"/>
+          <p:cNvSpPr/>
+          <p:nvPr/>
+        </p:nvSpPr>
+        <p:spPr>
+          <a:xfrm>
+            <a:off x="4409628" y="5105400"/>
+            <a:ext cx="4572000" cy="1477328"/>
+          </a:xfrm>
+          <a:prstGeom prst="rect">
+            <a:avLst/>
+          </a:prstGeom>
+        </p:spPr>
+        <p:txBody>
+          <a:bodyPr>
+            <a:spAutoFit/>
+          </a:bodyPr>
+          <a:lstStyle/>
+          <a:p>
+            <a:r>
+              <a:rPr lang="en-US" dirty="0"/>
+              <a:t> $_SERVER["SERVER_PORT"]</a:t>
+            </a:r>
+          </a:p>
+          <a:p>
+            <a:endParaRPr lang="en-US" dirty="0"/>
+          </a:p>
+          <a:p>
+            <a:r>
+              <a:rPr lang="en-US" dirty="0"/>
+              <a:t>$_SERVER["SERVER_NAME"]</a:t>
+            </a:r>
+          </a:p>
+          <a:p>
+            <a:endParaRPr lang="en-US" dirty="0"/>
+          </a:p>
+          <a:p>
+            <a:r>
+              <a:rPr lang="en-US" dirty="0"/>
+              <a:t>$_SERVER["REQUEST_URI"]</a:t>
+            </a:r>
+          </a:p>
+        </p:txBody>
+      </p:sp>
+    </p:spTree>
+    <p:extLst>
+      <p:ext uri="{BB962C8B-B14F-4D97-AF65-F5344CB8AC3E}">
+        <p14:creationId xmlns:p14="http://schemas.microsoft.com/office/powerpoint/2010/main" val="1521536294"/>
+      </p:ext>
+    </p:extLst>
+  </p:cSld>
+  <p:clrMapOvr>
+    <a:masterClrMapping/>
+  </p:clrMapOvr>
+</p:sld>
+</file>
+
+<file path=ppt/slides/slide112.xml><?xml version="1.0" encoding="utf-8"?>
+<p:sld xmlns:a="http://schemas.openxmlformats.org/drawingml/2006/main" xmlns:r="http://schemas.openxmlformats.org/officeDocument/2006/relationships" xmlns:p="http://schemas.openxmlformats.org/presentationml/2006/main">
+  <p:cSld>
+    <p:spTree>
+      <p:nvGrpSpPr>
+        <p:cNvPr id="1" name=""/>
+        <p:cNvGrpSpPr/>
+        <p:nvPr/>
+      </p:nvGrpSpPr>
+      <p:grpSpPr>
+        <a:xfrm>
+          <a:off x="0" y="0"/>
+          <a:ext cx="0" cy="0"/>
+          <a:chOff x="0" y="0"/>
+          <a:chExt cx="0" cy="0"/>
+        </a:xfrm>
+      </p:grpSpPr>
+      <p:sp>
+        <p:nvSpPr>
+          <p:cNvPr id="2" name="Rectangle 1"/>
+          <p:cNvSpPr/>
+          <p:nvPr/>
+        </p:nvSpPr>
+        <p:spPr>
+          <a:xfrm>
+            <a:off x="228600" y="228600"/>
+            <a:ext cx="1682384" cy="369332"/>
+          </a:xfrm>
+          <a:prstGeom prst="rect">
+            <a:avLst/>
+          </a:prstGeom>
+        </p:spPr>
+        <p:txBody>
+          <a:bodyPr wrap="none">
+            <a:spAutoFit/>
+          </a:bodyPr>
+          <a:lstStyle/>
+          <a:p>
+            <a:r>
+              <a:rPr lang="en-US" dirty="0"/>
+              <a:t>Constant in PHP</a:t>
+            </a:r>
+          </a:p>
+        </p:txBody>
+      </p:sp>
+      <p:sp>
+        <p:nvSpPr>
+          <p:cNvPr id="3" name="Rectangle 2"/>
+          <p:cNvSpPr/>
+          <p:nvPr/>
+        </p:nvSpPr>
+        <p:spPr>
+          <a:xfrm>
+            <a:off x="381000" y="762000"/>
+            <a:ext cx="8305800" cy="1200329"/>
+          </a:xfrm>
+          <a:prstGeom prst="rect">
+            <a:avLst/>
+          </a:prstGeom>
+        </p:spPr>
+        <p:txBody>
+          <a:bodyPr wrap="square">
+            <a:spAutoFit/>
+          </a:bodyPr>
+          <a:lstStyle/>
+          <a:p>
+            <a:pPr marL="285750" indent="-285750">
+              <a:buFont typeface="Wingdings" pitchFamily="2" charset="2"/>
+              <a:buChar char="ü"/>
+            </a:pPr>
+            <a:r>
+              <a:rPr lang="en-US" dirty="0"/>
+              <a:t>Constants are PHP container that remain constant and never change</a:t>
+            </a:r>
+          </a:p>
+          <a:p>
+            <a:pPr marL="285750" indent="-285750">
+              <a:buFont typeface="Wingdings" pitchFamily="2" charset="2"/>
+              <a:buChar char="ü"/>
+            </a:pPr>
+            <a:r>
+              <a:rPr lang="en-US" dirty="0"/>
+              <a:t>Constants are used for data that is unchanged at multiple place within our program.</a:t>
+            </a:r>
+          </a:p>
+          <a:p>
+            <a:pPr marL="285750" indent="-285750">
+              <a:buFont typeface="Wingdings" pitchFamily="2" charset="2"/>
+              <a:buChar char="ü"/>
+            </a:pPr>
+            <a:r>
+              <a:rPr lang="en-US" dirty="0"/>
+              <a:t>Variables are temporary storage while Constants are permanent.</a:t>
+            </a:r>
+          </a:p>
+          <a:p>
+            <a:pPr marL="285750" indent="-285750">
+              <a:buFont typeface="Wingdings" pitchFamily="2" charset="2"/>
+              <a:buChar char="ü"/>
+            </a:pPr>
+            <a:r>
+              <a:rPr lang="en-US" dirty="0"/>
+              <a:t>Use Constants for values that remain fixed and referenced multiple times.</a:t>
+            </a:r>
+          </a:p>
+        </p:txBody>
+      </p:sp>
+      <p:sp>
+        <p:nvSpPr>
+          <p:cNvPr id="4" name="Rectangle 3"/>
+          <p:cNvSpPr/>
+          <p:nvPr/>
+        </p:nvSpPr>
+        <p:spPr>
+          <a:xfrm>
+            <a:off x="1566507" y="2153483"/>
+            <a:ext cx="5672493" cy="4247317"/>
+          </a:xfrm>
+          <a:prstGeom prst="rect">
+            <a:avLst/>
+          </a:prstGeom>
+        </p:spPr>
+        <p:txBody>
+          <a:bodyPr wrap="square">
+            <a:spAutoFit/>
+          </a:bodyPr>
+          <a:lstStyle/>
+          <a:p>
+            <a:r>
+              <a:rPr lang="en-US" dirty="0"/>
+              <a:t>&lt;?</a:t>
+            </a:r>
+            <a:r>
+              <a:rPr lang="en-US" dirty="0" err="1"/>
+              <a:t>php</a:t>
+            </a:r>
+            <a:endParaRPr lang="en-US" dirty="0"/>
+          </a:p>
+          <a:p>
+            <a:endParaRPr lang="en-US" dirty="0"/>
+          </a:p>
+          <a:p>
+            <a:r>
+              <a:rPr lang="en-US" dirty="0"/>
+              <a:t>//define exchange rate</a:t>
+            </a:r>
+          </a:p>
+          <a:p>
+            <a:r>
+              <a:rPr lang="en-US" dirty="0"/>
+              <a:t>//1.00 USD= 0.80 EUR</a:t>
+            </a:r>
+          </a:p>
+          <a:p>
+            <a:r>
+              <a:rPr lang="en-US" dirty="0"/>
+              <a:t>define('EXCHANGE_RATE',0.80);</a:t>
+            </a:r>
+          </a:p>
+          <a:p>
+            <a:endParaRPr lang="en-US" dirty="0"/>
+          </a:p>
+          <a:p>
+            <a:r>
+              <a:rPr lang="en-US" dirty="0"/>
+              <a:t>//define number of dollars</a:t>
+            </a:r>
+          </a:p>
+          <a:p>
+            <a:r>
+              <a:rPr lang="en-US" dirty="0"/>
+              <a:t>$dollars=150;</a:t>
+            </a:r>
+          </a:p>
+          <a:p>
+            <a:endParaRPr lang="en-US" dirty="0"/>
+          </a:p>
+          <a:p>
+            <a:r>
+              <a:rPr lang="en-US" dirty="0"/>
+              <a:t>//perform conversion and print result</a:t>
+            </a:r>
+          </a:p>
+          <a:p>
+            <a:r>
+              <a:rPr lang="en-US" dirty="0"/>
+              <a:t>$euros=$dollars*EXCHANGE_RATE;</a:t>
+            </a:r>
+          </a:p>
+          <a:p>
+            <a:endParaRPr lang="en-US" dirty="0"/>
+          </a:p>
+          <a:p>
+            <a:r>
+              <a:rPr lang="en-US" dirty="0"/>
+              <a:t>echo "$dollars USD is equivalent to :$euros EUR";</a:t>
+            </a:r>
+          </a:p>
+          <a:p>
+            <a:endParaRPr lang="en-US" dirty="0"/>
+          </a:p>
+          <a:p>
+            <a:r>
+              <a:rPr lang="en-US" dirty="0"/>
+              <a:t>?&gt;	</a:t>
+            </a:r>
+          </a:p>
+        </p:txBody>
+      </p:sp>
+    </p:spTree>
+    <p:extLst>
+      <p:ext uri="{BB962C8B-B14F-4D97-AF65-F5344CB8AC3E}">
+        <p14:creationId xmlns:p14="http://schemas.microsoft.com/office/powerpoint/2010/main" val="3607631240"/>
+      </p:ext>
+    </p:extLst>
+  </p:cSld>
+  <p:clrMapOvr>
+    <a:masterClrMapping/>
+  </p:clrMapOvr>
+</p:sld>
+</file>
+
+<file path=ppt/slides/slide113.xml><?xml version="1.0" encoding="utf-8"?>
+<p:sld xmlns:a="http://schemas.openxmlformats.org/drawingml/2006/main" xmlns:r="http://schemas.openxmlformats.org/officeDocument/2006/relationships" xmlns:p="http://schemas.openxmlformats.org/presentationml/2006/main">
+  <p:cSld>
+    <p:spTree>
+      <p:nvGrpSpPr>
+        <p:cNvPr id="1" name=""/>
+        <p:cNvGrpSpPr/>
+        <p:nvPr/>
+      </p:nvGrpSpPr>
+      <p:grpSpPr>
+        <a:xfrm>
+          <a:off x="0" y="0"/>
+          <a:ext cx="0" cy="0"/>
+          <a:chOff x="0" y="0"/>
+          <a:chExt cx="0" cy="0"/>
+        </a:xfrm>
+      </p:grpSpPr>
+      <p:sp>
+        <p:nvSpPr>
+          <p:cNvPr id="2" name="Rectangle 1"/>
+          <p:cNvSpPr/>
+          <p:nvPr/>
+        </p:nvSpPr>
+        <p:spPr>
+          <a:xfrm>
+            <a:off x="228600" y="152400"/>
+            <a:ext cx="2084738" cy="369332"/>
+          </a:xfrm>
+          <a:prstGeom prst="rect">
+            <a:avLst/>
+          </a:prstGeom>
+        </p:spPr>
+        <p:txBody>
+          <a:bodyPr wrap="none">
+            <a:spAutoFit/>
+          </a:bodyPr>
+          <a:lstStyle/>
+          <a:p>
+            <a:r>
+              <a:rPr lang="en-US" dirty="0" err="1"/>
+              <a:t>PHP:Magic</a:t>
+            </a:r>
+            <a:r>
+              <a:rPr lang="en-US" dirty="0"/>
+              <a:t> Constant</a:t>
+            </a:r>
+          </a:p>
+        </p:txBody>
+      </p:sp>
+      <p:sp>
+        <p:nvSpPr>
+          <p:cNvPr id="3" name="Rectangle 2"/>
+          <p:cNvSpPr/>
+          <p:nvPr/>
+        </p:nvSpPr>
+        <p:spPr>
+          <a:xfrm>
+            <a:off x="609600" y="762000"/>
+            <a:ext cx="7848600" cy="2031325"/>
+          </a:xfrm>
+          <a:prstGeom prst="rect">
+            <a:avLst/>
+          </a:prstGeom>
+        </p:spPr>
+        <p:txBody>
+          <a:bodyPr wrap="square">
+            <a:spAutoFit/>
+          </a:bodyPr>
+          <a:lstStyle/>
+          <a:p>
+            <a:r>
+              <a:rPr lang="en-US" dirty="0"/>
+              <a:t>__LINE__	</a:t>
+            </a:r>
+            <a:r>
+              <a:rPr lang="en-US" dirty="0" smtClean="0"/>
+              <a:t>		The </a:t>
+            </a:r>
+            <a:r>
+              <a:rPr lang="en-US" dirty="0"/>
+              <a:t>current line number of the file</a:t>
+            </a:r>
+            <a:r>
+              <a:rPr lang="en-US" dirty="0" smtClean="0"/>
+              <a:t>.</a:t>
+            </a:r>
+            <a:endParaRPr lang="en-US" dirty="0"/>
+          </a:p>
+          <a:p>
+            <a:r>
+              <a:rPr lang="en-US" dirty="0"/>
+              <a:t>__FILE__	</a:t>
+            </a:r>
+            <a:r>
+              <a:rPr lang="en-US" dirty="0" smtClean="0"/>
+              <a:t>		The </a:t>
+            </a:r>
+            <a:r>
+              <a:rPr lang="en-US" dirty="0"/>
+              <a:t>full path and filename of the file.</a:t>
+            </a:r>
+          </a:p>
+          <a:p>
+            <a:r>
+              <a:rPr lang="en-US" dirty="0"/>
+              <a:t>__FUNCTION__	</a:t>
+            </a:r>
+            <a:r>
+              <a:rPr lang="en-US" dirty="0" smtClean="0"/>
+              <a:t>	The </a:t>
+            </a:r>
+            <a:r>
+              <a:rPr lang="en-US" dirty="0"/>
+              <a:t>function name</a:t>
+            </a:r>
+          </a:p>
+          <a:p>
+            <a:r>
+              <a:rPr lang="en-US" dirty="0"/>
+              <a:t>__CLASS__	</a:t>
+            </a:r>
+            <a:r>
+              <a:rPr lang="en-US" dirty="0" smtClean="0"/>
+              <a:t>	The </a:t>
+            </a:r>
+            <a:r>
+              <a:rPr lang="en-US" dirty="0"/>
+              <a:t>class name</a:t>
+            </a:r>
+          </a:p>
+          <a:p>
+            <a:r>
+              <a:rPr lang="en-US" dirty="0"/>
+              <a:t>__METHOD__	</a:t>
+            </a:r>
+            <a:r>
+              <a:rPr lang="en-US" dirty="0" smtClean="0"/>
+              <a:t>	The </a:t>
+            </a:r>
+            <a:r>
+              <a:rPr lang="en-US" dirty="0"/>
+              <a:t>class method name</a:t>
+            </a:r>
+          </a:p>
+          <a:p>
+            <a:r>
+              <a:rPr lang="en-US" dirty="0"/>
+              <a:t>PHP_VERSION	</a:t>
+            </a:r>
+            <a:r>
+              <a:rPr lang="en-US" dirty="0" smtClean="0"/>
+              <a:t>	The </a:t>
+            </a:r>
+            <a:r>
+              <a:rPr lang="en-US" dirty="0"/>
+              <a:t>PHP version</a:t>
+            </a:r>
+          </a:p>
+          <a:p>
+            <a:r>
+              <a:rPr lang="en-US" dirty="0"/>
+              <a:t>PHP_INT_MAX	</a:t>
+            </a:r>
+            <a:r>
+              <a:rPr lang="en-US" dirty="0" smtClean="0"/>
+              <a:t>	The </a:t>
+            </a:r>
+            <a:r>
+              <a:rPr lang="en-US" dirty="0"/>
+              <a:t>PHP integer value limit</a:t>
+            </a:r>
+          </a:p>
+        </p:txBody>
+      </p:sp>
+      <p:sp>
+        <p:nvSpPr>
+          <p:cNvPr id="4" name="Rectangle 3"/>
+          <p:cNvSpPr/>
+          <p:nvPr/>
+        </p:nvSpPr>
+        <p:spPr>
+          <a:xfrm>
+            <a:off x="616526" y="2971800"/>
+            <a:ext cx="7765473" cy="2308324"/>
+          </a:xfrm>
+          <a:prstGeom prst="rect">
+            <a:avLst/>
+          </a:prstGeom>
+        </p:spPr>
+        <p:txBody>
+          <a:bodyPr wrap="square">
+            <a:spAutoFit/>
+          </a:bodyPr>
+          <a:lstStyle/>
+          <a:p>
+            <a:r>
+              <a:rPr lang="en-US" dirty="0"/>
+              <a:t>&lt;?</a:t>
+            </a:r>
+            <a:r>
+              <a:rPr lang="en-US" dirty="0" err="1"/>
+              <a:t>php</a:t>
+            </a:r>
+            <a:endParaRPr lang="en-US" dirty="0"/>
+          </a:p>
+          <a:p>
+            <a:endParaRPr lang="en-US" dirty="0"/>
+          </a:p>
+          <a:p>
+            <a:r>
+              <a:rPr lang="en-US" dirty="0"/>
+              <a:t>echo "The Line number : ". __LINE</a:t>
+            </a:r>
+            <a:r>
+              <a:rPr lang="en-US" dirty="0" smtClean="0"/>
+              <a:t>__;</a:t>
+            </a:r>
+          </a:p>
+          <a:p>
+            <a:r>
+              <a:rPr lang="en-US" dirty="0"/>
+              <a:t>echo "Your file name :". __FILE</a:t>
+            </a:r>
+            <a:r>
+              <a:rPr lang="en-US" dirty="0" smtClean="0"/>
+              <a:t>__;</a:t>
+            </a:r>
+          </a:p>
+          <a:p>
+            <a:r>
+              <a:rPr lang="en-US" dirty="0"/>
+              <a:t>echo "Current PHP Version you are using : ".PHP_VERSION</a:t>
+            </a:r>
+            <a:r>
+              <a:rPr lang="en-US" dirty="0" smtClean="0"/>
+              <a:t>;</a:t>
+            </a:r>
+          </a:p>
+          <a:p>
+            <a:r>
+              <a:rPr lang="en-US"/>
+              <a:t>echo "Integer Maximum Value : ".PHP_INT_MAX;</a:t>
+            </a:r>
+            <a:endParaRPr lang="en-US" dirty="0"/>
+          </a:p>
+          <a:p>
+            <a:endParaRPr lang="en-US" dirty="0"/>
+          </a:p>
+          <a:p>
+            <a:r>
+              <a:rPr lang="en-US" dirty="0"/>
+              <a:t>?&gt;</a:t>
+            </a:r>
+          </a:p>
+        </p:txBody>
+      </p:sp>
+    </p:spTree>
+    <p:extLst>
+      <p:ext uri="{BB962C8B-B14F-4D97-AF65-F5344CB8AC3E}">
+        <p14:creationId xmlns:p14="http://schemas.microsoft.com/office/powerpoint/2010/main" val="1591700822"/>
+      </p:ext>
+    </p:extLst>
+  </p:cSld>
+  <p:clrMapOvr>
+    <a:masterClrMapping/>
+  </p:clrMapOvr>
+</p:sld>
+</file>
+
+<file path=ppt/slides/slide114.xml><?xml version="1.0" encoding="utf-8"?>
+<p:sld xmlns:a="http://schemas.openxmlformats.org/drawingml/2006/main" xmlns:r="http://schemas.openxmlformats.org/officeDocument/2006/relationships" xmlns:p="http://schemas.openxmlformats.org/presentationml/2006/main">
+  <p:cSld>
+    <p:spTree>
+      <p:nvGrpSpPr>
+        <p:cNvPr id="1" name=""/>
+        <p:cNvGrpSpPr/>
+        <p:nvPr/>
+      </p:nvGrpSpPr>
+      <p:grpSpPr>
+        <a:xfrm>
+          <a:off x="0" y="0"/>
+          <a:ext cx="0" cy="0"/>
+          <a:chOff x="0" y="0"/>
+          <a:chExt cx="0" cy="0"/>
+        </a:xfrm>
+      </p:grpSpPr>
+      <p:sp>
+        <p:nvSpPr>
+          <p:cNvPr id="3" name="Rectangle 2"/>
+          <p:cNvSpPr/>
+          <p:nvPr/>
+        </p:nvSpPr>
+        <p:spPr>
+          <a:xfrm>
+            <a:off x="76200" y="63103"/>
+            <a:ext cx="8915400" cy="6740307"/>
+          </a:xfrm>
+          <a:prstGeom prst="rect">
+            <a:avLst/>
+          </a:prstGeom>
+        </p:spPr>
+        <p:txBody>
+          <a:bodyPr wrap="square">
+            <a:spAutoFit/>
+          </a:bodyPr>
+          <a:lstStyle/>
+          <a:p>
+            <a:r>
+              <a:rPr lang="en-US" dirty="0"/>
+              <a:t>&lt;?</a:t>
+            </a:r>
+            <a:r>
+              <a:rPr lang="en-US" dirty="0" err="1"/>
+              <a:t>php</a:t>
+            </a:r>
+            <a:endParaRPr lang="en-US" dirty="0"/>
+          </a:p>
+          <a:p>
+            <a:endParaRPr lang="en-US" dirty="0"/>
+          </a:p>
+          <a:p>
+            <a:r>
+              <a:rPr lang="en-US" dirty="0"/>
+              <a:t>class </a:t>
+            </a:r>
+            <a:r>
+              <a:rPr lang="en-US" dirty="0" smtClean="0"/>
+              <a:t>demo{</a:t>
+            </a:r>
+            <a:endParaRPr lang="en-US" dirty="0"/>
+          </a:p>
+          <a:p>
+            <a:endParaRPr lang="en-US" dirty="0"/>
+          </a:p>
+          <a:p>
+            <a:r>
+              <a:rPr lang="en-US" dirty="0"/>
+              <a:t>function test()</a:t>
+            </a:r>
+          </a:p>
+          <a:p>
+            <a:endParaRPr lang="en-US" dirty="0"/>
+          </a:p>
+          <a:p>
+            <a:r>
+              <a:rPr lang="en-US" dirty="0" smtClean="0"/>
+              <a:t>{	echo </a:t>
+            </a:r>
+            <a:r>
+              <a:rPr lang="en-US" dirty="0"/>
+              <a:t>"Function of demo class : ". __FUNCTION__ ."&lt;</a:t>
+            </a:r>
+            <a:r>
+              <a:rPr lang="en-US" dirty="0" err="1"/>
+              <a:t>br</a:t>
+            </a:r>
+            <a:r>
+              <a:rPr lang="en-US" dirty="0" smtClean="0"/>
+              <a:t>/&gt;";  }</a:t>
+            </a:r>
+            <a:endParaRPr lang="en-US" dirty="0"/>
+          </a:p>
+          <a:p>
+            <a:endParaRPr lang="en-US" dirty="0"/>
+          </a:p>
+          <a:p>
+            <a:r>
+              <a:rPr lang="en-US" dirty="0"/>
+              <a:t>function </a:t>
+            </a:r>
+            <a:r>
+              <a:rPr lang="en-US" dirty="0" err="1"/>
+              <a:t>testme</a:t>
+            </a:r>
+            <a:r>
+              <a:rPr lang="en-US" dirty="0" smtClean="0"/>
+              <a:t>(){</a:t>
+            </a:r>
+            <a:endParaRPr lang="en-US" dirty="0"/>
+          </a:p>
+          <a:p>
+            <a:endParaRPr lang="en-US" dirty="0"/>
+          </a:p>
+          <a:p>
+            <a:r>
+              <a:rPr lang="en-US" dirty="0"/>
+              <a:t>echo "Method of demo class : ". __METHOD__ ."&lt;</a:t>
+            </a:r>
+            <a:r>
+              <a:rPr lang="en-US" dirty="0" err="1"/>
+              <a:t>br</a:t>
+            </a:r>
+            <a:r>
+              <a:rPr lang="en-US" dirty="0"/>
+              <a:t>/&gt;";</a:t>
+            </a:r>
+          </a:p>
+          <a:p>
+            <a:endParaRPr lang="en-US" dirty="0"/>
+          </a:p>
+          <a:p>
+            <a:r>
+              <a:rPr lang="en-US" dirty="0"/>
+              <a:t>echo "Class : ". __CLASS__;</a:t>
+            </a:r>
+          </a:p>
+          <a:p>
+            <a:r>
+              <a:rPr lang="en-US" dirty="0"/>
+              <a:t>				</a:t>
+            </a:r>
+          </a:p>
+          <a:p>
+            <a:r>
+              <a:rPr lang="en-US" dirty="0" smtClean="0"/>
+              <a:t>}  }</a:t>
+            </a:r>
+            <a:endParaRPr lang="en-US" dirty="0"/>
+          </a:p>
+          <a:p>
+            <a:endParaRPr lang="en-US" dirty="0" smtClean="0"/>
+          </a:p>
+          <a:p>
+            <a:r>
+              <a:rPr lang="en-US" dirty="0"/>
+              <a:t>$object=new demo();</a:t>
+            </a:r>
+          </a:p>
+          <a:p>
+            <a:endParaRPr lang="en-US" dirty="0"/>
+          </a:p>
+          <a:p>
+            <a:r>
+              <a:rPr lang="en-US" dirty="0"/>
+              <a:t>$object-&gt;test();</a:t>
+            </a:r>
+          </a:p>
+          <a:p>
+            <a:endParaRPr lang="en-US" dirty="0"/>
+          </a:p>
+          <a:p>
+            <a:r>
+              <a:rPr lang="en-US" dirty="0"/>
+              <a:t>$object-&gt;</a:t>
+            </a:r>
+            <a:r>
+              <a:rPr lang="en-US" dirty="0" err="1"/>
+              <a:t>testme</a:t>
+            </a:r>
+            <a:r>
+              <a:rPr lang="en-US" dirty="0"/>
+              <a:t>();</a:t>
+            </a:r>
+          </a:p>
+          <a:p>
+            <a:endParaRPr lang="en-US" dirty="0"/>
+          </a:p>
+          <a:p>
+            <a:r>
+              <a:rPr lang="en-US" dirty="0"/>
+              <a:t>?&gt;</a:t>
+            </a:r>
+          </a:p>
+          <a:p>
+            <a:endParaRPr lang="en-US" dirty="0"/>
+          </a:p>
+        </p:txBody>
+      </p:sp>
+    </p:spTree>
+    <p:extLst>
+      <p:ext uri="{BB962C8B-B14F-4D97-AF65-F5344CB8AC3E}">
+        <p14:creationId xmlns:p14="http://schemas.microsoft.com/office/powerpoint/2010/main" val="58880655"/>
+      </p:ext>
+    </p:extLst>
+  </p:cSld>
+  <p:clrMapOvr>
+    <a:masterClrMapping/>
+  </p:clrMapOvr>
+</p:sld>
+</file>
+
+<file path=ppt/slides/slide115.xml><?xml version="1.0" encoding="utf-8"?>
+<p:sld xmlns:a="http://schemas.openxmlformats.org/drawingml/2006/main" xmlns:r="http://schemas.openxmlformats.org/officeDocument/2006/relationships" xmlns:p="http://schemas.openxmlformats.org/presentationml/2006/main">
+  <p:cSld>
+    <p:spTree>
+      <p:nvGrpSpPr>
+        <p:cNvPr id="1" name=""/>
+        <p:cNvGrpSpPr/>
+        <p:nvPr/>
+      </p:nvGrpSpPr>
+      <p:grpSpPr>
+        <a:xfrm>
+          <a:off x="0" y="0"/>
+          <a:ext cx="0" cy="0"/>
+          <a:chOff x="0" y="0"/>
+          <a:chExt cx="0" cy="0"/>
+        </a:xfrm>
+      </p:grpSpPr>
+      <p:sp>
+        <p:nvSpPr>
+          <p:cNvPr id="2" name="Rectangle 1"/>
+          <p:cNvSpPr/>
+          <p:nvPr/>
+        </p:nvSpPr>
+        <p:spPr>
+          <a:xfrm>
+            <a:off x="249382" y="381000"/>
+            <a:ext cx="7162800" cy="923330"/>
+          </a:xfrm>
+          <a:prstGeom prst="rect">
+            <a:avLst/>
+          </a:prstGeom>
+        </p:spPr>
+        <p:txBody>
+          <a:bodyPr wrap="square">
+            <a:spAutoFit/>
+          </a:bodyPr>
+          <a:lstStyle/>
+          <a:p>
+            <a:r>
+              <a:rPr lang="en-US" dirty="0"/>
+              <a:t>if(!</a:t>
+            </a:r>
+            <a:r>
+              <a:rPr lang="en-US" dirty="0" err="1"/>
+              <a:t>isset</a:t>
+            </a:r>
+            <a:r>
+              <a:rPr lang="en-US" dirty="0"/>
+              <a:t>($_SESSION['EMAIL_ADDRESS'])){</a:t>
+            </a:r>
+          </a:p>
+          <a:p>
+            <a:r>
+              <a:rPr lang="en-US" dirty="0"/>
+              <a:t>   </a:t>
+            </a:r>
+            <a:r>
+              <a:rPr lang="en-US" dirty="0" smtClean="0"/>
+              <a:t>header</a:t>
+            </a:r>
+            <a:r>
+              <a:rPr lang="en-US" dirty="0"/>
+              <a:t>('</a:t>
+            </a:r>
+            <a:r>
+              <a:rPr lang="en-US" dirty="0" err="1"/>
+              <a:t>location:login.php</a:t>
+            </a:r>
+            <a:r>
+              <a:rPr lang="en-US" dirty="0"/>
+              <a:t>');</a:t>
+            </a:r>
+          </a:p>
+          <a:p>
+            <a:r>
+              <a:rPr lang="en-US" dirty="0"/>
+              <a:t>}</a:t>
+            </a:r>
+          </a:p>
+        </p:txBody>
+      </p:sp>
+    </p:spTree>
+    <p:extLst>
+      <p:ext uri="{BB962C8B-B14F-4D97-AF65-F5344CB8AC3E}">
+        <p14:creationId xmlns:p14="http://schemas.microsoft.com/office/powerpoint/2010/main" val="2207281989"/>
+      </p:ext>
+    </p:extLst>
+  </p:cSld>
+  <p:clrMapOvr>
+    <a:masterClrMapping/>
+  </p:clrMapOvr>
+</p:sld>
+</file>
+
+<file path=ppt/slides/slide116.xml><?xml version="1.0" encoding="utf-8"?>
+<p:sld xmlns:a="http://schemas.openxmlformats.org/drawingml/2006/main" xmlns:r="http://schemas.openxmlformats.org/officeDocument/2006/relationships" xmlns:p="http://schemas.openxmlformats.org/presentationml/2006/main">
+  <p:cSld>
+    <p:spTree>
+      <p:nvGrpSpPr>
+        <p:cNvPr id="1" name=""/>
+        <p:cNvGrpSpPr/>
+        <p:nvPr/>
+      </p:nvGrpSpPr>
+      <p:grpSpPr>
+        <a:xfrm>
+          <a:off x="0" y="0"/>
+          <a:ext cx="0" cy="0"/>
+          <a:chOff x="0" y="0"/>
+          <a:chExt cx="0" cy="0"/>
+        </a:xfrm>
+      </p:grpSpPr>
+      <p:sp>
+        <p:nvSpPr>
+          <p:cNvPr id="2" name="Rectangle 1"/>
+          <p:cNvSpPr/>
+          <p:nvPr/>
+        </p:nvSpPr>
+        <p:spPr>
+          <a:xfrm>
+            <a:off x="228600" y="58847"/>
+            <a:ext cx="8534400" cy="6186309"/>
+          </a:xfrm>
+          <a:prstGeom prst="rect">
+            <a:avLst/>
+          </a:prstGeom>
+        </p:spPr>
+        <p:txBody>
+          <a:bodyPr wrap="square">
+            <a:spAutoFit/>
+          </a:bodyPr>
+          <a:lstStyle/>
+          <a:p>
+            <a:r>
+              <a:rPr lang="en-US" dirty="0"/>
+              <a:t>&lt;?</a:t>
+            </a:r>
+            <a:r>
+              <a:rPr lang="en-US" dirty="0" err="1"/>
+              <a:t>php</a:t>
+            </a:r>
+            <a:endParaRPr lang="en-US" dirty="0"/>
+          </a:p>
+          <a:p>
+            <a:r>
+              <a:rPr lang="en-US" dirty="0"/>
+              <a:t>$</a:t>
+            </a:r>
+            <a:r>
+              <a:rPr lang="en-US" dirty="0" err="1"/>
+              <a:t>servername</a:t>
+            </a:r>
+            <a:r>
+              <a:rPr lang="en-US" dirty="0"/>
+              <a:t> = "</a:t>
+            </a:r>
+            <a:r>
+              <a:rPr lang="en-US" dirty="0" err="1"/>
+              <a:t>localhost</a:t>
+            </a:r>
+            <a:r>
+              <a:rPr lang="en-US" dirty="0"/>
+              <a:t>";</a:t>
+            </a:r>
+          </a:p>
+          <a:p>
+            <a:r>
+              <a:rPr lang="en-US" dirty="0"/>
+              <a:t>$username = "root";</a:t>
+            </a:r>
+          </a:p>
+          <a:p>
+            <a:r>
+              <a:rPr lang="en-US" dirty="0"/>
+              <a:t>$password = "password";/* Put your password here */</a:t>
+            </a:r>
+          </a:p>
+          <a:p>
+            <a:r>
+              <a:rPr lang="en-US" dirty="0"/>
+              <a:t>/* Create connection </a:t>
+            </a:r>
+            <a:r>
+              <a:rPr lang="en-US" dirty="0" smtClean="0"/>
+              <a:t>*/</a:t>
+            </a:r>
+          </a:p>
+          <a:p>
+            <a:endParaRPr lang="en-US" dirty="0"/>
+          </a:p>
+          <a:p>
+            <a:endParaRPr lang="en-US" dirty="0"/>
+          </a:p>
+          <a:p>
+            <a:r>
+              <a:rPr lang="en-US" dirty="0"/>
+              <a:t>$conn = new </a:t>
+            </a:r>
+            <a:r>
+              <a:rPr lang="en-US" dirty="0" err="1"/>
+              <a:t>mysqli</a:t>
+            </a:r>
+            <a:r>
+              <a:rPr lang="en-US" dirty="0"/>
+              <a:t>($</a:t>
+            </a:r>
+            <a:r>
+              <a:rPr lang="en-US" dirty="0" err="1"/>
+              <a:t>servername</a:t>
+            </a:r>
+            <a:r>
+              <a:rPr lang="en-US" dirty="0"/>
+              <a:t>, $username, $password);</a:t>
+            </a:r>
+          </a:p>
+          <a:p>
+            <a:r>
+              <a:rPr lang="en-US" dirty="0"/>
+              <a:t>/* Check connection */</a:t>
+            </a:r>
+          </a:p>
+          <a:p>
+            <a:r>
+              <a:rPr lang="en-US" dirty="0"/>
+              <a:t>if ($conn-&gt;</a:t>
+            </a:r>
+            <a:r>
+              <a:rPr lang="en-US" dirty="0" err="1"/>
+              <a:t>connect_error</a:t>
+            </a:r>
+            <a:r>
+              <a:rPr lang="en-US" dirty="0"/>
+              <a:t>) {</a:t>
+            </a:r>
+          </a:p>
+          <a:p>
+            <a:r>
+              <a:rPr lang="en-US" dirty="0"/>
+              <a:t>    die("Connection failed: " . $conn-&gt;</a:t>
+            </a:r>
+            <a:r>
+              <a:rPr lang="en-US" dirty="0" err="1"/>
+              <a:t>connect_error</a:t>
+            </a:r>
+            <a:r>
+              <a:rPr lang="en-US" dirty="0"/>
+              <a:t>);</a:t>
+            </a:r>
+          </a:p>
+          <a:p>
+            <a:r>
+              <a:rPr lang="en-US" dirty="0"/>
+              <a:t>/* Create database */</a:t>
+            </a:r>
+          </a:p>
+          <a:p>
+            <a:r>
+              <a:rPr lang="en-US" dirty="0"/>
+              <a:t>$</a:t>
+            </a:r>
+            <a:r>
+              <a:rPr lang="en-US" dirty="0" err="1"/>
+              <a:t>sql</a:t>
+            </a:r>
+            <a:r>
+              <a:rPr lang="en-US" dirty="0"/>
+              <a:t> = "CREATE DATABASE admin";</a:t>
+            </a:r>
+          </a:p>
+          <a:p>
+            <a:r>
+              <a:rPr lang="en-US" dirty="0"/>
+              <a:t>if ($conn-&gt;query($</a:t>
+            </a:r>
+            <a:r>
+              <a:rPr lang="en-US" dirty="0" err="1"/>
+              <a:t>sql</a:t>
+            </a:r>
+            <a:r>
+              <a:rPr lang="en-US" dirty="0"/>
+              <a:t>) === TRUE) {</a:t>
+            </a:r>
+          </a:p>
+          <a:p>
+            <a:r>
+              <a:rPr lang="en-US" dirty="0"/>
+              <a:t>    echo "Database admin created successfully";</a:t>
+            </a:r>
+          </a:p>
+          <a:p>
+            <a:r>
+              <a:rPr lang="en-US" dirty="0"/>
+              <a:t>}</a:t>
+            </a:r>
+          </a:p>
+          <a:p>
+            <a:r>
+              <a:rPr lang="en-US" dirty="0"/>
+              <a:t>else</a:t>
+            </a:r>
+          </a:p>
+          <a:p>
+            <a:r>
+              <a:rPr lang="en-US" dirty="0"/>
+              <a:t>{</a:t>
+            </a:r>
+          </a:p>
+          <a:p>
+            <a:r>
+              <a:rPr lang="en-US" dirty="0"/>
+              <a:t>    echo "Error creating database: " . $conn-&gt;error;</a:t>
+            </a:r>
+          </a:p>
+          <a:p>
+            <a:r>
+              <a:rPr lang="en-US" dirty="0"/>
+              <a:t>}</a:t>
+            </a:r>
+          </a:p>
+          <a:p>
+            <a:r>
+              <a:rPr lang="en-US" dirty="0"/>
+              <a:t>$conn-&gt;close();</a:t>
+            </a:r>
+          </a:p>
+          <a:p>
+            <a:r>
+              <a:rPr lang="en-US" dirty="0"/>
+              <a:t>?&gt;</a:t>
+            </a:r>
+          </a:p>
+        </p:txBody>
+      </p:sp>
+    </p:spTree>
+    <p:extLst>
+      <p:ext uri="{BB962C8B-B14F-4D97-AF65-F5344CB8AC3E}">
+        <p14:creationId xmlns:p14="http://schemas.microsoft.com/office/powerpoint/2010/main" val="1678824932"/>
+      </p:ext>
+    </p:extLst>
+  </p:cSld>
+  <p:clrMapOvr>
+    <a:masterClrMapping/>
+  </p:clrMapOvr>
+</p:sld>
+</file>
+
+<file path=ppt/slides/slide117.xml><?xml version="1.0" encoding="utf-8"?>
+<p:sld xmlns:a="http://schemas.openxmlformats.org/drawingml/2006/main" xmlns:r="http://schemas.openxmlformats.org/officeDocument/2006/relationships" xmlns:p="http://schemas.openxmlformats.org/presentationml/2006/main">
+  <p:cSld>
+    <p:spTree>
+      <p:nvGrpSpPr>
+        <p:cNvPr id="1" name=""/>
+        <p:cNvGrpSpPr/>
+        <p:nvPr/>
+      </p:nvGrpSpPr>
+      <p:grpSpPr>
+        <a:xfrm>
+          <a:off x="0" y="0"/>
+          <a:ext cx="0" cy="0"/>
+          <a:chOff x="0" y="0"/>
+          <a:chExt cx="0" cy="0"/>
+        </a:xfrm>
+      </p:grpSpPr>
+      <p:sp>
+        <p:nvSpPr>
+          <p:cNvPr id="2" name="Rectangle 1"/>
+          <p:cNvSpPr/>
+          <p:nvPr/>
+        </p:nvSpPr>
+        <p:spPr>
+          <a:xfrm>
+            <a:off x="152400" y="512088"/>
+            <a:ext cx="8763000" cy="5355312"/>
+          </a:xfrm>
+          <a:prstGeom prst="rect">
+            <a:avLst/>
+          </a:prstGeom>
+        </p:spPr>
+        <p:txBody>
+          <a:bodyPr wrap="square">
+            <a:spAutoFit/>
+          </a:bodyPr>
+          <a:lstStyle/>
+          <a:p>
+            <a:r>
+              <a:rPr lang="en-US" dirty="0"/>
+              <a:t>&lt;?</a:t>
+            </a:r>
+            <a:r>
+              <a:rPr lang="en-US" dirty="0" err="1"/>
+              <a:t>php</a:t>
+            </a:r>
+            <a:endParaRPr lang="en-US" dirty="0"/>
+          </a:p>
+          <a:p>
+            <a:r>
+              <a:rPr lang="en-US" dirty="0" smtClean="0"/>
+              <a:t>$</a:t>
+            </a:r>
+            <a:r>
+              <a:rPr lang="en-US" dirty="0" err="1"/>
+              <a:t>sql</a:t>
+            </a:r>
+            <a:r>
+              <a:rPr lang="en-US" dirty="0"/>
+              <a:t> = "CREATE TABLE Student</a:t>
+            </a:r>
+          </a:p>
+          <a:p>
+            <a:r>
+              <a:rPr lang="en-US" dirty="0"/>
+              <a:t>(</a:t>
+            </a:r>
+          </a:p>
+          <a:p>
+            <a:r>
+              <a:rPr lang="en-US" dirty="0"/>
+              <a:t>ID </a:t>
+            </a:r>
+            <a:r>
+              <a:rPr lang="en-US" dirty="0" err="1"/>
+              <a:t>int</a:t>
+            </a:r>
+            <a:r>
+              <a:rPr lang="en-US" dirty="0"/>
+              <a:t> NOT NULL AUTO_INCREMENT,</a:t>
+            </a:r>
+          </a:p>
+          <a:p>
+            <a:r>
+              <a:rPr lang="en-US" dirty="0" err="1"/>
+              <a:t>FirstName</a:t>
+            </a:r>
+            <a:r>
+              <a:rPr lang="en-US" dirty="0"/>
+              <a:t> </a:t>
+            </a:r>
+            <a:r>
+              <a:rPr lang="en-US" dirty="0" err="1"/>
+              <a:t>varchar</a:t>
+            </a:r>
+            <a:r>
+              <a:rPr lang="en-US" dirty="0"/>
+              <a:t>(50),</a:t>
+            </a:r>
+          </a:p>
+          <a:p>
+            <a:r>
+              <a:rPr lang="en-US" dirty="0" err="1"/>
+              <a:t>LastName</a:t>
+            </a:r>
+            <a:r>
+              <a:rPr lang="en-US" dirty="0"/>
+              <a:t> </a:t>
+            </a:r>
+            <a:r>
+              <a:rPr lang="en-US" dirty="0" err="1"/>
+              <a:t>varchar</a:t>
+            </a:r>
+            <a:r>
+              <a:rPr lang="en-US" dirty="0"/>
+              <a:t>(50),</a:t>
+            </a:r>
+          </a:p>
+          <a:p>
+            <a:r>
+              <a:rPr lang="en-US" dirty="0" err="1"/>
+              <a:t>RollNo</a:t>
+            </a:r>
+            <a:r>
+              <a:rPr lang="en-US" dirty="0"/>
+              <a:t> </a:t>
+            </a:r>
+            <a:r>
+              <a:rPr lang="en-US" dirty="0" err="1"/>
+              <a:t>varchar</a:t>
+            </a:r>
+            <a:r>
+              <a:rPr lang="en-US" dirty="0"/>
+              <a:t>(50),</a:t>
+            </a:r>
+          </a:p>
+          <a:p>
+            <a:r>
+              <a:rPr lang="en-US" dirty="0"/>
+              <a:t>City </a:t>
+            </a:r>
+            <a:r>
+              <a:rPr lang="en-US" dirty="0" err="1"/>
+              <a:t>varchar</a:t>
+            </a:r>
+            <a:r>
+              <a:rPr lang="en-US" dirty="0"/>
+              <a:t>(50),</a:t>
+            </a:r>
+          </a:p>
+          <a:p>
+            <a:r>
+              <a:rPr lang="en-US" dirty="0"/>
+              <a:t>PRIMARY KEY (ID)</a:t>
+            </a:r>
+          </a:p>
+          <a:p>
+            <a:r>
+              <a:rPr lang="en-US" dirty="0"/>
+              <a:t>)"; </a:t>
+            </a:r>
+          </a:p>
+          <a:p>
+            <a:endParaRPr lang="en-US" dirty="0"/>
+          </a:p>
+          <a:p>
+            <a:r>
+              <a:rPr lang="en-US" dirty="0"/>
+              <a:t>if ($conn-&gt;query($</a:t>
+            </a:r>
+            <a:r>
+              <a:rPr lang="en-US" dirty="0" err="1"/>
+              <a:t>sql</a:t>
+            </a:r>
+            <a:r>
+              <a:rPr lang="en-US" dirty="0"/>
+              <a:t>) === TRUE) {</a:t>
+            </a:r>
+          </a:p>
+          <a:p>
+            <a:r>
+              <a:rPr lang="en-US" dirty="0"/>
+              <a:t>    echo "Table test created successfully";</a:t>
+            </a:r>
+          </a:p>
+          <a:p>
+            <a:r>
+              <a:rPr lang="en-US" dirty="0"/>
+              <a:t>}</a:t>
+            </a:r>
+          </a:p>
+          <a:p>
+            <a:r>
+              <a:rPr lang="en-US" dirty="0"/>
+              <a:t> else {</a:t>
+            </a:r>
+          </a:p>
+          <a:p>
+            <a:r>
+              <a:rPr lang="en-US" dirty="0"/>
+              <a:t>    echo "Error creating table: " . $conn-&gt;error;</a:t>
+            </a:r>
+          </a:p>
+          <a:p>
+            <a:r>
+              <a:rPr lang="en-US" dirty="0"/>
+              <a:t>}</a:t>
+            </a:r>
+          </a:p>
+          <a:p>
+            <a:r>
+              <a:rPr lang="en-US" dirty="0"/>
+              <a:t>$conn-&gt;close();</a:t>
+            </a:r>
+          </a:p>
+          <a:p>
+            <a:r>
+              <a:rPr lang="en-US" dirty="0"/>
+              <a:t>?&gt;</a:t>
+            </a:r>
+          </a:p>
+        </p:txBody>
+      </p:sp>
+    </p:spTree>
+    <p:extLst>
+      <p:ext uri="{BB962C8B-B14F-4D97-AF65-F5344CB8AC3E}">
+        <p14:creationId xmlns:p14="http://schemas.microsoft.com/office/powerpoint/2010/main" val="2699112969"/>
+      </p:ext>
+    </p:extLst>
+  </p:cSld>
+  <p:clrMapOvr>
+    <a:masterClrMapping/>
+  </p:clrMapOvr>
+</p:sld>
+</file>
+
+<file path=ppt/slides/slide118.xml><?xml version="1.0" encoding="utf-8"?>
+<p:sld xmlns:a="http://schemas.openxmlformats.org/drawingml/2006/main" xmlns:r="http://schemas.openxmlformats.org/officeDocument/2006/relationships" xmlns:p="http://schemas.openxmlformats.org/presentationml/2006/main">
+  <p:cSld>
+    <p:spTree>
+      <p:nvGrpSpPr>
+        <p:cNvPr id="1" name=""/>
+        <p:cNvGrpSpPr/>
+        <p:nvPr/>
+      </p:nvGrpSpPr>
+      <p:grpSpPr>
+        <a:xfrm>
+          <a:off x="0" y="0"/>
+          <a:ext cx="0" cy="0"/>
+          <a:chOff x="0" y="0"/>
+          <a:chExt cx="0" cy="0"/>
+        </a:xfrm>
+      </p:grpSpPr>
+      <p:sp>
+        <p:nvSpPr>
+          <p:cNvPr id="2" name="TextBox 1"/>
+          <p:cNvSpPr txBox="1"/>
+          <p:nvPr/>
+        </p:nvSpPr>
+        <p:spPr>
+          <a:xfrm>
+            <a:off x="152400" y="152400"/>
+            <a:ext cx="1239891" cy="369332"/>
+          </a:xfrm>
+          <a:prstGeom prst="rect">
+            <a:avLst/>
+          </a:prstGeom>
+          <a:noFill/>
+        </p:spPr>
+        <p:txBody>
+          <a:bodyPr wrap="none" rtlCol="0">
+            <a:spAutoFit/>
+          </a:bodyPr>
+          <a:lstStyle/>
+          <a:p>
+            <a:r>
+              <a:rPr lang="en-US" b="1" dirty="0" smtClean="0">
+                <a:solidFill>
+                  <a:srgbClr val="FF0000"/>
+                </a:solidFill>
+              </a:rPr>
+              <a:t>Insert Data</a:t>
+            </a:r>
+            <a:endParaRPr lang="en-US" b="1" dirty="0">
+              <a:solidFill>
+                <a:srgbClr val="FF0000"/>
+              </a:solidFill>
+            </a:endParaRPr>
+          </a:p>
+        </p:txBody>
+      </p:sp>
+      <p:sp>
+        <p:nvSpPr>
+          <p:cNvPr id="4" name="Rectangle 3"/>
+          <p:cNvSpPr/>
+          <p:nvPr/>
+        </p:nvSpPr>
+        <p:spPr>
+          <a:xfrm>
+            <a:off x="304800" y="609600"/>
+            <a:ext cx="8153400" cy="5355312"/>
+          </a:xfrm>
+          <a:prstGeom prst="rect">
+            <a:avLst/>
+          </a:prstGeom>
+        </p:spPr>
+        <p:txBody>
+          <a:bodyPr wrap="square">
+            <a:spAutoFit/>
+          </a:bodyPr>
+          <a:lstStyle/>
+          <a:p>
+            <a:r>
+              <a:rPr lang="en-US" dirty="0"/>
+              <a:t>&lt;?</a:t>
+            </a:r>
+            <a:r>
+              <a:rPr lang="en-US" dirty="0" err="1"/>
+              <a:t>php</a:t>
+            </a:r>
+            <a:endParaRPr lang="en-US" dirty="0"/>
+          </a:p>
+          <a:p>
+            <a:r>
+              <a:rPr lang="en-US" dirty="0" err="1"/>
+              <a:t>include_once</a:t>
+            </a:r>
+            <a:r>
+              <a:rPr lang="en-US" dirty="0"/>
+              <a:t> '</a:t>
+            </a:r>
+            <a:r>
+              <a:rPr lang="en-US" dirty="0" err="1"/>
+              <a:t>database.php</a:t>
+            </a:r>
+            <a:r>
+              <a:rPr lang="en-US" dirty="0"/>
+              <a:t>';</a:t>
+            </a:r>
+          </a:p>
+          <a:p>
+            <a:r>
+              <a:rPr lang="en-US" dirty="0"/>
+              <a:t>if(</a:t>
+            </a:r>
+            <a:r>
+              <a:rPr lang="en-US" dirty="0" err="1"/>
+              <a:t>isset</a:t>
+            </a:r>
+            <a:r>
+              <a:rPr lang="en-US" dirty="0"/>
+              <a:t>($_POST['save']))</a:t>
+            </a:r>
+          </a:p>
+          <a:p>
+            <a:r>
+              <a:rPr lang="en-US" dirty="0"/>
+              <a:t>{	 </a:t>
+            </a:r>
+          </a:p>
+          <a:p>
+            <a:r>
+              <a:rPr lang="en-US" dirty="0"/>
+              <a:t>	 $</a:t>
+            </a:r>
+            <a:r>
+              <a:rPr lang="en-US" dirty="0" err="1"/>
+              <a:t>first_name</a:t>
+            </a:r>
+            <a:r>
+              <a:rPr lang="en-US" dirty="0"/>
+              <a:t> = $_POST['</a:t>
+            </a:r>
+            <a:r>
+              <a:rPr lang="en-US" dirty="0" err="1"/>
+              <a:t>first_name</a:t>
+            </a:r>
+            <a:r>
+              <a:rPr lang="en-US" dirty="0"/>
+              <a:t>'];</a:t>
+            </a:r>
+          </a:p>
+          <a:p>
+            <a:r>
+              <a:rPr lang="en-US" dirty="0"/>
+              <a:t>	 $</a:t>
+            </a:r>
+            <a:r>
+              <a:rPr lang="en-US" dirty="0" err="1"/>
+              <a:t>last_name</a:t>
+            </a:r>
+            <a:r>
+              <a:rPr lang="en-US" dirty="0"/>
+              <a:t> = $_POST['</a:t>
+            </a:r>
+            <a:r>
+              <a:rPr lang="en-US" dirty="0" err="1"/>
+              <a:t>last_name</a:t>
+            </a:r>
+            <a:r>
+              <a:rPr lang="en-US" dirty="0"/>
+              <a:t>'];</a:t>
+            </a:r>
+          </a:p>
+          <a:p>
+            <a:r>
+              <a:rPr lang="en-US" dirty="0"/>
+              <a:t>	 $</a:t>
+            </a:r>
+            <a:r>
+              <a:rPr lang="en-US" dirty="0" err="1"/>
+              <a:t>city_name</a:t>
+            </a:r>
+            <a:r>
+              <a:rPr lang="en-US" dirty="0"/>
+              <a:t> = $_POST['</a:t>
+            </a:r>
+            <a:r>
+              <a:rPr lang="en-US" dirty="0" err="1"/>
+              <a:t>city_name</a:t>
+            </a:r>
+            <a:r>
+              <a:rPr lang="en-US" dirty="0"/>
+              <a:t>'];</a:t>
+            </a:r>
+          </a:p>
+          <a:p>
+            <a:r>
+              <a:rPr lang="en-US" dirty="0"/>
+              <a:t>	 $email = $_POST['email'];</a:t>
+            </a:r>
+          </a:p>
+          <a:p>
+            <a:r>
+              <a:rPr lang="en-US" dirty="0"/>
+              <a:t>	 $</a:t>
+            </a:r>
+            <a:r>
+              <a:rPr lang="en-US" dirty="0" err="1"/>
+              <a:t>sql</a:t>
+            </a:r>
+            <a:r>
+              <a:rPr lang="en-US" dirty="0"/>
+              <a:t> = "INSERT INTO employee (</a:t>
+            </a:r>
+            <a:r>
+              <a:rPr lang="en-US" dirty="0" err="1"/>
+              <a:t>first_name,last_name,city_name,email</a:t>
+            </a:r>
+            <a:r>
+              <a:rPr lang="en-US" dirty="0"/>
+              <a:t>)</a:t>
+            </a:r>
+          </a:p>
+          <a:p>
+            <a:r>
+              <a:rPr lang="en-US" dirty="0"/>
+              <a:t>	 VALUES ('$</a:t>
+            </a:r>
+            <a:r>
+              <a:rPr lang="en-US" dirty="0" err="1"/>
+              <a:t>first_name','$last_name','$city_name','$email</a:t>
+            </a:r>
+            <a:r>
+              <a:rPr lang="en-US" dirty="0"/>
+              <a:t>')";</a:t>
+            </a:r>
+          </a:p>
+          <a:p>
+            <a:r>
+              <a:rPr lang="en-US" dirty="0"/>
+              <a:t>	 if (</a:t>
+            </a:r>
+            <a:r>
+              <a:rPr lang="en-US" dirty="0" err="1"/>
+              <a:t>mysqli_query</a:t>
+            </a:r>
+            <a:r>
+              <a:rPr lang="en-US" dirty="0"/>
+              <a:t>($conn, $</a:t>
+            </a:r>
+            <a:r>
+              <a:rPr lang="en-US" dirty="0" err="1"/>
+              <a:t>sql</a:t>
+            </a:r>
+            <a:r>
+              <a:rPr lang="en-US" dirty="0"/>
+              <a:t>)) {</a:t>
+            </a:r>
+          </a:p>
+          <a:p>
+            <a:r>
+              <a:rPr lang="en-US" dirty="0"/>
+              <a:t>		echo "New record created successfully !";</a:t>
+            </a:r>
+          </a:p>
+          <a:p>
+            <a:r>
+              <a:rPr lang="en-US" dirty="0"/>
+              <a:t>	 } else {</a:t>
+            </a:r>
+          </a:p>
+          <a:p>
+            <a:r>
+              <a:rPr lang="en-US" dirty="0"/>
+              <a:t>		echo "Error: " . $</a:t>
+            </a:r>
+            <a:r>
+              <a:rPr lang="en-US" dirty="0" err="1"/>
+              <a:t>sql</a:t>
+            </a:r>
+            <a:r>
+              <a:rPr lang="en-US" dirty="0"/>
+              <a:t> . "</a:t>
+            </a:r>
+          </a:p>
+          <a:p>
+            <a:r>
+              <a:rPr lang="en-US" dirty="0"/>
+              <a:t>" . </a:t>
+            </a:r>
+            <a:r>
+              <a:rPr lang="en-US" dirty="0" err="1"/>
+              <a:t>mysqli_error</a:t>
+            </a:r>
+            <a:r>
+              <a:rPr lang="en-US" dirty="0"/>
+              <a:t>($conn);</a:t>
+            </a:r>
+          </a:p>
+          <a:p>
+            <a:r>
+              <a:rPr lang="en-US" dirty="0"/>
+              <a:t>	 }</a:t>
+            </a:r>
+          </a:p>
+          <a:p>
+            <a:r>
+              <a:rPr lang="en-US" dirty="0"/>
+              <a:t>	 </a:t>
+            </a:r>
+            <a:r>
+              <a:rPr lang="en-US" dirty="0" err="1"/>
+              <a:t>mysqli_close</a:t>
+            </a:r>
+            <a:r>
+              <a:rPr lang="en-US" dirty="0"/>
+              <a:t>($conn);</a:t>
+            </a:r>
+          </a:p>
+          <a:p>
+            <a:r>
+              <a:rPr lang="en-US" dirty="0"/>
+              <a:t>}</a:t>
+            </a:r>
+          </a:p>
+          <a:p>
+            <a:r>
+              <a:rPr lang="en-US" dirty="0"/>
+              <a:t>?&gt;</a:t>
+            </a:r>
+          </a:p>
+        </p:txBody>
+      </p:sp>
+    </p:spTree>
+    <p:extLst>
+      <p:ext uri="{BB962C8B-B14F-4D97-AF65-F5344CB8AC3E}">
+        <p14:creationId xmlns:p14="http://schemas.microsoft.com/office/powerpoint/2010/main" val="1513130276"/>
+      </p:ext>
+    </p:extLst>
+  </p:cSld>
+  <p:clrMapOvr>
+    <a:masterClrMapping/>
+  </p:clrMapOvr>
+</p:sld>
+</file>
+
+<file path=ppt/slides/slide119.xml><?xml version="1.0" encoding="utf-8"?>
+<p:sld xmlns:a="http://schemas.openxmlformats.org/drawingml/2006/main" xmlns:r="http://schemas.openxmlformats.org/officeDocument/2006/relationships" xmlns:p="http://schemas.openxmlformats.org/presentationml/2006/main">
+  <p:cSld>
+    <p:spTree>
+      <p:nvGrpSpPr>
+        <p:cNvPr id="1" name=""/>
+        <p:cNvGrpSpPr/>
+        <p:nvPr/>
+      </p:nvGrpSpPr>
+      <p:grpSpPr>
+        <a:xfrm>
+          <a:off x="0" y="0"/>
+          <a:ext cx="0" cy="0"/>
+          <a:chOff x="0" y="0"/>
+          <a:chExt cx="0" cy="0"/>
+        </a:xfrm>
+      </p:grpSpPr>
+      <p:sp>
+        <p:nvSpPr>
+          <p:cNvPr id="3" name="Rectangle 2"/>
+          <p:cNvSpPr/>
+          <p:nvPr/>
+        </p:nvSpPr>
+        <p:spPr>
+          <a:xfrm>
+            <a:off x="228600" y="228600"/>
+            <a:ext cx="8382000" cy="1200329"/>
+          </a:xfrm>
+          <a:prstGeom prst="rect">
+            <a:avLst/>
+          </a:prstGeom>
+        </p:spPr>
+        <p:txBody>
+          <a:bodyPr wrap="square">
+            <a:spAutoFit/>
+          </a:bodyPr>
+          <a:lstStyle/>
+          <a:p>
+            <a:r>
+              <a:rPr lang="en-US" dirty="0"/>
+              <a:t>&lt;?</a:t>
+            </a:r>
+            <a:r>
+              <a:rPr lang="en-US" dirty="0" err="1"/>
+              <a:t>php</a:t>
+            </a:r>
+            <a:endParaRPr lang="en-US" dirty="0"/>
+          </a:p>
+          <a:p>
+            <a:r>
+              <a:rPr lang="en-US" dirty="0" err="1"/>
+              <a:t>include_once</a:t>
+            </a:r>
+            <a:r>
+              <a:rPr lang="en-US" dirty="0"/>
+              <a:t> '</a:t>
+            </a:r>
+            <a:r>
+              <a:rPr lang="en-US" dirty="0" err="1"/>
+              <a:t>database.php</a:t>
+            </a:r>
+            <a:r>
+              <a:rPr lang="en-US" dirty="0"/>
+              <a:t>';</a:t>
+            </a:r>
+          </a:p>
+          <a:p>
+            <a:r>
+              <a:rPr lang="en-US" dirty="0"/>
+              <a:t>$result = </a:t>
+            </a:r>
+            <a:r>
+              <a:rPr lang="en-US" dirty="0" err="1"/>
+              <a:t>mysqli_query</a:t>
+            </a:r>
+            <a:r>
+              <a:rPr lang="en-US" dirty="0"/>
+              <a:t>($</a:t>
+            </a:r>
+            <a:r>
+              <a:rPr lang="en-US" dirty="0" err="1"/>
+              <a:t>conn,"SELECT</a:t>
+            </a:r>
+            <a:r>
+              <a:rPr lang="en-US" dirty="0"/>
+              <a:t> * FROM </a:t>
+            </a:r>
+            <a:r>
+              <a:rPr lang="en-US" dirty="0" err="1"/>
+              <a:t>myusers</a:t>
+            </a:r>
+            <a:r>
+              <a:rPr lang="en-US" dirty="0"/>
+              <a:t>");</a:t>
+            </a:r>
+          </a:p>
+          <a:p>
+            <a:r>
+              <a:rPr lang="en-US" dirty="0"/>
+              <a:t>?&gt;</a:t>
+            </a:r>
+          </a:p>
+        </p:txBody>
+      </p:sp>
+      <p:sp>
+        <p:nvSpPr>
+          <p:cNvPr id="5" name="Rectangle 4"/>
+          <p:cNvSpPr/>
+          <p:nvPr/>
+        </p:nvSpPr>
+        <p:spPr>
+          <a:xfrm>
+            <a:off x="235527" y="1447800"/>
+            <a:ext cx="8305800" cy="4524315"/>
+          </a:xfrm>
+          <a:prstGeom prst="rect">
+            <a:avLst/>
+          </a:prstGeom>
+        </p:spPr>
+        <p:txBody>
+          <a:bodyPr wrap="square">
+            <a:spAutoFit/>
+          </a:bodyPr>
+          <a:lstStyle/>
+          <a:p>
+            <a:r>
+              <a:rPr lang="en-US" dirty="0"/>
+              <a:t>&lt;body&gt;</a:t>
+            </a:r>
+          </a:p>
+          <a:p>
+            <a:r>
+              <a:rPr lang="en-US" dirty="0"/>
+              <a:t>&lt;?</a:t>
+            </a:r>
+            <a:r>
+              <a:rPr lang="en-US" dirty="0" err="1"/>
+              <a:t>php</a:t>
+            </a:r>
+            <a:endParaRPr lang="en-US" dirty="0"/>
+          </a:p>
+          <a:p>
+            <a:r>
+              <a:rPr lang="en-US" dirty="0"/>
+              <a:t>if (</a:t>
+            </a:r>
+            <a:r>
+              <a:rPr lang="en-US" dirty="0" err="1"/>
+              <a:t>mysqli_num_rows</a:t>
+            </a:r>
+            <a:r>
+              <a:rPr lang="en-US" dirty="0"/>
+              <a:t>($result) &gt; 0) {</a:t>
+            </a:r>
+          </a:p>
+          <a:p>
+            <a:r>
+              <a:rPr lang="en-US" dirty="0"/>
+              <a:t>?&gt;</a:t>
+            </a:r>
+          </a:p>
+          <a:p>
+            <a:r>
+              <a:rPr lang="en-US" dirty="0"/>
+              <a:t>  &lt;table&gt;</a:t>
+            </a:r>
+          </a:p>
+          <a:p>
+            <a:r>
+              <a:rPr lang="en-US" dirty="0"/>
+              <a:t>  </a:t>
+            </a:r>
+          </a:p>
+          <a:p>
+            <a:r>
+              <a:rPr lang="en-US" dirty="0"/>
+              <a:t>  &lt;</a:t>
+            </a:r>
+            <a:r>
+              <a:rPr lang="en-US" dirty="0" err="1"/>
+              <a:t>tr</a:t>
+            </a:r>
+            <a:r>
+              <a:rPr lang="en-US" dirty="0"/>
+              <a:t>&gt;</a:t>
+            </a:r>
+          </a:p>
+          <a:p>
+            <a:r>
+              <a:rPr lang="en-US" dirty="0"/>
+              <a:t>    &lt;td&gt;First Name&lt;/td&gt;</a:t>
+            </a:r>
+          </a:p>
+          <a:p>
+            <a:r>
+              <a:rPr lang="en-US" dirty="0"/>
+              <a:t>    &lt;td&gt;Last Name&lt;/td&gt;</a:t>
+            </a:r>
+          </a:p>
+          <a:p>
+            <a:r>
+              <a:rPr lang="en-US" dirty="0"/>
+              <a:t>    &lt;td&gt;City&lt;/td&gt;</a:t>
+            </a:r>
+          </a:p>
+          <a:p>
+            <a:r>
+              <a:rPr lang="en-US" dirty="0"/>
+              <a:t>    &lt;td&gt;Email id&lt;/td&gt;</a:t>
+            </a:r>
+          </a:p>
+          <a:p>
+            <a:r>
+              <a:rPr lang="en-US" dirty="0"/>
+              <a:t>  &lt;/</a:t>
+            </a:r>
+            <a:r>
+              <a:rPr lang="en-US" dirty="0" err="1"/>
+              <a:t>tr</a:t>
+            </a:r>
+            <a:r>
+              <a:rPr lang="en-US" dirty="0"/>
+              <a:t>&gt;</a:t>
+            </a:r>
+          </a:p>
+          <a:p>
+            <a:r>
+              <a:rPr lang="en-US" dirty="0"/>
+              <a:t>&lt;?</a:t>
+            </a:r>
+            <a:r>
+              <a:rPr lang="en-US" dirty="0" err="1"/>
+              <a:t>php</a:t>
+            </a:r>
+            <a:endParaRPr lang="en-US" dirty="0"/>
+          </a:p>
+          <a:p>
+            <a:r>
+              <a:rPr lang="en-US" dirty="0"/>
+              <a:t>$i=0;</a:t>
+            </a:r>
+          </a:p>
+          <a:p>
+            <a:r>
+              <a:rPr lang="en-US" dirty="0"/>
+              <a:t>while($row = </a:t>
+            </a:r>
+            <a:r>
+              <a:rPr lang="en-US" dirty="0" err="1"/>
+              <a:t>mysqli_fetch_array</a:t>
+            </a:r>
+            <a:r>
+              <a:rPr lang="en-US" dirty="0"/>
+              <a:t>($result)) {</a:t>
+            </a:r>
+          </a:p>
+          <a:p>
+            <a:r>
+              <a:rPr lang="en-US" dirty="0" smtClean="0"/>
+              <a:t>?&gt;</a:t>
+            </a:r>
+            <a:endParaRPr lang="en-US" dirty="0"/>
+          </a:p>
+        </p:txBody>
+      </p:sp>
+    </p:spTree>
+    <p:extLst>
+      <p:ext uri="{BB962C8B-B14F-4D97-AF65-F5344CB8AC3E}">
+        <p14:creationId xmlns:p14="http://schemas.microsoft.com/office/powerpoint/2010/main" val="1669582481"/>
+      </p:ext>
+    </p:extLst>
+  </p:cSld>
+  <p:clrMapOvr>
+    <a:masterClrMapping/>
+  </p:clrMapOvr>
+</p:sld>
+</file>
+
 <file path=ppt/slides/slide12.xml><?xml version="1.0" encoding="utf-8"?>
 <p:sld xmlns:a="http://schemas.openxmlformats.org/drawingml/2006/main" xmlns:r="http://schemas.openxmlformats.org/officeDocument/2006/relationships" xmlns:p="http://schemas.openxmlformats.org/presentationml/2006/main">
   <p:cSld>
@@ -6881,6 +9576,3989 @@
 </p:sld>
 </file>
 
+<file path=ppt/slides/slide120.xml><?xml version="1.0" encoding="utf-8"?>
+<p:sld xmlns:a="http://schemas.openxmlformats.org/drawingml/2006/main" xmlns:r="http://schemas.openxmlformats.org/officeDocument/2006/relationships" xmlns:p="http://schemas.openxmlformats.org/presentationml/2006/main">
+  <p:cSld>
+    <p:spTree>
+      <p:nvGrpSpPr>
+        <p:cNvPr id="1" name=""/>
+        <p:cNvGrpSpPr/>
+        <p:nvPr/>
+      </p:nvGrpSpPr>
+      <p:grpSpPr>
+        <a:xfrm>
+          <a:off x="0" y="0"/>
+          <a:ext cx="0" cy="0"/>
+          <a:chOff x="0" y="0"/>
+          <a:chExt cx="0" cy="0"/>
+        </a:xfrm>
+      </p:grpSpPr>
+      <p:sp>
+        <p:nvSpPr>
+          <p:cNvPr id="2" name="Rectangle 1"/>
+          <p:cNvSpPr/>
+          <p:nvPr/>
+        </p:nvSpPr>
+        <p:spPr>
+          <a:xfrm>
+            <a:off x="457200" y="751344"/>
+            <a:ext cx="7848600" cy="5078313"/>
+          </a:xfrm>
+          <a:prstGeom prst="rect">
+            <a:avLst/>
+          </a:prstGeom>
+        </p:spPr>
+        <p:txBody>
+          <a:bodyPr wrap="square">
+            <a:spAutoFit/>
+          </a:bodyPr>
+          <a:lstStyle/>
+          <a:p>
+            <a:r>
+              <a:rPr lang="en-US" dirty="0"/>
+              <a:t>&lt;</a:t>
+            </a:r>
+            <a:r>
+              <a:rPr lang="en-US" dirty="0" err="1"/>
+              <a:t>tr</a:t>
+            </a:r>
+            <a:r>
+              <a:rPr lang="en-US" dirty="0"/>
+              <a:t>&gt;</a:t>
+            </a:r>
+          </a:p>
+          <a:p>
+            <a:r>
+              <a:rPr lang="en-US" dirty="0"/>
+              <a:t>    &lt;td&gt;&lt;?</a:t>
+            </a:r>
+            <a:r>
+              <a:rPr lang="en-US" dirty="0" err="1"/>
+              <a:t>php</a:t>
+            </a:r>
+            <a:r>
+              <a:rPr lang="en-US" dirty="0"/>
+              <a:t> echo $row["</a:t>
+            </a:r>
+            <a:r>
+              <a:rPr lang="en-US" dirty="0" err="1"/>
+              <a:t>first_name</a:t>
+            </a:r>
+            <a:r>
+              <a:rPr lang="en-US" dirty="0"/>
+              <a:t>"]; ?&gt;&lt;/td&gt;</a:t>
+            </a:r>
+          </a:p>
+          <a:p>
+            <a:r>
+              <a:rPr lang="en-US" dirty="0"/>
+              <a:t>    &lt;td&gt;&lt;?</a:t>
+            </a:r>
+            <a:r>
+              <a:rPr lang="en-US" dirty="0" err="1"/>
+              <a:t>php</a:t>
+            </a:r>
+            <a:r>
+              <a:rPr lang="en-US" dirty="0"/>
+              <a:t> echo $row["</a:t>
+            </a:r>
+            <a:r>
+              <a:rPr lang="en-US" dirty="0" err="1"/>
+              <a:t>last_name</a:t>
+            </a:r>
+            <a:r>
+              <a:rPr lang="en-US" dirty="0"/>
+              <a:t>"]; ?&gt;&lt;/td&gt;</a:t>
+            </a:r>
+          </a:p>
+          <a:p>
+            <a:r>
+              <a:rPr lang="en-US" dirty="0"/>
+              <a:t>    &lt;td&gt;&lt;?</a:t>
+            </a:r>
+            <a:r>
+              <a:rPr lang="en-US" dirty="0" err="1"/>
+              <a:t>php</a:t>
+            </a:r>
+            <a:r>
+              <a:rPr lang="en-US" dirty="0"/>
+              <a:t> echo $row["</a:t>
+            </a:r>
+            <a:r>
+              <a:rPr lang="en-US" dirty="0" err="1"/>
+              <a:t>city_name</a:t>
+            </a:r>
+            <a:r>
+              <a:rPr lang="en-US" dirty="0"/>
+              <a:t>"]; ?&gt;&lt;/td&gt;</a:t>
+            </a:r>
+          </a:p>
+          <a:p>
+            <a:r>
+              <a:rPr lang="en-US" dirty="0"/>
+              <a:t>    &lt;td&gt;&lt;?</a:t>
+            </a:r>
+            <a:r>
+              <a:rPr lang="en-US" dirty="0" err="1"/>
+              <a:t>php</a:t>
+            </a:r>
+            <a:r>
+              <a:rPr lang="en-US" dirty="0"/>
+              <a:t> echo $row["email"]; ?&gt;&lt;/td&gt;</a:t>
+            </a:r>
+          </a:p>
+          <a:p>
+            <a:r>
+              <a:rPr lang="en-US" dirty="0"/>
+              <a:t>&lt;/</a:t>
+            </a:r>
+            <a:r>
+              <a:rPr lang="en-US" dirty="0" err="1"/>
+              <a:t>tr</a:t>
+            </a:r>
+            <a:r>
+              <a:rPr lang="en-US" dirty="0"/>
+              <a:t>&gt;</a:t>
+            </a:r>
+          </a:p>
+          <a:p>
+            <a:r>
+              <a:rPr lang="en-US" dirty="0"/>
+              <a:t>&lt;?</a:t>
+            </a:r>
+            <a:r>
+              <a:rPr lang="en-US" dirty="0" err="1"/>
+              <a:t>php</a:t>
+            </a:r>
+            <a:endParaRPr lang="en-US" dirty="0"/>
+          </a:p>
+          <a:p>
+            <a:r>
+              <a:rPr lang="en-US" dirty="0"/>
+              <a:t>$i++;</a:t>
+            </a:r>
+          </a:p>
+          <a:p>
+            <a:r>
+              <a:rPr lang="en-US" dirty="0"/>
+              <a:t>}</a:t>
+            </a:r>
+          </a:p>
+          <a:p>
+            <a:r>
+              <a:rPr lang="en-US" dirty="0"/>
+              <a:t>?&gt;</a:t>
+            </a:r>
+          </a:p>
+          <a:p>
+            <a:r>
+              <a:rPr lang="en-US" dirty="0"/>
+              <a:t>&lt;/table&gt;</a:t>
+            </a:r>
+          </a:p>
+          <a:p>
+            <a:r>
+              <a:rPr lang="en-US" dirty="0"/>
+              <a:t> &lt;?</a:t>
+            </a:r>
+            <a:r>
+              <a:rPr lang="en-US" dirty="0" err="1"/>
+              <a:t>php</a:t>
+            </a:r>
+            <a:endParaRPr lang="en-US" dirty="0"/>
+          </a:p>
+          <a:p>
+            <a:r>
+              <a:rPr lang="en-US" dirty="0"/>
+              <a:t>}</a:t>
+            </a:r>
+          </a:p>
+          <a:p>
+            <a:r>
+              <a:rPr lang="en-US" dirty="0"/>
+              <a:t>else{</a:t>
+            </a:r>
+          </a:p>
+          <a:p>
+            <a:r>
+              <a:rPr lang="en-US" dirty="0"/>
+              <a:t>    echo "No result found";</a:t>
+            </a:r>
+          </a:p>
+          <a:p>
+            <a:r>
+              <a:rPr lang="en-US" dirty="0"/>
+              <a:t>}</a:t>
+            </a:r>
+          </a:p>
+          <a:p>
+            <a:r>
+              <a:rPr lang="en-US" dirty="0"/>
+              <a:t>?&gt;</a:t>
+            </a:r>
+          </a:p>
+          <a:p>
+            <a:r>
+              <a:rPr lang="en-US" dirty="0"/>
+              <a:t> &lt;/body&gt;</a:t>
+            </a:r>
+          </a:p>
+        </p:txBody>
+      </p:sp>
+    </p:spTree>
+    <p:extLst>
+      <p:ext uri="{BB962C8B-B14F-4D97-AF65-F5344CB8AC3E}">
+        <p14:creationId xmlns:p14="http://schemas.microsoft.com/office/powerpoint/2010/main" val="2111618973"/>
+      </p:ext>
+    </p:extLst>
+  </p:cSld>
+  <p:clrMapOvr>
+    <a:masterClrMapping/>
+  </p:clrMapOvr>
+</p:sld>
+</file>
+
+<file path=ppt/slides/slide121.xml><?xml version="1.0" encoding="utf-8"?>
+<p:sld xmlns:a="http://schemas.openxmlformats.org/drawingml/2006/main" xmlns:r="http://schemas.openxmlformats.org/officeDocument/2006/relationships" xmlns:p="http://schemas.openxmlformats.org/presentationml/2006/main">
+  <p:cSld>
+    <p:spTree>
+      <p:nvGrpSpPr>
+        <p:cNvPr id="1" name=""/>
+        <p:cNvGrpSpPr/>
+        <p:nvPr/>
+      </p:nvGrpSpPr>
+      <p:grpSpPr>
+        <a:xfrm>
+          <a:off x="0" y="0"/>
+          <a:ext cx="0" cy="0"/>
+          <a:chOff x="0" y="0"/>
+          <a:chExt cx="0" cy="0"/>
+        </a:xfrm>
+      </p:grpSpPr>
+      <p:sp>
+        <p:nvSpPr>
+          <p:cNvPr id="2" name="TextBox 1"/>
+          <p:cNvSpPr txBox="1"/>
+          <p:nvPr/>
+        </p:nvSpPr>
+        <p:spPr>
+          <a:xfrm>
+            <a:off x="152400" y="152400"/>
+            <a:ext cx="1422184" cy="369332"/>
+          </a:xfrm>
+          <a:prstGeom prst="rect">
+            <a:avLst/>
+          </a:prstGeom>
+          <a:noFill/>
+        </p:spPr>
+        <p:txBody>
+          <a:bodyPr wrap="none" rtlCol="0">
+            <a:spAutoFit/>
+          </a:bodyPr>
+          <a:lstStyle/>
+          <a:p>
+            <a:r>
+              <a:rPr lang="en-US" b="1" dirty="0" smtClean="0"/>
+              <a:t>File Handling</a:t>
+            </a:r>
+            <a:endParaRPr lang="en-US" b="1" dirty="0"/>
+          </a:p>
+        </p:txBody>
+      </p:sp>
+      <p:sp>
+        <p:nvSpPr>
+          <p:cNvPr id="3" name="Rectangle 2"/>
+          <p:cNvSpPr/>
+          <p:nvPr/>
+        </p:nvSpPr>
+        <p:spPr>
+          <a:xfrm>
+            <a:off x="304800" y="914400"/>
+            <a:ext cx="8229600" cy="646331"/>
+          </a:xfrm>
+          <a:prstGeom prst="rect">
+            <a:avLst/>
+          </a:prstGeom>
+        </p:spPr>
+        <p:txBody>
+          <a:bodyPr wrap="square">
+            <a:spAutoFit/>
+          </a:bodyPr>
+          <a:lstStyle/>
+          <a:p>
+            <a:r>
+              <a:rPr lang="en-US" dirty="0"/>
+              <a:t>&lt;form name="f" method="post" action="</a:t>
+            </a:r>
+            <a:r>
+              <a:rPr lang="en-US" dirty="0" err="1"/>
+              <a:t>saveproduct.php</a:t>
+            </a:r>
+            <a:r>
+              <a:rPr lang="en-US" dirty="0"/>
+              <a:t>" </a:t>
+            </a:r>
+            <a:r>
+              <a:rPr lang="en-US" dirty="0" err="1"/>
+              <a:t>enctype</a:t>
+            </a:r>
+            <a:r>
+              <a:rPr lang="en-US" dirty="0"/>
+              <a:t>="multipart/form-data"&gt;</a:t>
+            </a:r>
+          </a:p>
+        </p:txBody>
+      </p:sp>
+      <p:sp>
+        <p:nvSpPr>
+          <p:cNvPr id="4" name="Rectangle 3"/>
+          <p:cNvSpPr/>
+          <p:nvPr/>
+        </p:nvSpPr>
+        <p:spPr>
+          <a:xfrm>
+            <a:off x="457200" y="1796534"/>
+            <a:ext cx="7543800" cy="369332"/>
+          </a:xfrm>
+          <a:prstGeom prst="rect">
+            <a:avLst/>
+          </a:prstGeom>
+        </p:spPr>
+        <p:txBody>
+          <a:bodyPr wrap="square">
+            <a:spAutoFit/>
+          </a:bodyPr>
+          <a:lstStyle/>
+          <a:p>
+            <a:r>
+              <a:rPr lang="en-US" dirty="0"/>
+              <a:t>&lt;input name="h_image1" type="file"  id="h_image1" &gt;</a:t>
+            </a:r>
+          </a:p>
+        </p:txBody>
+      </p:sp>
+      <p:sp>
+        <p:nvSpPr>
+          <p:cNvPr id="5" name="TextBox 4"/>
+          <p:cNvSpPr txBox="1"/>
+          <p:nvPr/>
+        </p:nvSpPr>
+        <p:spPr>
+          <a:xfrm>
+            <a:off x="290945" y="2482334"/>
+            <a:ext cx="957250" cy="369332"/>
+          </a:xfrm>
+          <a:prstGeom prst="rect">
+            <a:avLst/>
+          </a:prstGeom>
+          <a:noFill/>
+        </p:spPr>
+        <p:txBody>
+          <a:bodyPr wrap="none" rtlCol="0">
+            <a:spAutoFit/>
+          </a:bodyPr>
+          <a:lstStyle/>
+          <a:p>
+            <a:r>
+              <a:rPr lang="en-US" dirty="0" smtClean="0"/>
+              <a:t>&lt;/form&gt;</a:t>
+            </a:r>
+            <a:endParaRPr lang="en-US" dirty="0"/>
+          </a:p>
+        </p:txBody>
+      </p:sp>
+      <p:sp>
+        <p:nvSpPr>
+          <p:cNvPr id="6" name="Rectangle 5"/>
+          <p:cNvSpPr/>
+          <p:nvPr/>
+        </p:nvSpPr>
+        <p:spPr>
+          <a:xfrm>
+            <a:off x="290945" y="4572000"/>
+            <a:ext cx="7239000" cy="646331"/>
+          </a:xfrm>
+          <a:prstGeom prst="rect">
+            <a:avLst/>
+          </a:prstGeom>
+        </p:spPr>
+        <p:txBody>
+          <a:bodyPr wrap="square">
+            <a:spAutoFit/>
+          </a:bodyPr>
+          <a:lstStyle/>
+          <a:p>
+            <a:r>
+              <a:rPr lang="en-US" dirty="0"/>
+              <a:t>$</a:t>
+            </a:r>
+            <a:r>
+              <a:rPr lang="en-US" dirty="0" err="1"/>
+              <a:t>img_url</a:t>
+            </a:r>
+            <a:r>
+              <a:rPr lang="en-US" dirty="0"/>
+              <a:t>=$_FILES['h_image1']['name'];</a:t>
+            </a:r>
+          </a:p>
+          <a:p>
+            <a:r>
+              <a:rPr lang="en-US" dirty="0"/>
+              <a:t> $img_url121= $_FILES['h_image1']['</a:t>
+            </a:r>
+            <a:r>
+              <a:rPr lang="en-US" dirty="0" err="1"/>
+              <a:t>tmp_name</a:t>
+            </a:r>
+            <a:r>
+              <a:rPr lang="en-US" dirty="0"/>
+              <a:t>'];</a:t>
+            </a:r>
+          </a:p>
+        </p:txBody>
+      </p:sp>
+      <p:sp>
+        <p:nvSpPr>
+          <p:cNvPr id="7" name="TextBox 6"/>
+          <p:cNvSpPr txBox="1"/>
+          <p:nvPr/>
+        </p:nvSpPr>
+        <p:spPr>
+          <a:xfrm>
+            <a:off x="152400" y="4050268"/>
+            <a:ext cx="1678473" cy="369332"/>
+          </a:xfrm>
+          <a:prstGeom prst="rect">
+            <a:avLst/>
+          </a:prstGeom>
+          <a:noFill/>
+        </p:spPr>
+        <p:txBody>
+          <a:bodyPr wrap="none" rtlCol="0">
+            <a:spAutoFit/>
+          </a:bodyPr>
+          <a:lstStyle/>
+          <a:p>
+            <a:r>
+              <a:rPr lang="en-US" dirty="0" err="1" smtClean="0"/>
+              <a:t>Saveprodut.php</a:t>
+            </a:r>
+            <a:endParaRPr lang="en-US" dirty="0"/>
+          </a:p>
+        </p:txBody>
+      </p:sp>
+    </p:spTree>
+    <p:extLst>
+      <p:ext uri="{BB962C8B-B14F-4D97-AF65-F5344CB8AC3E}">
+        <p14:creationId xmlns:p14="http://schemas.microsoft.com/office/powerpoint/2010/main" val="528473601"/>
+      </p:ext>
+    </p:extLst>
+  </p:cSld>
+  <p:clrMapOvr>
+    <a:masterClrMapping/>
+  </p:clrMapOvr>
+</p:sld>
+</file>
+
+<file path=ppt/slides/slide122.xml><?xml version="1.0" encoding="utf-8"?>
+<p:sld xmlns:a="http://schemas.openxmlformats.org/drawingml/2006/main" xmlns:r="http://schemas.openxmlformats.org/officeDocument/2006/relationships" xmlns:p="http://schemas.openxmlformats.org/presentationml/2006/main">
+  <p:cSld>
+    <p:spTree>
+      <p:nvGrpSpPr>
+        <p:cNvPr id="1" name=""/>
+        <p:cNvGrpSpPr/>
+        <p:nvPr/>
+      </p:nvGrpSpPr>
+      <p:grpSpPr>
+        <a:xfrm>
+          <a:off x="0" y="0"/>
+          <a:ext cx="0" cy="0"/>
+          <a:chOff x="0" y="0"/>
+          <a:chExt cx="0" cy="0"/>
+        </a:xfrm>
+      </p:grpSpPr>
+      <p:sp>
+        <p:nvSpPr>
+          <p:cNvPr id="2" name="Rectangle 1"/>
+          <p:cNvSpPr/>
+          <p:nvPr/>
+        </p:nvSpPr>
+        <p:spPr>
+          <a:xfrm>
+            <a:off x="228600" y="381000"/>
+            <a:ext cx="8610600" cy="5355312"/>
+          </a:xfrm>
+          <a:prstGeom prst="rect">
+            <a:avLst/>
+          </a:prstGeom>
+        </p:spPr>
+        <p:txBody>
+          <a:bodyPr wrap="square">
+            <a:spAutoFit/>
+          </a:bodyPr>
+          <a:lstStyle/>
+          <a:p>
+            <a:endParaRPr lang="en-US" dirty="0" smtClean="0"/>
+          </a:p>
+          <a:p>
+            <a:r>
+              <a:rPr lang="en-US" dirty="0"/>
+              <a:t>$</a:t>
+            </a:r>
+            <a:r>
+              <a:rPr lang="en-US" dirty="0" err="1"/>
+              <a:t>sql</a:t>
+            </a:r>
+            <a:r>
+              <a:rPr lang="en-US" dirty="0"/>
+              <a:t> = "insert into </a:t>
+            </a:r>
+            <a:r>
+              <a:rPr lang="en-US" dirty="0" err="1" smtClean="0"/>
+              <a:t>indexpg</a:t>
+            </a:r>
+            <a:r>
+              <a:rPr lang="en-US" dirty="0" smtClean="0"/>
+              <a:t> (</a:t>
+            </a:r>
+            <a:r>
+              <a:rPr lang="en-US" dirty="0" err="1" smtClean="0"/>
+              <a:t>imgpath</a:t>
+            </a:r>
+            <a:r>
+              <a:rPr lang="en-US" dirty="0" smtClean="0"/>
+              <a:t>)</a:t>
+            </a:r>
+            <a:r>
+              <a:rPr lang="en-US" dirty="0"/>
+              <a:t> </a:t>
+            </a:r>
+            <a:r>
+              <a:rPr lang="en-US" dirty="0" smtClean="0"/>
+              <a:t>values('','')";</a:t>
+            </a:r>
+            <a:endParaRPr lang="en-US" dirty="0"/>
+          </a:p>
+          <a:p>
+            <a:r>
+              <a:rPr lang="en-US" dirty="0"/>
+              <a:t/>
+            </a:r>
+            <a:br>
+              <a:rPr lang="en-US" dirty="0"/>
+            </a:br>
+            <a:r>
+              <a:rPr lang="en-US" dirty="0"/>
+              <a:t>                    </a:t>
+            </a:r>
+          </a:p>
+          <a:p>
+            <a:r>
+              <a:rPr lang="en-US" dirty="0"/>
+              <a:t>        </a:t>
+            </a:r>
+            <a:r>
+              <a:rPr lang="en-US" dirty="0" err="1"/>
+              <a:t>mysql_query</a:t>
+            </a:r>
+            <a:r>
+              <a:rPr lang="en-US" dirty="0"/>
+              <a:t>($</a:t>
+            </a:r>
+            <a:r>
+              <a:rPr lang="en-US" dirty="0" err="1"/>
+              <a:t>sql</a:t>
+            </a:r>
+            <a:r>
+              <a:rPr lang="en-US" dirty="0"/>
+              <a:t>) or die(</a:t>
+            </a:r>
+            <a:r>
+              <a:rPr lang="en-US" dirty="0" err="1"/>
+              <a:t>mysql_error</a:t>
+            </a:r>
+            <a:r>
+              <a:rPr lang="en-US" dirty="0"/>
+              <a:t>());</a:t>
+            </a:r>
+          </a:p>
+          <a:p>
+            <a:endParaRPr lang="en-US" dirty="0"/>
+          </a:p>
+          <a:p>
+            <a:endParaRPr lang="en-US" dirty="0" smtClean="0"/>
+          </a:p>
+          <a:p>
+            <a:endParaRPr lang="en-US" dirty="0"/>
+          </a:p>
+          <a:p>
+            <a:endParaRPr lang="en-US" dirty="0" smtClean="0"/>
+          </a:p>
+          <a:p>
+            <a:r>
+              <a:rPr lang="en-US" dirty="0" smtClean="0"/>
+              <a:t>$</a:t>
+            </a:r>
+            <a:r>
+              <a:rPr lang="en-US" dirty="0" err="1"/>
+              <a:t>db_query</a:t>
+            </a:r>
+            <a:r>
+              <a:rPr lang="en-US" dirty="0"/>
+              <a:t>="select max(id)as </a:t>
+            </a:r>
+            <a:r>
+              <a:rPr lang="en-US" dirty="0" err="1"/>
+              <a:t>newid</a:t>
+            </a:r>
+            <a:r>
+              <a:rPr lang="en-US" dirty="0"/>
+              <a:t> from </a:t>
+            </a:r>
+            <a:r>
+              <a:rPr lang="en-US" dirty="0" smtClean="0"/>
+              <a:t> </a:t>
+            </a:r>
+            <a:r>
+              <a:rPr lang="en-US" dirty="0" err="1" smtClean="0"/>
+              <a:t>indexpg</a:t>
+            </a:r>
+            <a:r>
+              <a:rPr lang="en-US" dirty="0" smtClean="0"/>
+              <a:t>";</a:t>
+            </a:r>
+            <a:endParaRPr lang="en-US" dirty="0"/>
+          </a:p>
+          <a:p>
+            <a:r>
+              <a:rPr lang="en-US" dirty="0"/>
+              <a:t>$</a:t>
+            </a:r>
+            <a:r>
+              <a:rPr lang="en-US" dirty="0" err="1"/>
+              <a:t>result_ch</a:t>
+            </a:r>
+            <a:r>
+              <a:rPr lang="en-US" dirty="0"/>
+              <a:t>=</a:t>
+            </a:r>
+            <a:r>
+              <a:rPr lang="en-US" dirty="0" err="1"/>
+              <a:t>mysql_db_query</a:t>
+            </a:r>
+            <a:r>
+              <a:rPr lang="en-US" dirty="0"/>
+              <a:t>($</a:t>
+            </a:r>
+            <a:r>
+              <a:rPr lang="en-US" dirty="0" err="1"/>
+              <a:t>dbname</a:t>
+            </a:r>
+            <a:r>
+              <a:rPr lang="en-US" dirty="0"/>
+              <a:t>,$</a:t>
+            </a:r>
+            <a:r>
+              <a:rPr lang="en-US" dirty="0" err="1"/>
+              <a:t>db_query</a:t>
+            </a:r>
+            <a:r>
+              <a:rPr lang="en-US" dirty="0"/>
+              <a:t>);if(</a:t>
+            </a:r>
+            <a:r>
+              <a:rPr lang="en-US" dirty="0" err="1"/>
+              <a:t>mysql_error</a:t>
+            </a:r>
+            <a:r>
+              <a:rPr lang="en-US" dirty="0" smtClean="0"/>
+              <a:t>()!="")</a:t>
+            </a:r>
+          </a:p>
+          <a:p>
+            <a:r>
+              <a:rPr lang="en-US" dirty="0" smtClean="0"/>
+              <a:t>{</a:t>
+            </a:r>
+          </a:p>
+          <a:p>
+            <a:r>
+              <a:rPr lang="en-US" dirty="0" smtClean="0"/>
+              <a:t>echo</a:t>
+            </a:r>
+            <a:r>
+              <a:rPr lang="en-US" dirty="0"/>
+              <a:t> </a:t>
+            </a:r>
+            <a:r>
+              <a:rPr lang="en-US" dirty="0" err="1"/>
+              <a:t>mysql_error</a:t>
+            </a:r>
+            <a:r>
+              <a:rPr lang="en-US" dirty="0" smtClean="0"/>
+              <a:t>();</a:t>
+            </a:r>
+          </a:p>
+          <a:p>
+            <a:r>
+              <a:rPr lang="en-US" dirty="0" smtClean="0"/>
+              <a:t>}</a:t>
+            </a:r>
+            <a:endParaRPr lang="en-US" dirty="0"/>
+          </a:p>
+          <a:p>
+            <a:r>
+              <a:rPr lang="en-US" dirty="0"/>
+              <a:t>if(</a:t>
+            </a:r>
+            <a:r>
+              <a:rPr lang="en-US" dirty="0" err="1"/>
+              <a:t>mysql_num_rows</a:t>
+            </a:r>
+            <a:r>
+              <a:rPr lang="en-US" dirty="0"/>
+              <a:t>($</a:t>
+            </a:r>
+            <a:r>
+              <a:rPr lang="en-US" dirty="0" err="1"/>
+              <a:t>result_ch</a:t>
+            </a:r>
+            <a:r>
+              <a:rPr lang="en-US" dirty="0"/>
+              <a:t>)&gt;0)</a:t>
+            </a:r>
+          </a:p>
+          <a:p>
+            <a:r>
+              <a:rPr lang="en-US" dirty="0"/>
+              <a:t>{</a:t>
+            </a:r>
+          </a:p>
+          <a:p>
+            <a:r>
+              <a:rPr lang="en-US" dirty="0"/>
+              <a:t>    $row=</a:t>
+            </a:r>
+            <a:r>
+              <a:rPr lang="en-US" dirty="0" err="1"/>
+              <a:t>mysql_fetch_array</a:t>
+            </a:r>
+            <a:r>
+              <a:rPr lang="en-US" dirty="0"/>
+              <a:t>($</a:t>
+            </a:r>
+            <a:r>
+              <a:rPr lang="en-US" dirty="0" err="1"/>
+              <a:t>result_ch</a:t>
+            </a:r>
+            <a:r>
+              <a:rPr lang="en-US" dirty="0"/>
+              <a:t>);</a:t>
+            </a:r>
+          </a:p>
+          <a:p>
+            <a:r>
+              <a:rPr lang="en-US" dirty="0"/>
+              <a:t>    $pid1=$row['</a:t>
+            </a:r>
+            <a:r>
+              <a:rPr lang="en-US" dirty="0" err="1"/>
+              <a:t>newid</a:t>
+            </a:r>
+            <a:r>
+              <a:rPr lang="en-US" dirty="0"/>
+              <a:t>'];</a:t>
+            </a:r>
+          </a:p>
+          <a:p>
+            <a:r>
+              <a:rPr lang="en-US" dirty="0"/>
+              <a:t>}</a:t>
+            </a:r>
+          </a:p>
+        </p:txBody>
+      </p:sp>
+    </p:spTree>
+    <p:extLst>
+      <p:ext uri="{BB962C8B-B14F-4D97-AF65-F5344CB8AC3E}">
+        <p14:creationId xmlns:p14="http://schemas.microsoft.com/office/powerpoint/2010/main" val="4195097291"/>
+      </p:ext>
+    </p:extLst>
+  </p:cSld>
+  <p:clrMapOvr>
+    <a:masterClrMapping/>
+  </p:clrMapOvr>
+</p:sld>
+</file>
+
+<file path=ppt/slides/slide123.xml><?xml version="1.0" encoding="utf-8"?>
+<p:sld xmlns:a="http://schemas.openxmlformats.org/drawingml/2006/main" xmlns:r="http://schemas.openxmlformats.org/officeDocument/2006/relationships" xmlns:p="http://schemas.openxmlformats.org/presentationml/2006/main">
+  <p:cSld>
+    <p:spTree>
+      <p:nvGrpSpPr>
+        <p:cNvPr id="1" name=""/>
+        <p:cNvGrpSpPr/>
+        <p:nvPr/>
+      </p:nvGrpSpPr>
+      <p:grpSpPr>
+        <a:xfrm>
+          <a:off x="0" y="0"/>
+          <a:ext cx="0" cy="0"/>
+          <a:chOff x="0" y="0"/>
+          <a:chExt cx="0" cy="0"/>
+        </a:xfrm>
+      </p:grpSpPr>
+      <p:sp>
+        <p:nvSpPr>
+          <p:cNvPr id="2" name="Rectangle 1"/>
+          <p:cNvSpPr/>
+          <p:nvPr/>
+        </p:nvSpPr>
+        <p:spPr>
+          <a:xfrm>
+            <a:off x="304800" y="197346"/>
+            <a:ext cx="8610600" cy="4524315"/>
+          </a:xfrm>
+          <a:prstGeom prst="rect">
+            <a:avLst/>
+          </a:prstGeom>
+        </p:spPr>
+        <p:txBody>
+          <a:bodyPr wrap="square">
+            <a:spAutoFit/>
+          </a:bodyPr>
+          <a:lstStyle/>
+          <a:p>
+            <a:r>
+              <a:rPr lang="en-US" dirty="0"/>
+              <a:t>if($</a:t>
+            </a:r>
+            <a:r>
+              <a:rPr lang="en-US" dirty="0" err="1"/>
+              <a:t>img_url</a:t>
+            </a:r>
+            <a:r>
+              <a:rPr lang="en-US" dirty="0"/>
+              <a:t>!=""){</a:t>
+            </a:r>
+          </a:p>
+          <a:p>
+            <a:r>
+              <a:rPr lang="en-US" dirty="0"/>
+              <a:t>        $</a:t>
+            </a:r>
+            <a:r>
+              <a:rPr lang="en-US" dirty="0" err="1"/>
+              <a:t>db_query</a:t>
+            </a:r>
+            <a:r>
+              <a:rPr lang="en-US" dirty="0"/>
+              <a:t>="select max(id)as </a:t>
+            </a:r>
+            <a:r>
+              <a:rPr lang="en-US" dirty="0" err="1"/>
+              <a:t>newid</a:t>
+            </a:r>
+            <a:r>
+              <a:rPr lang="en-US" dirty="0"/>
+              <a:t> from </a:t>
+            </a:r>
+            <a:r>
+              <a:rPr lang="en-US" dirty="0" err="1" smtClean="0"/>
+              <a:t>indexpg</a:t>
+            </a:r>
+            <a:r>
+              <a:rPr lang="en-US" dirty="0" smtClean="0"/>
+              <a:t>";</a:t>
+            </a:r>
+            <a:endParaRPr lang="en-US" dirty="0"/>
+          </a:p>
+          <a:p>
+            <a:r>
+              <a:rPr lang="en-US" dirty="0"/>
+              <a:t>        $</a:t>
+            </a:r>
+            <a:r>
+              <a:rPr lang="en-US" dirty="0" err="1"/>
+              <a:t>result_ch</a:t>
+            </a:r>
+            <a:r>
+              <a:rPr lang="en-US" dirty="0"/>
+              <a:t>=</a:t>
+            </a:r>
+            <a:r>
+              <a:rPr lang="en-US" dirty="0" err="1"/>
+              <a:t>mysql_db_query</a:t>
+            </a:r>
+            <a:r>
+              <a:rPr lang="en-US" dirty="0"/>
+              <a:t>($</a:t>
+            </a:r>
+            <a:r>
+              <a:rPr lang="en-US" dirty="0" err="1"/>
+              <a:t>dbname</a:t>
+            </a:r>
+            <a:r>
+              <a:rPr lang="en-US" dirty="0"/>
+              <a:t>,$</a:t>
+            </a:r>
+            <a:r>
+              <a:rPr lang="en-US" dirty="0" err="1"/>
+              <a:t>db_query</a:t>
+            </a:r>
+            <a:r>
+              <a:rPr lang="en-US" dirty="0"/>
+              <a:t>);if(</a:t>
+            </a:r>
+            <a:r>
+              <a:rPr lang="en-US" dirty="0" err="1"/>
+              <a:t>mysql_error</a:t>
+            </a:r>
+            <a:r>
+              <a:rPr lang="en-US" dirty="0"/>
+              <a:t>()!=""){echo </a:t>
+            </a:r>
+            <a:r>
+              <a:rPr lang="en-US" dirty="0" err="1"/>
+              <a:t>mysql_error</a:t>
+            </a:r>
+            <a:r>
+              <a:rPr lang="en-US" dirty="0"/>
+              <a:t>();}</a:t>
+            </a:r>
+          </a:p>
+          <a:p>
+            <a:r>
+              <a:rPr lang="en-US" dirty="0"/>
+              <a:t>        if(</a:t>
+            </a:r>
+            <a:r>
+              <a:rPr lang="en-US" dirty="0" err="1"/>
+              <a:t>mysql_num_rows</a:t>
+            </a:r>
+            <a:r>
+              <a:rPr lang="en-US" dirty="0"/>
+              <a:t>($</a:t>
+            </a:r>
+            <a:r>
+              <a:rPr lang="en-US" dirty="0" err="1"/>
+              <a:t>result_ch</a:t>
+            </a:r>
+            <a:r>
+              <a:rPr lang="en-US" dirty="0"/>
+              <a:t>)&gt;0)</a:t>
+            </a:r>
+          </a:p>
+          <a:p>
+            <a:r>
+              <a:rPr lang="en-US" dirty="0"/>
+              <a:t>        {</a:t>
+            </a:r>
+          </a:p>
+          <a:p>
+            <a:r>
+              <a:rPr lang="en-US" dirty="0"/>
+              <a:t>            $row=</a:t>
+            </a:r>
+            <a:r>
+              <a:rPr lang="en-US" dirty="0" err="1"/>
+              <a:t>mysql_fetch_array</a:t>
+            </a:r>
+            <a:r>
+              <a:rPr lang="en-US" dirty="0"/>
+              <a:t>($</a:t>
+            </a:r>
+            <a:r>
+              <a:rPr lang="en-US" dirty="0" err="1"/>
+              <a:t>result_ch</a:t>
+            </a:r>
+            <a:r>
+              <a:rPr lang="en-US" dirty="0"/>
+              <a:t>);</a:t>
+            </a:r>
+          </a:p>
+          <a:p>
+            <a:r>
+              <a:rPr lang="en-US" dirty="0"/>
+              <a:t>            $</a:t>
+            </a:r>
+            <a:r>
+              <a:rPr lang="en-US" dirty="0" err="1"/>
+              <a:t>aaa</a:t>
+            </a:r>
+            <a:r>
+              <a:rPr lang="en-US" dirty="0"/>
+              <a:t>=$row['</a:t>
+            </a:r>
+            <a:r>
+              <a:rPr lang="en-US" dirty="0" err="1"/>
+              <a:t>newid</a:t>
+            </a:r>
+            <a:r>
+              <a:rPr lang="en-US" dirty="0"/>
+              <a:t>'];</a:t>
+            </a:r>
+          </a:p>
+          <a:p>
+            <a:r>
+              <a:rPr lang="en-US" dirty="0"/>
+              <a:t>            $</a:t>
+            </a:r>
+            <a:r>
+              <a:rPr lang="en-US" dirty="0" err="1"/>
+              <a:t>uploaddir</a:t>
+            </a:r>
+            <a:r>
+              <a:rPr lang="en-US" dirty="0"/>
+              <a:t> = "../../small/"; </a:t>
+            </a:r>
+          </a:p>
+          <a:p>
+            <a:r>
+              <a:rPr lang="en-US" dirty="0"/>
+              <a:t>            $</a:t>
+            </a:r>
+            <a:r>
+              <a:rPr lang="en-US" dirty="0" err="1"/>
+              <a:t>file_extc</a:t>
+            </a:r>
+            <a:r>
+              <a:rPr lang="en-US" dirty="0"/>
+              <a:t>= </a:t>
+            </a:r>
+            <a:r>
+              <a:rPr lang="en-US" dirty="0" err="1"/>
+              <a:t>pathinfo</a:t>
+            </a:r>
+            <a:r>
+              <a:rPr lang="en-US" dirty="0"/>
+              <a:t>($</a:t>
+            </a:r>
+            <a:r>
+              <a:rPr lang="en-US" dirty="0" err="1"/>
+              <a:t>img_url</a:t>
+            </a:r>
+            <a:r>
+              <a:rPr lang="en-US" dirty="0"/>
+              <a:t>, PATHINFO_EXTENSION);</a:t>
+            </a:r>
+          </a:p>
+          <a:p>
+            <a:r>
+              <a:rPr lang="en-US" dirty="0"/>
+              <a:t>            $</a:t>
+            </a:r>
+            <a:r>
+              <a:rPr lang="en-US" dirty="0" err="1"/>
+              <a:t>photor</a:t>
+            </a:r>
+            <a:r>
+              <a:rPr lang="en-US" dirty="0"/>
+              <a:t>= $row['</a:t>
+            </a:r>
+            <a:r>
+              <a:rPr lang="en-US" dirty="0" err="1"/>
+              <a:t>newid</a:t>
+            </a:r>
+            <a:r>
+              <a:rPr lang="en-US" dirty="0"/>
+              <a:t>'].".".$</a:t>
+            </a:r>
+            <a:r>
+              <a:rPr lang="en-US" dirty="0" err="1"/>
+              <a:t>file_extc</a:t>
+            </a:r>
+            <a:r>
+              <a:rPr lang="en-US" dirty="0"/>
+              <a:t>;</a:t>
+            </a:r>
+          </a:p>
+          <a:p>
+            <a:r>
+              <a:rPr lang="en-US" dirty="0"/>
+              <a:t>                   copy( $img_url121, $</a:t>
+            </a:r>
+            <a:r>
+              <a:rPr lang="en-US" dirty="0" err="1"/>
+              <a:t>uploaddir</a:t>
+            </a:r>
+            <a:r>
+              <a:rPr lang="en-US" dirty="0"/>
+              <a:t> . $</a:t>
+            </a:r>
+            <a:r>
+              <a:rPr lang="en-US" dirty="0" err="1"/>
+              <a:t>photor</a:t>
+            </a:r>
+            <a:r>
+              <a:rPr lang="en-US" dirty="0"/>
+              <a:t>);                </a:t>
+            </a:r>
+          </a:p>
+          <a:p>
+            <a:r>
+              <a:rPr lang="en-US" dirty="0"/>
+              <a:t>                    $upd1="update </a:t>
+            </a:r>
+            <a:r>
+              <a:rPr lang="en-US" dirty="0" smtClean="0"/>
+              <a:t> </a:t>
+            </a:r>
+            <a:r>
+              <a:rPr lang="en-US" dirty="0" err="1" smtClean="0"/>
+              <a:t>indexpg</a:t>
+            </a:r>
+            <a:r>
+              <a:rPr lang="en-US" dirty="0"/>
+              <a:t> set </a:t>
+            </a:r>
+            <a:r>
+              <a:rPr lang="en-US" dirty="0" err="1"/>
+              <a:t>imgpath</a:t>
+            </a:r>
+            <a:r>
+              <a:rPr lang="en-US" dirty="0"/>
+              <a:t>='$</a:t>
+            </a:r>
+            <a:r>
+              <a:rPr lang="en-US" dirty="0" err="1"/>
+              <a:t>photor</a:t>
+            </a:r>
+            <a:r>
+              <a:rPr lang="en-US" dirty="0"/>
+              <a:t>' where id=".$row['</a:t>
+            </a:r>
+            <a:r>
+              <a:rPr lang="en-US" dirty="0" err="1"/>
+              <a:t>newid</a:t>
+            </a:r>
+            <a:r>
+              <a:rPr lang="en-US" dirty="0"/>
+              <a:t>'];</a:t>
+            </a:r>
+          </a:p>
+          <a:p>
+            <a:r>
+              <a:rPr lang="en-US" dirty="0"/>
+              <a:t>                    </a:t>
+            </a:r>
+            <a:r>
+              <a:rPr lang="en-US" dirty="0" err="1"/>
+              <a:t>mysql_query</a:t>
+            </a:r>
+            <a:r>
+              <a:rPr lang="en-US" dirty="0"/>
+              <a:t>($upd1) or die(</a:t>
+            </a:r>
+            <a:r>
+              <a:rPr lang="en-US" dirty="0" err="1"/>
+              <a:t>mysql_error</a:t>
+            </a:r>
+            <a:r>
+              <a:rPr lang="en-US" dirty="0"/>
+              <a:t>());</a:t>
+            </a:r>
+          </a:p>
+          <a:p>
+            <a:r>
+              <a:rPr lang="en-US" dirty="0"/>
+              <a:t>            </a:t>
+            </a:r>
+          </a:p>
+          <a:p>
+            <a:r>
+              <a:rPr lang="en-US" dirty="0"/>
+              <a:t>         }}</a:t>
+            </a:r>
+          </a:p>
+        </p:txBody>
+      </p:sp>
+    </p:spTree>
+    <p:extLst>
+      <p:ext uri="{BB962C8B-B14F-4D97-AF65-F5344CB8AC3E}">
+        <p14:creationId xmlns:p14="http://schemas.microsoft.com/office/powerpoint/2010/main" val="941093659"/>
+      </p:ext>
+    </p:extLst>
+  </p:cSld>
+  <p:clrMapOvr>
+    <a:masterClrMapping/>
+  </p:clrMapOvr>
+</p:sld>
+</file>
+
+<file path=ppt/slides/slide124.xml><?xml version="1.0" encoding="utf-8"?>
+<p:sld xmlns:a="http://schemas.openxmlformats.org/drawingml/2006/main" xmlns:r="http://schemas.openxmlformats.org/officeDocument/2006/relationships" xmlns:p="http://schemas.openxmlformats.org/presentationml/2006/main">
+  <p:cSld>
+    <p:spTree>
+      <p:nvGrpSpPr>
+        <p:cNvPr id="1" name=""/>
+        <p:cNvGrpSpPr/>
+        <p:nvPr/>
+      </p:nvGrpSpPr>
+      <p:grpSpPr>
+        <a:xfrm>
+          <a:off x="0" y="0"/>
+          <a:ext cx="0" cy="0"/>
+          <a:chOff x="0" y="0"/>
+          <a:chExt cx="0" cy="0"/>
+        </a:xfrm>
+      </p:grpSpPr>
+      <p:sp>
+        <p:nvSpPr>
+          <p:cNvPr id="2" name="Rectangle 1"/>
+          <p:cNvSpPr/>
+          <p:nvPr/>
+        </p:nvSpPr>
+        <p:spPr>
+          <a:xfrm>
+            <a:off x="228600" y="152400"/>
+            <a:ext cx="1867819" cy="369332"/>
+          </a:xfrm>
+          <a:prstGeom prst="rect">
+            <a:avLst/>
+          </a:prstGeom>
+        </p:spPr>
+        <p:txBody>
+          <a:bodyPr wrap="none">
+            <a:spAutoFit/>
+          </a:bodyPr>
+          <a:lstStyle/>
+          <a:p>
+            <a:r>
+              <a:rPr lang="en-US" b="1" dirty="0"/>
+              <a:t>PHP File Handling</a:t>
+            </a:r>
+          </a:p>
+        </p:txBody>
+      </p:sp>
+      <p:sp>
+        <p:nvSpPr>
+          <p:cNvPr id="3" name="Rectangle 2"/>
+          <p:cNvSpPr/>
+          <p:nvPr/>
+        </p:nvSpPr>
+        <p:spPr>
+          <a:xfrm>
+            <a:off x="256308" y="685800"/>
+            <a:ext cx="8659091" cy="2031325"/>
+          </a:xfrm>
+          <a:prstGeom prst="rect">
+            <a:avLst/>
+          </a:prstGeom>
+        </p:spPr>
+        <p:txBody>
+          <a:bodyPr wrap="square">
+            <a:spAutoFit/>
+          </a:bodyPr>
+          <a:lstStyle/>
+          <a:p>
+            <a:r>
+              <a:rPr lang="en-US" dirty="0"/>
+              <a:t>PHP provides set of in-built functions to handle files. Some of the functions are, </a:t>
+            </a:r>
+            <a:r>
+              <a:rPr lang="en-US" dirty="0" err="1"/>
+              <a:t>fopen</a:t>
+            </a:r>
+            <a:r>
+              <a:rPr lang="en-US" dirty="0"/>
+              <a:t>(), </a:t>
+            </a:r>
+            <a:r>
+              <a:rPr lang="en-US" dirty="0" err="1"/>
+              <a:t>file_exists</a:t>
+            </a:r>
+            <a:r>
+              <a:rPr lang="en-US" dirty="0"/>
+              <a:t>(), </a:t>
+            </a:r>
+            <a:r>
+              <a:rPr lang="en-US" dirty="0" err="1"/>
+              <a:t>file_get_contents</a:t>
+            </a:r>
+            <a:r>
+              <a:rPr lang="en-US" dirty="0"/>
+              <a:t>() and etc</a:t>
+            </a:r>
+            <a:r>
+              <a:rPr lang="en-US" dirty="0" smtClean="0"/>
+              <a:t>.</a:t>
+            </a:r>
+          </a:p>
+          <a:p>
+            <a:endParaRPr lang="en-US" dirty="0"/>
+          </a:p>
+          <a:p>
+            <a:r>
+              <a:rPr lang="en-US" dirty="0"/>
+              <a:t>Some of the basic operations to deal with files are listed below.</a:t>
+            </a:r>
+          </a:p>
+          <a:p>
+            <a:pPr marL="285750" indent="-285750">
+              <a:buFont typeface="Wingdings" pitchFamily="2" charset="2"/>
+              <a:buChar char="Ø"/>
+            </a:pPr>
+            <a:r>
+              <a:rPr lang="en-US" dirty="0"/>
+              <a:t>Opening file</a:t>
+            </a:r>
+          </a:p>
+          <a:p>
+            <a:pPr marL="285750" indent="-285750">
+              <a:buFont typeface="Wingdings" pitchFamily="2" charset="2"/>
+              <a:buChar char="Ø"/>
+            </a:pPr>
+            <a:r>
+              <a:rPr lang="en-US" dirty="0"/>
+              <a:t>Working with file read, write and append</a:t>
+            </a:r>
+          </a:p>
+          <a:p>
+            <a:pPr marL="285750" indent="-285750">
+              <a:buFont typeface="Wingdings" pitchFamily="2" charset="2"/>
+              <a:buChar char="Ø"/>
+            </a:pPr>
+            <a:r>
+              <a:rPr lang="en-US" dirty="0"/>
+              <a:t>Closing file</a:t>
+            </a:r>
+          </a:p>
+        </p:txBody>
+      </p:sp>
+      <p:sp>
+        <p:nvSpPr>
+          <p:cNvPr id="4" name="Rectangle 3"/>
+          <p:cNvSpPr/>
+          <p:nvPr/>
+        </p:nvSpPr>
+        <p:spPr>
+          <a:xfrm>
+            <a:off x="457200" y="3124200"/>
+            <a:ext cx="8077200" cy="2862322"/>
+          </a:xfrm>
+          <a:prstGeom prst="rect">
+            <a:avLst/>
+          </a:prstGeom>
+        </p:spPr>
+        <p:txBody>
+          <a:bodyPr wrap="square">
+            <a:spAutoFit/>
+          </a:bodyPr>
+          <a:lstStyle/>
+          <a:p>
+            <a:r>
+              <a:rPr lang="en-US" b="1" dirty="0"/>
+              <a:t>Mode of Operation</a:t>
+            </a:r>
+          </a:p>
+          <a:p>
+            <a:r>
+              <a:rPr lang="en-US" dirty="0"/>
+              <a:t>In PHP file handling, there are four set of possible modes. </a:t>
+            </a:r>
+            <a:endParaRPr lang="en-US" dirty="0" smtClean="0"/>
+          </a:p>
+          <a:p>
+            <a:endParaRPr lang="en-US" dirty="0"/>
+          </a:p>
+          <a:p>
+            <a:r>
+              <a:rPr lang="en-US" dirty="0"/>
+              <a:t>{r and r+} – To read existing file</a:t>
+            </a:r>
+            <a:r>
+              <a:rPr lang="en-US" dirty="0" smtClean="0"/>
+              <a:t>.</a:t>
+            </a:r>
+          </a:p>
+          <a:p>
+            <a:endParaRPr lang="en-US" dirty="0"/>
+          </a:p>
+          <a:p>
+            <a:r>
+              <a:rPr lang="en-US" dirty="0"/>
+              <a:t>{w and w+} – To change the entire file content</a:t>
+            </a:r>
+            <a:r>
+              <a:rPr lang="en-US" dirty="0" smtClean="0"/>
+              <a:t>.</a:t>
+            </a:r>
+          </a:p>
+          <a:p>
+            <a:endParaRPr lang="en-US" dirty="0"/>
+          </a:p>
+          <a:p>
+            <a:r>
+              <a:rPr lang="en-US" dirty="0"/>
+              <a:t>{a and a+} – To add content after existing file content</a:t>
+            </a:r>
+            <a:r>
+              <a:rPr lang="en-US" dirty="0" smtClean="0"/>
+              <a:t>.</a:t>
+            </a:r>
+          </a:p>
+          <a:p>
+            <a:endParaRPr lang="en-US" dirty="0"/>
+          </a:p>
+          <a:p>
+            <a:r>
+              <a:rPr lang="en-US" dirty="0"/>
+              <a:t>{x and x+} – To create a new file and work with it.</a:t>
+            </a:r>
+          </a:p>
+        </p:txBody>
+      </p:sp>
+    </p:spTree>
+    <p:extLst>
+      <p:ext uri="{BB962C8B-B14F-4D97-AF65-F5344CB8AC3E}">
+        <p14:creationId xmlns:p14="http://schemas.microsoft.com/office/powerpoint/2010/main" val="3430689400"/>
+      </p:ext>
+    </p:extLst>
+  </p:cSld>
+  <p:clrMapOvr>
+    <a:masterClrMapping/>
+  </p:clrMapOvr>
+</p:sld>
+</file>
+
+<file path=ppt/slides/slide125.xml><?xml version="1.0" encoding="utf-8"?>
+<p:sld xmlns:a="http://schemas.openxmlformats.org/drawingml/2006/main" xmlns:r="http://schemas.openxmlformats.org/officeDocument/2006/relationships" xmlns:p="http://schemas.openxmlformats.org/presentationml/2006/main">
+  <p:cSld>
+    <p:spTree>
+      <p:nvGrpSpPr>
+        <p:cNvPr id="1" name=""/>
+        <p:cNvGrpSpPr/>
+        <p:nvPr/>
+      </p:nvGrpSpPr>
+      <p:grpSpPr>
+        <a:xfrm>
+          <a:off x="0" y="0"/>
+          <a:ext cx="0" cy="0"/>
+          <a:chOff x="0" y="0"/>
+          <a:chExt cx="0" cy="0"/>
+        </a:xfrm>
+      </p:grpSpPr>
+      <p:sp>
+        <p:nvSpPr>
+          <p:cNvPr id="11" name="Rectangle 10"/>
+          <p:cNvSpPr/>
+          <p:nvPr/>
+        </p:nvSpPr>
+        <p:spPr>
+          <a:xfrm>
+            <a:off x="228600" y="304800"/>
+            <a:ext cx="1863074" cy="369332"/>
+          </a:xfrm>
+          <a:prstGeom prst="rect">
+            <a:avLst/>
+          </a:prstGeom>
+        </p:spPr>
+        <p:txBody>
+          <a:bodyPr wrap="none">
+            <a:spAutoFit/>
+          </a:bodyPr>
+          <a:lstStyle/>
+          <a:p>
+            <a:r>
+              <a:rPr lang="en-US" b="1" dirty="0"/>
+              <a:t>Read existing file.</a:t>
+            </a:r>
+          </a:p>
+        </p:txBody>
+      </p:sp>
+      <p:graphicFrame>
+        <p:nvGraphicFramePr>
+          <p:cNvPr id="12" name="Table 11"/>
+          <p:cNvGraphicFramePr>
+            <a:graphicFrameLocks noGrp="1"/>
+          </p:cNvGraphicFramePr>
+          <p:nvPr>
+            <p:extLst>
+              <p:ext uri="{D42A27DB-BD31-4B8C-83A1-F6EECF244321}">
+                <p14:modId xmlns:p14="http://schemas.microsoft.com/office/powerpoint/2010/main" val="1674567979"/>
+              </p:ext>
+            </p:extLst>
+          </p:nvPr>
+        </p:nvGraphicFramePr>
+        <p:xfrm>
+          <a:off x="235527" y="708768"/>
+          <a:ext cx="8229599" cy="1108710"/>
+        </p:xfrm>
+        <a:graphic>
+          <a:graphicData uri="http://schemas.openxmlformats.org/drawingml/2006/table">
+            <a:tbl>
+              <a:tblPr/>
+              <a:tblGrid>
+                <a:gridCol w="2812473"/>
+                <a:gridCol w="2226454"/>
+                <a:gridCol w="3190672"/>
+              </a:tblGrid>
+              <a:tr h="0">
+                <a:tc>
+                  <a:txBody>
+                    <a:bodyPr/>
+                    <a:lstStyle/>
+                    <a:p>
+                      <a:r>
+                        <a:rPr lang="en-US" b="1" dirty="0">
+                          <a:solidFill>
+                            <a:srgbClr val="474747"/>
+                          </a:solidFill>
+                          <a:effectLst/>
+                        </a:rPr>
+                        <a:t>Mode of Operation</a:t>
+                      </a:r>
+                      <a:endParaRPr lang="en-US" dirty="0">
+                        <a:effectLst/>
+                      </a:endParaRPr>
+                    </a:p>
+                  </a:txBody>
+                  <a:tcPr marL="47625" marR="47625" marT="47625" marB="47625" anchor="ctr">
+                    <a:lnL>
+                      <a:noFill/>
+                    </a:lnL>
+                    <a:lnR>
+                      <a:noFill/>
+                    </a:lnR>
+                    <a:lnT>
+                      <a:noFill/>
+                    </a:lnT>
+                    <a:lnB>
+                      <a:noFill/>
+                    </a:lnB>
+                    <a:solidFill>
+                      <a:srgbClr val="D4D4FF"/>
+                    </a:solidFill>
+                  </a:tcPr>
+                </a:tc>
+                <a:tc>
+                  <a:txBody>
+                    <a:bodyPr/>
+                    <a:lstStyle/>
+                    <a:p>
+                      <a:r>
+                        <a:rPr lang="en-US" b="1">
+                          <a:solidFill>
+                            <a:srgbClr val="474747"/>
+                          </a:solidFill>
+                          <a:effectLst/>
+                        </a:rPr>
+                        <a:t>File Mode</a:t>
+                      </a:r>
+                      <a:endParaRPr lang="en-US"/>
+                    </a:p>
+                  </a:txBody>
+                  <a:tcPr anchor="ctr">
+                    <a:lnL>
+                      <a:noFill/>
+                    </a:lnL>
+                    <a:lnR>
+                      <a:noFill/>
+                    </a:lnR>
+                    <a:lnT>
+                      <a:noFill/>
+                    </a:lnT>
+                    <a:lnB>
+                      <a:noFill/>
+                    </a:lnB>
+                    <a:solidFill>
+                      <a:srgbClr val="D4D4FF"/>
+                    </a:solidFill>
+                  </a:tcPr>
+                </a:tc>
+                <a:tc>
+                  <a:txBody>
+                    <a:bodyPr/>
+                    <a:lstStyle/>
+                    <a:p>
+                      <a:r>
+                        <a:rPr lang="en-US" b="1">
+                          <a:solidFill>
+                            <a:srgbClr val="474747"/>
+                          </a:solidFill>
+                          <a:effectLst/>
+                        </a:rPr>
+                        <a:t>File Pointer Position</a:t>
+                      </a:r>
+                      <a:endParaRPr lang="en-US"/>
+                    </a:p>
+                  </a:txBody>
+                  <a:tcPr anchor="ctr">
+                    <a:lnL>
+                      <a:noFill/>
+                    </a:lnL>
+                    <a:lnR>
+                      <a:noFill/>
+                    </a:lnR>
+                    <a:lnT>
+                      <a:noFill/>
+                    </a:lnT>
+                    <a:lnB>
+                      <a:noFill/>
+                    </a:lnB>
+                    <a:solidFill>
+                      <a:srgbClr val="D4D4FF"/>
+                    </a:solidFill>
+                  </a:tcPr>
+                </a:tc>
+              </a:tr>
+              <a:tr h="0">
+                <a:tc>
+                  <a:txBody>
+                    <a:bodyPr/>
+                    <a:lstStyle/>
+                    <a:p>
+                      <a:pPr algn="ctr"/>
+                      <a:r>
+                        <a:rPr lang="en-US" dirty="0">
+                          <a:effectLst/>
+                        </a:rPr>
+                        <a:t>r</a:t>
+                      </a:r>
+                    </a:p>
+                  </a:txBody>
+                  <a:tcPr marL="47625" marR="47625" marT="47625" marB="47625" anchor="ctr">
+                    <a:lnL>
+                      <a:noFill/>
+                    </a:lnL>
+                    <a:lnR>
+                      <a:noFill/>
+                    </a:lnR>
+                    <a:lnT>
+                      <a:noFill/>
+                    </a:lnT>
+                    <a:lnB>
+                      <a:noFill/>
+                    </a:lnB>
+                    <a:solidFill>
+                      <a:srgbClr val="E8E8FF"/>
+                    </a:solidFill>
+                  </a:tcPr>
+                </a:tc>
+                <a:tc>
+                  <a:txBody>
+                    <a:bodyPr/>
+                    <a:lstStyle/>
+                    <a:p>
+                      <a:r>
+                        <a:rPr lang="en-US"/>
+                        <a:t>read-only</a:t>
+                      </a:r>
+                    </a:p>
+                  </a:txBody>
+                  <a:tcPr anchor="ctr">
+                    <a:lnL>
+                      <a:noFill/>
+                    </a:lnL>
+                    <a:lnR>
+                      <a:noFill/>
+                    </a:lnR>
+                    <a:lnT>
+                      <a:noFill/>
+                    </a:lnT>
+                    <a:lnB>
+                      <a:noFill/>
+                    </a:lnB>
+                    <a:solidFill>
+                      <a:srgbClr val="E8E8FF"/>
+                    </a:solidFill>
+                  </a:tcPr>
+                </a:tc>
+                <a:tc>
+                  <a:txBody>
+                    <a:bodyPr/>
+                    <a:lstStyle/>
+                    <a:p>
+                      <a:r>
+                        <a:rPr lang="en-US"/>
+                        <a:t>Start of the file content</a:t>
+                      </a:r>
+                    </a:p>
+                  </a:txBody>
+                  <a:tcPr anchor="ctr">
+                    <a:lnL>
+                      <a:noFill/>
+                    </a:lnL>
+                    <a:lnR>
+                      <a:noFill/>
+                    </a:lnR>
+                    <a:lnT>
+                      <a:noFill/>
+                    </a:lnT>
+                    <a:lnB>
+                      <a:noFill/>
+                    </a:lnB>
+                    <a:solidFill>
+                      <a:srgbClr val="E8E8FF"/>
+                    </a:solidFill>
+                  </a:tcPr>
+                </a:tc>
+              </a:tr>
+              <a:tr h="0">
+                <a:tc>
+                  <a:txBody>
+                    <a:bodyPr/>
+                    <a:lstStyle/>
+                    <a:p>
+                      <a:pPr algn="ctr"/>
+                      <a:r>
+                        <a:rPr lang="en-US" dirty="0">
+                          <a:effectLst/>
+                        </a:rPr>
+                        <a:t>r+</a:t>
+                      </a:r>
+                    </a:p>
+                  </a:txBody>
+                  <a:tcPr marL="47625" marR="47625" marT="47625" marB="47625" anchor="ctr">
+                    <a:lnL>
+                      <a:noFill/>
+                    </a:lnL>
+                    <a:lnR>
+                      <a:noFill/>
+                    </a:lnR>
+                    <a:lnT>
+                      <a:noFill/>
+                    </a:lnT>
+                    <a:lnB>
+                      <a:noFill/>
+                    </a:lnB>
+                    <a:solidFill>
+                      <a:srgbClr val="E8E8FF"/>
+                    </a:solidFill>
+                  </a:tcPr>
+                </a:tc>
+                <a:tc>
+                  <a:txBody>
+                    <a:bodyPr/>
+                    <a:lstStyle/>
+                    <a:p>
+                      <a:r>
+                        <a:rPr lang="en-US"/>
+                        <a:t>read-write</a:t>
+                      </a:r>
+                    </a:p>
+                  </a:txBody>
+                  <a:tcPr anchor="ctr">
+                    <a:lnL>
+                      <a:noFill/>
+                    </a:lnL>
+                    <a:lnR>
+                      <a:noFill/>
+                    </a:lnR>
+                    <a:lnT>
+                      <a:noFill/>
+                    </a:lnT>
+                    <a:lnB>
+                      <a:noFill/>
+                    </a:lnB>
+                    <a:solidFill>
+                      <a:srgbClr val="E8E8FF"/>
+                    </a:solidFill>
+                  </a:tcPr>
+                </a:tc>
+                <a:tc>
+                  <a:txBody>
+                    <a:bodyPr/>
+                    <a:lstStyle/>
+                    <a:p>
+                      <a:r>
+                        <a:rPr lang="en-US" dirty="0"/>
+                        <a:t>Start of the file content</a:t>
+                      </a:r>
+                    </a:p>
+                  </a:txBody>
+                  <a:tcPr anchor="ctr">
+                    <a:lnL>
+                      <a:noFill/>
+                    </a:lnL>
+                    <a:lnR>
+                      <a:noFill/>
+                    </a:lnR>
+                    <a:lnT>
+                      <a:noFill/>
+                    </a:lnT>
+                    <a:lnB>
+                      <a:noFill/>
+                    </a:lnB>
+                    <a:solidFill>
+                      <a:srgbClr val="E8E8FF"/>
+                    </a:solidFill>
+                  </a:tcPr>
+                </a:tc>
+              </a:tr>
+            </a:tbl>
+          </a:graphicData>
+        </a:graphic>
+      </p:graphicFrame>
+      <p:sp>
+        <p:nvSpPr>
+          <p:cNvPr id="13" name="Rectangle 12"/>
+          <p:cNvSpPr/>
+          <p:nvPr/>
+        </p:nvSpPr>
+        <p:spPr>
+          <a:xfrm>
+            <a:off x="1160136" y="2971800"/>
+            <a:ext cx="5926463" cy="1569660"/>
+          </a:xfrm>
+          <a:prstGeom prst="rect">
+            <a:avLst/>
+          </a:prstGeom>
+        </p:spPr>
+        <p:txBody>
+          <a:bodyPr wrap="square">
+            <a:spAutoFit/>
+          </a:bodyPr>
+          <a:lstStyle/>
+          <a:p>
+            <a:r>
+              <a:rPr lang="en-US" sz="2400" dirty="0"/>
+              <a:t>$</a:t>
+            </a:r>
+            <a:r>
+              <a:rPr lang="en-US" sz="2400" dirty="0" err="1"/>
+              <a:t>filePointer</a:t>
+            </a:r>
+            <a:r>
+              <a:rPr lang="en-US" sz="2400" dirty="0"/>
+              <a:t> = </a:t>
+            </a:r>
+            <a:r>
+              <a:rPr lang="en-US" sz="2400" dirty="0" err="1"/>
+              <a:t>fopen</a:t>
+            </a:r>
+            <a:r>
+              <a:rPr lang="en-US" sz="2400" dirty="0"/>
+              <a:t>("</a:t>
+            </a:r>
+            <a:r>
+              <a:rPr lang="en-US" sz="2400" dirty="0" err="1"/>
+              <a:t>hello.txt","r</a:t>
+            </a:r>
+            <a:r>
+              <a:rPr lang="en-US" sz="2400" dirty="0"/>
+              <a:t>");</a:t>
+            </a:r>
+          </a:p>
+          <a:p>
+            <a:r>
+              <a:rPr lang="en-US" sz="2400" dirty="0"/>
+              <a:t>while(!</a:t>
+            </a:r>
+            <a:r>
+              <a:rPr lang="en-US" sz="2400" dirty="0" err="1"/>
+              <a:t>feof</a:t>
+            </a:r>
+            <a:r>
+              <a:rPr lang="en-US" sz="2400" dirty="0"/>
+              <a:t>($</a:t>
+            </a:r>
+            <a:r>
+              <a:rPr lang="en-US" sz="2400" dirty="0" err="1"/>
+              <a:t>filePointer</a:t>
+            </a:r>
+            <a:r>
+              <a:rPr lang="en-US" sz="2400" dirty="0"/>
+              <a:t>)){</a:t>
+            </a:r>
+          </a:p>
+          <a:p>
+            <a:r>
+              <a:rPr lang="en-US" sz="2400" dirty="0"/>
+              <a:t>echo </a:t>
+            </a:r>
+            <a:r>
+              <a:rPr lang="en-US" sz="2400" dirty="0" err="1"/>
+              <a:t>fgets</a:t>
+            </a:r>
+            <a:r>
+              <a:rPr lang="en-US" sz="2400" dirty="0"/>
+              <a:t>($</a:t>
+            </a:r>
+            <a:r>
+              <a:rPr lang="en-US" sz="2400" dirty="0" err="1"/>
+              <a:t>filePointer</a:t>
+            </a:r>
+            <a:r>
+              <a:rPr lang="en-US" sz="2400" dirty="0"/>
+              <a:t>). "&lt;</a:t>
+            </a:r>
+            <a:r>
+              <a:rPr lang="en-US" sz="2400" dirty="0" err="1"/>
+              <a:t>br</a:t>
+            </a:r>
+            <a:r>
+              <a:rPr lang="en-US" sz="2400" dirty="0"/>
+              <a:t>&gt;";</a:t>
+            </a:r>
+          </a:p>
+          <a:p>
+            <a:r>
+              <a:rPr lang="en-US" sz="2400" dirty="0"/>
+              <a:t>}</a:t>
+            </a:r>
+          </a:p>
+        </p:txBody>
+      </p:sp>
+    </p:spTree>
+    <p:extLst>
+      <p:ext uri="{BB962C8B-B14F-4D97-AF65-F5344CB8AC3E}">
+        <p14:creationId xmlns:p14="http://schemas.microsoft.com/office/powerpoint/2010/main" val="3753909042"/>
+      </p:ext>
+    </p:extLst>
+  </p:cSld>
+  <p:clrMapOvr>
+    <a:masterClrMapping/>
+  </p:clrMapOvr>
+  <p:timing>
+    <p:tnLst>
+      <p:par>
+        <p:cTn id="1" dur="indefinite" restart="never" nodeType="tmRoot"/>
+      </p:par>
+    </p:tnLst>
+  </p:timing>
+</p:sld>
+</file>
+
+<file path=ppt/slides/slide126.xml><?xml version="1.0" encoding="utf-8"?>
+<p:sld xmlns:a="http://schemas.openxmlformats.org/drawingml/2006/main" xmlns:r="http://schemas.openxmlformats.org/officeDocument/2006/relationships" xmlns:p="http://schemas.openxmlformats.org/presentationml/2006/main">
+  <p:cSld>
+    <p:spTree>
+      <p:nvGrpSpPr>
+        <p:cNvPr id="1" name=""/>
+        <p:cNvGrpSpPr/>
+        <p:nvPr/>
+      </p:nvGrpSpPr>
+      <p:grpSpPr>
+        <a:xfrm>
+          <a:off x="0" y="0"/>
+          <a:ext cx="0" cy="0"/>
+          <a:chOff x="0" y="0"/>
+          <a:chExt cx="0" cy="0"/>
+        </a:xfrm>
+      </p:grpSpPr>
+      <p:sp>
+        <p:nvSpPr>
+          <p:cNvPr id="2" name="Rectangle 1"/>
+          <p:cNvSpPr/>
+          <p:nvPr/>
+        </p:nvSpPr>
+        <p:spPr>
+          <a:xfrm>
+            <a:off x="304800" y="152400"/>
+            <a:ext cx="1732526" cy="369332"/>
+          </a:xfrm>
+          <a:prstGeom prst="rect">
+            <a:avLst/>
+          </a:prstGeom>
+        </p:spPr>
+        <p:txBody>
+          <a:bodyPr wrap="none">
+            <a:spAutoFit/>
+          </a:bodyPr>
+          <a:lstStyle/>
+          <a:p>
+            <a:r>
+              <a:rPr lang="en-US" b="1" dirty="0"/>
+              <a:t>Write into a file.</a:t>
+            </a:r>
+          </a:p>
+        </p:txBody>
+      </p:sp>
+      <p:graphicFrame>
+        <p:nvGraphicFramePr>
+          <p:cNvPr id="3" name="Table 2"/>
+          <p:cNvGraphicFramePr>
+            <a:graphicFrameLocks noGrp="1"/>
+          </p:cNvGraphicFramePr>
+          <p:nvPr>
+            <p:extLst>
+              <p:ext uri="{D42A27DB-BD31-4B8C-83A1-F6EECF244321}">
+                <p14:modId xmlns:p14="http://schemas.microsoft.com/office/powerpoint/2010/main" val="4288062520"/>
+              </p:ext>
+            </p:extLst>
+          </p:nvPr>
+        </p:nvGraphicFramePr>
+        <p:xfrm>
+          <a:off x="304800" y="685800"/>
+          <a:ext cx="8229599" cy="1108710"/>
+        </p:xfrm>
+        <a:graphic>
+          <a:graphicData uri="http://schemas.openxmlformats.org/drawingml/2006/table">
+            <a:tbl>
+              <a:tblPr/>
+              <a:tblGrid>
+                <a:gridCol w="2667000"/>
+                <a:gridCol w="2371927"/>
+                <a:gridCol w="3190672"/>
+              </a:tblGrid>
+              <a:tr h="0">
+                <a:tc>
+                  <a:txBody>
+                    <a:bodyPr/>
+                    <a:lstStyle/>
+                    <a:p>
+                      <a:r>
+                        <a:rPr lang="en-US" b="1" dirty="0">
+                          <a:solidFill>
+                            <a:srgbClr val="474747"/>
+                          </a:solidFill>
+                          <a:effectLst/>
+                        </a:rPr>
+                        <a:t>Mode of Operation</a:t>
+                      </a:r>
+                      <a:endParaRPr lang="en-US" dirty="0">
+                        <a:effectLst/>
+                      </a:endParaRPr>
+                    </a:p>
+                  </a:txBody>
+                  <a:tcPr marL="47625" marR="47625" marT="47625" marB="47625" anchor="ctr">
+                    <a:lnL>
+                      <a:noFill/>
+                    </a:lnL>
+                    <a:lnR>
+                      <a:noFill/>
+                    </a:lnR>
+                    <a:lnT>
+                      <a:noFill/>
+                    </a:lnT>
+                    <a:lnB>
+                      <a:noFill/>
+                    </a:lnB>
+                    <a:solidFill>
+                      <a:srgbClr val="D4D4FF"/>
+                    </a:solidFill>
+                  </a:tcPr>
+                </a:tc>
+                <a:tc>
+                  <a:txBody>
+                    <a:bodyPr/>
+                    <a:lstStyle/>
+                    <a:p>
+                      <a:r>
+                        <a:rPr lang="en-US" b="1">
+                          <a:solidFill>
+                            <a:srgbClr val="474747"/>
+                          </a:solidFill>
+                          <a:effectLst/>
+                        </a:rPr>
+                        <a:t>File Mode</a:t>
+                      </a:r>
+                      <a:endParaRPr lang="en-US"/>
+                    </a:p>
+                  </a:txBody>
+                  <a:tcPr anchor="ctr">
+                    <a:lnL>
+                      <a:noFill/>
+                    </a:lnL>
+                    <a:lnR>
+                      <a:noFill/>
+                    </a:lnR>
+                    <a:lnT>
+                      <a:noFill/>
+                    </a:lnT>
+                    <a:lnB>
+                      <a:noFill/>
+                    </a:lnB>
+                    <a:solidFill>
+                      <a:srgbClr val="D4D4FF"/>
+                    </a:solidFill>
+                  </a:tcPr>
+                </a:tc>
+                <a:tc>
+                  <a:txBody>
+                    <a:bodyPr/>
+                    <a:lstStyle/>
+                    <a:p>
+                      <a:r>
+                        <a:rPr lang="en-US" b="1">
+                          <a:solidFill>
+                            <a:srgbClr val="474747"/>
+                          </a:solidFill>
+                          <a:effectLst/>
+                        </a:rPr>
+                        <a:t>File Pointer Position</a:t>
+                      </a:r>
+                      <a:endParaRPr lang="en-US"/>
+                    </a:p>
+                  </a:txBody>
+                  <a:tcPr anchor="ctr">
+                    <a:lnL>
+                      <a:noFill/>
+                    </a:lnL>
+                    <a:lnR>
+                      <a:noFill/>
+                    </a:lnR>
+                    <a:lnT>
+                      <a:noFill/>
+                    </a:lnT>
+                    <a:lnB>
+                      <a:noFill/>
+                    </a:lnB>
+                    <a:solidFill>
+                      <a:srgbClr val="D4D4FF"/>
+                    </a:solidFill>
+                  </a:tcPr>
+                </a:tc>
+              </a:tr>
+              <a:tr h="0">
+                <a:tc>
+                  <a:txBody>
+                    <a:bodyPr/>
+                    <a:lstStyle/>
+                    <a:p>
+                      <a:pPr algn="ctr"/>
+                      <a:r>
+                        <a:rPr lang="en-US">
+                          <a:effectLst/>
+                        </a:rPr>
+                        <a:t>w</a:t>
+                      </a:r>
+                    </a:p>
+                  </a:txBody>
+                  <a:tcPr marL="47625" marR="47625" marT="47625" marB="47625" anchor="ctr">
+                    <a:lnL>
+                      <a:noFill/>
+                    </a:lnL>
+                    <a:lnR>
+                      <a:noFill/>
+                    </a:lnR>
+                    <a:lnT>
+                      <a:noFill/>
+                    </a:lnT>
+                    <a:lnB>
+                      <a:noFill/>
+                    </a:lnB>
+                    <a:solidFill>
+                      <a:srgbClr val="E8E8FF"/>
+                    </a:solidFill>
+                  </a:tcPr>
+                </a:tc>
+                <a:tc>
+                  <a:txBody>
+                    <a:bodyPr/>
+                    <a:lstStyle/>
+                    <a:p>
+                      <a:r>
+                        <a:rPr lang="en-US"/>
+                        <a:t>write-only</a:t>
+                      </a:r>
+                    </a:p>
+                  </a:txBody>
+                  <a:tcPr anchor="ctr">
+                    <a:lnL>
+                      <a:noFill/>
+                    </a:lnL>
+                    <a:lnR>
+                      <a:noFill/>
+                    </a:lnR>
+                    <a:lnT>
+                      <a:noFill/>
+                    </a:lnT>
+                    <a:lnB>
+                      <a:noFill/>
+                    </a:lnB>
+                    <a:solidFill>
+                      <a:srgbClr val="E8E8FF"/>
+                    </a:solidFill>
+                  </a:tcPr>
+                </a:tc>
+                <a:tc>
+                  <a:txBody>
+                    <a:bodyPr/>
+                    <a:lstStyle/>
+                    <a:p>
+                      <a:r>
+                        <a:rPr lang="en-US"/>
+                        <a:t>Start of the file content</a:t>
+                      </a:r>
+                    </a:p>
+                  </a:txBody>
+                  <a:tcPr anchor="ctr">
+                    <a:lnL>
+                      <a:noFill/>
+                    </a:lnL>
+                    <a:lnR>
+                      <a:noFill/>
+                    </a:lnR>
+                    <a:lnT>
+                      <a:noFill/>
+                    </a:lnT>
+                    <a:lnB>
+                      <a:noFill/>
+                    </a:lnB>
+                    <a:solidFill>
+                      <a:srgbClr val="E8E8FF"/>
+                    </a:solidFill>
+                  </a:tcPr>
+                </a:tc>
+              </a:tr>
+              <a:tr h="0">
+                <a:tc>
+                  <a:txBody>
+                    <a:bodyPr/>
+                    <a:lstStyle/>
+                    <a:p>
+                      <a:pPr algn="ctr"/>
+                      <a:r>
+                        <a:rPr lang="en-US" dirty="0">
+                          <a:effectLst/>
+                        </a:rPr>
+                        <a:t>w+</a:t>
+                      </a:r>
+                    </a:p>
+                  </a:txBody>
+                  <a:tcPr marL="47625" marR="47625" marT="47625" marB="47625" anchor="ctr">
+                    <a:lnL>
+                      <a:noFill/>
+                    </a:lnL>
+                    <a:lnR>
+                      <a:noFill/>
+                    </a:lnR>
+                    <a:lnT>
+                      <a:noFill/>
+                    </a:lnT>
+                    <a:lnB>
+                      <a:noFill/>
+                    </a:lnB>
+                    <a:solidFill>
+                      <a:srgbClr val="E8E8FF"/>
+                    </a:solidFill>
+                  </a:tcPr>
+                </a:tc>
+                <a:tc>
+                  <a:txBody>
+                    <a:bodyPr/>
+                    <a:lstStyle/>
+                    <a:p>
+                      <a:r>
+                        <a:rPr lang="en-US"/>
+                        <a:t>read-write</a:t>
+                      </a:r>
+                    </a:p>
+                  </a:txBody>
+                  <a:tcPr anchor="ctr">
+                    <a:lnL>
+                      <a:noFill/>
+                    </a:lnL>
+                    <a:lnR>
+                      <a:noFill/>
+                    </a:lnR>
+                    <a:lnT>
+                      <a:noFill/>
+                    </a:lnT>
+                    <a:lnB>
+                      <a:noFill/>
+                    </a:lnB>
+                    <a:solidFill>
+                      <a:srgbClr val="E8E8FF"/>
+                    </a:solidFill>
+                  </a:tcPr>
+                </a:tc>
+                <a:tc>
+                  <a:txBody>
+                    <a:bodyPr/>
+                    <a:lstStyle/>
+                    <a:p>
+                      <a:r>
+                        <a:rPr lang="en-US" dirty="0"/>
+                        <a:t>Start of the file content</a:t>
+                      </a:r>
+                    </a:p>
+                  </a:txBody>
+                  <a:tcPr anchor="ctr">
+                    <a:lnL>
+                      <a:noFill/>
+                    </a:lnL>
+                    <a:lnR>
+                      <a:noFill/>
+                    </a:lnR>
+                    <a:lnT>
+                      <a:noFill/>
+                    </a:lnT>
+                    <a:lnB>
+                      <a:noFill/>
+                    </a:lnB>
+                    <a:solidFill>
+                      <a:srgbClr val="E8E8FF"/>
+                    </a:solidFill>
+                  </a:tcPr>
+                </a:tc>
+              </a:tr>
+            </a:tbl>
+          </a:graphicData>
+        </a:graphic>
+      </p:graphicFrame>
+      <p:sp>
+        <p:nvSpPr>
+          <p:cNvPr id="4" name="Rectangle 3"/>
+          <p:cNvSpPr/>
+          <p:nvPr/>
+        </p:nvSpPr>
+        <p:spPr>
+          <a:xfrm>
+            <a:off x="685800" y="3998893"/>
+            <a:ext cx="7772400" cy="954107"/>
+          </a:xfrm>
+          <a:prstGeom prst="rect">
+            <a:avLst/>
+          </a:prstGeom>
+        </p:spPr>
+        <p:txBody>
+          <a:bodyPr wrap="square">
+            <a:spAutoFit/>
+          </a:bodyPr>
+          <a:lstStyle/>
+          <a:p>
+            <a:r>
+              <a:rPr lang="en-US" sz="2800" dirty="0"/>
+              <a:t>$</a:t>
+            </a:r>
+            <a:r>
+              <a:rPr lang="en-US" sz="2800" dirty="0" err="1"/>
+              <a:t>filePointer</a:t>
+            </a:r>
+            <a:r>
+              <a:rPr lang="en-US" sz="2800" dirty="0"/>
+              <a:t> = </a:t>
+            </a:r>
+            <a:r>
+              <a:rPr lang="en-US" sz="2800" dirty="0" err="1"/>
+              <a:t>fopen</a:t>
+            </a:r>
+            <a:r>
+              <a:rPr lang="en-US" sz="2800" dirty="0"/>
+              <a:t>("</a:t>
+            </a:r>
+            <a:r>
+              <a:rPr lang="en-US" sz="2800" dirty="0" err="1"/>
+              <a:t>hello.txt","w</a:t>
+            </a:r>
+            <a:r>
+              <a:rPr lang="en-US" sz="2800" dirty="0"/>
+              <a:t>");</a:t>
+            </a:r>
+          </a:p>
+          <a:p>
+            <a:r>
+              <a:rPr lang="en-US" sz="2800" dirty="0" err="1"/>
+              <a:t>fwrite</a:t>
+            </a:r>
+            <a:r>
+              <a:rPr lang="en-US" sz="2800" dirty="0"/>
+              <a:t>( $</a:t>
+            </a:r>
+            <a:r>
+              <a:rPr lang="en-US" sz="2800" dirty="0" err="1"/>
+              <a:t>filePointer</a:t>
+            </a:r>
+            <a:r>
+              <a:rPr lang="en-US" sz="2800" dirty="0"/>
+              <a:t>, "PHP POT: MySQL Query\n" );</a:t>
+            </a:r>
+          </a:p>
+        </p:txBody>
+      </p:sp>
+      <p:sp>
+        <p:nvSpPr>
+          <p:cNvPr id="5" name="Rectangle 4"/>
+          <p:cNvSpPr/>
+          <p:nvPr/>
+        </p:nvSpPr>
+        <p:spPr>
+          <a:xfrm>
+            <a:off x="304800" y="1981200"/>
+            <a:ext cx="8305800" cy="1015663"/>
+          </a:xfrm>
+          <a:prstGeom prst="rect">
+            <a:avLst/>
+          </a:prstGeom>
+        </p:spPr>
+        <p:txBody>
+          <a:bodyPr wrap="square">
+            <a:spAutoFit/>
+          </a:bodyPr>
+          <a:lstStyle/>
+          <a:p>
+            <a:r>
+              <a:rPr lang="en-US" sz="2000" dirty="0"/>
+              <a:t>By using these modes, the entire file content will be cleared and the pointer will focus the start position of the file content. This method is used to change the existing file content, completely.</a:t>
+            </a:r>
+          </a:p>
+        </p:txBody>
+      </p:sp>
+    </p:spTree>
+    <p:extLst>
+      <p:ext uri="{BB962C8B-B14F-4D97-AF65-F5344CB8AC3E}">
+        <p14:creationId xmlns:p14="http://schemas.microsoft.com/office/powerpoint/2010/main" val="2061962507"/>
+      </p:ext>
+    </p:extLst>
+  </p:cSld>
+  <p:clrMapOvr>
+    <a:masterClrMapping/>
+  </p:clrMapOvr>
+</p:sld>
+</file>
+
+<file path=ppt/slides/slide127.xml><?xml version="1.0" encoding="utf-8"?>
+<p:sld xmlns:a="http://schemas.openxmlformats.org/drawingml/2006/main" xmlns:r="http://schemas.openxmlformats.org/officeDocument/2006/relationships" xmlns:p="http://schemas.openxmlformats.org/presentationml/2006/main">
+  <p:cSld>
+    <p:spTree>
+      <p:nvGrpSpPr>
+        <p:cNvPr id="1" name=""/>
+        <p:cNvGrpSpPr/>
+        <p:nvPr/>
+      </p:nvGrpSpPr>
+      <p:grpSpPr>
+        <a:xfrm>
+          <a:off x="0" y="0"/>
+          <a:ext cx="0" cy="0"/>
+          <a:chOff x="0" y="0"/>
+          <a:chExt cx="0" cy="0"/>
+        </a:xfrm>
+      </p:grpSpPr>
+      <p:sp>
+        <p:nvSpPr>
+          <p:cNvPr id="2" name="Rectangle 1"/>
+          <p:cNvSpPr/>
+          <p:nvPr/>
+        </p:nvSpPr>
+        <p:spPr>
+          <a:xfrm>
+            <a:off x="152400" y="228600"/>
+            <a:ext cx="2700547" cy="369332"/>
+          </a:xfrm>
+          <a:prstGeom prst="rect">
+            <a:avLst/>
+          </a:prstGeom>
+        </p:spPr>
+        <p:txBody>
+          <a:bodyPr wrap="none">
+            <a:spAutoFit/>
+          </a:bodyPr>
+          <a:lstStyle/>
+          <a:p>
+            <a:r>
+              <a:rPr lang="en-US" b="1" dirty="0"/>
+              <a:t>Append content to the file</a:t>
+            </a:r>
+          </a:p>
+        </p:txBody>
+      </p:sp>
+      <p:sp>
+        <p:nvSpPr>
+          <p:cNvPr id="3" name="Rectangle 2"/>
+          <p:cNvSpPr/>
+          <p:nvPr/>
+        </p:nvSpPr>
+        <p:spPr>
+          <a:xfrm>
+            <a:off x="304800" y="2182504"/>
+            <a:ext cx="8305800" cy="1015663"/>
+          </a:xfrm>
+          <a:prstGeom prst="rect">
+            <a:avLst/>
+          </a:prstGeom>
+        </p:spPr>
+        <p:txBody>
+          <a:bodyPr wrap="square">
+            <a:spAutoFit/>
+          </a:bodyPr>
+          <a:lstStyle/>
+          <a:p>
+            <a:r>
+              <a:rPr lang="en-US" sz="2000" dirty="0"/>
+              <a:t>In this operation, the existing content of the file will not be cleared. Rather, we can add new content continuously. Here, file pointer will point end of the file. And the possible mode of operations are,</a:t>
+            </a:r>
+          </a:p>
+        </p:txBody>
+      </p:sp>
+      <p:graphicFrame>
+        <p:nvGraphicFramePr>
+          <p:cNvPr id="4" name="Table 3"/>
+          <p:cNvGraphicFramePr>
+            <a:graphicFrameLocks noGrp="1"/>
+          </p:cNvGraphicFramePr>
+          <p:nvPr>
+            <p:extLst>
+              <p:ext uri="{D42A27DB-BD31-4B8C-83A1-F6EECF244321}">
+                <p14:modId xmlns:p14="http://schemas.microsoft.com/office/powerpoint/2010/main" val="1092316762"/>
+              </p:ext>
+            </p:extLst>
+          </p:nvPr>
+        </p:nvGraphicFramePr>
+        <p:xfrm>
+          <a:off x="304800" y="762000"/>
+          <a:ext cx="8229600" cy="1108710"/>
+        </p:xfrm>
+        <a:graphic>
+          <a:graphicData uri="http://schemas.openxmlformats.org/drawingml/2006/table">
+            <a:tbl>
+              <a:tblPr/>
+              <a:tblGrid>
+                <a:gridCol w="2057400"/>
+                <a:gridCol w="2590800"/>
+                <a:gridCol w="3581400"/>
+              </a:tblGrid>
+              <a:tr h="0">
+                <a:tc>
+                  <a:txBody>
+                    <a:bodyPr/>
+                    <a:lstStyle/>
+                    <a:p>
+                      <a:r>
+                        <a:rPr lang="en-US" b="1">
+                          <a:solidFill>
+                            <a:srgbClr val="474747"/>
+                          </a:solidFill>
+                          <a:effectLst/>
+                        </a:rPr>
+                        <a:t>Mode of Operation</a:t>
+                      </a:r>
+                      <a:endParaRPr lang="en-US">
+                        <a:effectLst/>
+                      </a:endParaRPr>
+                    </a:p>
+                  </a:txBody>
+                  <a:tcPr marL="47625" marR="47625" marT="47625" marB="47625" anchor="ctr">
+                    <a:lnL w="9525" cap="flat" cmpd="sng" algn="ctr">
+                      <a:solidFill>
+                        <a:srgbClr val="CCCCCC"/>
+                      </a:solidFill>
+                      <a:prstDash val="solid"/>
+                      <a:round/>
+                      <a:headEnd type="none" w="med" len="med"/>
+                      <a:tailEnd type="none" w="med" len="med"/>
+                    </a:lnL>
+                    <a:lnR w="9525" cap="flat" cmpd="sng" algn="ctr">
+                      <a:solidFill>
+                        <a:srgbClr val="CCCCCC"/>
+                      </a:solidFill>
+                      <a:prstDash val="solid"/>
+                      <a:round/>
+                      <a:headEnd type="none" w="med" len="med"/>
+                      <a:tailEnd type="none" w="med" len="med"/>
+                    </a:lnR>
+                    <a:lnT w="9525" cap="flat" cmpd="sng" algn="ctr">
+                      <a:solidFill>
+                        <a:srgbClr val="CCCCCC"/>
+                      </a:solidFill>
+                      <a:prstDash val="solid"/>
+                      <a:round/>
+                      <a:headEnd type="none" w="med" len="med"/>
+                      <a:tailEnd type="none" w="med" len="med"/>
+                    </a:lnT>
+                    <a:lnB w="9525" cap="flat" cmpd="sng" algn="ctr">
+                      <a:solidFill>
+                        <a:srgbClr val="CCCCCC"/>
+                      </a:solidFill>
+                      <a:prstDash val="solid"/>
+                      <a:round/>
+                      <a:headEnd type="none" w="med" len="med"/>
+                      <a:tailEnd type="none" w="med" len="med"/>
+                    </a:lnB>
+                    <a:solidFill>
+                      <a:srgbClr val="D4D4FF"/>
+                    </a:solidFill>
+                  </a:tcPr>
+                </a:tc>
+                <a:tc>
+                  <a:txBody>
+                    <a:bodyPr/>
+                    <a:lstStyle/>
+                    <a:p>
+                      <a:r>
+                        <a:rPr lang="en-US" b="1">
+                          <a:solidFill>
+                            <a:srgbClr val="474747"/>
+                          </a:solidFill>
+                          <a:effectLst/>
+                        </a:rPr>
+                        <a:t>File Mode</a:t>
+                      </a:r>
+                      <a:endParaRPr lang="en-US"/>
+                    </a:p>
+                  </a:txBody>
+                  <a:tcPr marL="0" marR="0" marT="0" marB="0" anchor="ctr">
+                    <a:lnL w="9525" cap="flat" cmpd="sng" algn="ctr">
+                      <a:solidFill>
+                        <a:srgbClr val="CCCCCC"/>
+                      </a:solidFill>
+                      <a:prstDash val="solid"/>
+                      <a:round/>
+                      <a:headEnd type="none" w="med" len="med"/>
+                      <a:tailEnd type="none" w="med" len="med"/>
+                    </a:lnL>
+                    <a:lnR w="9525" cap="flat" cmpd="sng" algn="ctr">
+                      <a:solidFill>
+                        <a:srgbClr val="CCCCCC"/>
+                      </a:solidFill>
+                      <a:prstDash val="solid"/>
+                      <a:round/>
+                      <a:headEnd type="none" w="med" len="med"/>
+                      <a:tailEnd type="none" w="med" len="med"/>
+                    </a:lnR>
+                    <a:lnT w="9525" cap="flat" cmpd="sng" algn="ctr">
+                      <a:solidFill>
+                        <a:srgbClr val="CCCCCC"/>
+                      </a:solidFill>
+                      <a:prstDash val="solid"/>
+                      <a:round/>
+                      <a:headEnd type="none" w="med" len="med"/>
+                      <a:tailEnd type="none" w="med" len="med"/>
+                    </a:lnT>
+                    <a:lnB w="9525" cap="flat" cmpd="sng" algn="ctr">
+                      <a:solidFill>
+                        <a:srgbClr val="CCCCCC"/>
+                      </a:solidFill>
+                      <a:prstDash val="solid"/>
+                      <a:round/>
+                      <a:headEnd type="none" w="med" len="med"/>
+                      <a:tailEnd type="none" w="med" len="med"/>
+                    </a:lnB>
+                    <a:solidFill>
+                      <a:srgbClr val="D4D4FF"/>
+                    </a:solidFill>
+                  </a:tcPr>
+                </a:tc>
+                <a:tc>
+                  <a:txBody>
+                    <a:bodyPr/>
+                    <a:lstStyle/>
+                    <a:p>
+                      <a:r>
+                        <a:rPr lang="en-US" b="1">
+                          <a:solidFill>
+                            <a:srgbClr val="474747"/>
+                          </a:solidFill>
+                          <a:effectLst/>
+                        </a:rPr>
+                        <a:t>File Pointer Position</a:t>
+                      </a:r>
+                      <a:endParaRPr lang="en-US"/>
+                    </a:p>
+                  </a:txBody>
+                  <a:tcPr marL="0" marR="0" marT="0" marB="0" anchor="ctr">
+                    <a:lnL w="9525" cap="flat" cmpd="sng" algn="ctr">
+                      <a:solidFill>
+                        <a:srgbClr val="CCCCCC"/>
+                      </a:solidFill>
+                      <a:prstDash val="solid"/>
+                      <a:round/>
+                      <a:headEnd type="none" w="med" len="med"/>
+                      <a:tailEnd type="none" w="med" len="med"/>
+                    </a:lnL>
+                    <a:lnR w="9525" cap="flat" cmpd="sng" algn="ctr">
+                      <a:solidFill>
+                        <a:srgbClr val="CCCCCC"/>
+                      </a:solidFill>
+                      <a:prstDash val="solid"/>
+                      <a:round/>
+                      <a:headEnd type="none" w="med" len="med"/>
+                      <a:tailEnd type="none" w="med" len="med"/>
+                    </a:lnR>
+                    <a:lnT w="9525" cap="flat" cmpd="sng" algn="ctr">
+                      <a:solidFill>
+                        <a:srgbClr val="CCCCCC"/>
+                      </a:solidFill>
+                      <a:prstDash val="solid"/>
+                      <a:round/>
+                      <a:headEnd type="none" w="med" len="med"/>
+                      <a:tailEnd type="none" w="med" len="med"/>
+                    </a:lnT>
+                    <a:lnB w="9525" cap="flat" cmpd="sng" algn="ctr">
+                      <a:solidFill>
+                        <a:srgbClr val="CCCCCC"/>
+                      </a:solidFill>
+                      <a:prstDash val="solid"/>
+                      <a:round/>
+                      <a:headEnd type="none" w="med" len="med"/>
+                      <a:tailEnd type="none" w="med" len="med"/>
+                    </a:lnB>
+                    <a:solidFill>
+                      <a:srgbClr val="D4D4FF"/>
+                    </a:solidFill>
+                  </a:tcPr>
+                </a:tc>
+              </a:tr>
+              <a:tr h="0">
+                <a:tc>
+                  <a:txBody>
+                    <a:bodyPr/>
+                    <a:lstStyle/>
+                    <a:p>
+                      <a:pPr algn="ctr"/>
+                      <a:r>
+                        <a:rPr lang="en-US">
+                          <a:effectLst/>
+                        </a:rPr>
+                        <a:t>a</a:t>
+                      </a:r>
+                    </a:p>
+                  </a:txBody>
+                  <a:tcPr marL="47625" marR="47625" marT="47625" marB="47625" anchor="ctr">
+                    <a:lnL w="9525" cap="flat" cmpd="sng" algn="ctr">
+                      <a:solidFill>
+                        <a:srgbClr val="CCCCCC"/>
+                      </a:solidFill>
+                      <a:prstDash val="solid"/>
+                      <a:round/>
+                      <a:headEnd type="none" w="med" len="med"/>
+                      <a:tailEnd type="none" w="med" len="med"/>
+                    </a:lnL>
+                    <a:lnR w="9525" cap="flat" cmpd="sng" algn="ctr">
+                      <a:solidFill>
+                        <a:srgbClr val="CCCCCC"/>
+                      </a:solidFill>
+                      <a:prstDash val="solid"/>
+                      <a:round/>
+                      <a:headEnd type="none" w="med" len="med"/>
+                      <a:tailEnd type="none" w="med" len="med"/>
+                    </a:lnR>
+                    <a:lnT w="9525" cap="flat" cmpd="sng" algn="ctr">
+                      <a:solidFill>
+                        <a:srgbClr val="CCCCCC"/>
+                      </a:solidFill>
+                      <a:prstDash val="solid"/>
+                      <a:round/>
+                      <a:headEnd type="none" w="med" len="med"/>
+                      <a:tailEnd type="none" w="med" len="med"/>
+                    </a:lnT>
+                    <a:lnB w="9525" cap="flat" cmpd="sng" algn="ctr">
+                      <a:solidFill>
+                        <a:srgbClr val="CCCCCC"/>
+                      </a:solidFill>
+                      <a:prstDash val="solid"/>
+                      <a:round/>
+                      <a:headEnd type="none" w="med" len="med"/>
+                      <a:tailEnd type="none" w="med" len="med"/>
+                    </a:lnB>
+                    <a:solidFill>
+                      <a:srgbClr val="E8E8FF"/>
+                    </a:solidFill>
+                  </a:tcPr>
+                </a:tc>
+                <a:tc>
+                  <a:txBody>
+                    <a:bodyPr/>
+                    <a:lstStyle/>
+                    <a:p>
+                      <a:r>
+                        <a:rPr lang="en-US"/>
+                        <a:t>write-only</a:t>
+                      </a:r>
+                    </a:p>
+                  </a:txBody>
+                  <a:tcPr marL="0" marR="0" marT="0" marB="0" anchor="ctr">
+                    <a:lnL w="9525" cap="flat" cmpd="sng" algn="ctr">
+                      <a:solidFill>
+                        <a:srgbClr val="CCCCCC"/>
+                      </a:solidFill>
+                      <a:prstDash val="solid"/>
+                      <a:round/>
+                      <a:headEnd type="none" w="med" len="med"/>
+                      <a:tailEnd type="none" w="med" len="med"/>
+                    </a:lnL>
+                    <a:lnR w="9525" cap="flat" cmpd="sng" algn="ctr">
+                      <a:solidFill>
+                        <a:srgbClr val="CCCCCC"/>
+                      </a:solidFill>
+                      <a:prstDash val="solid"/>
+                      <a:round/>
+                      <a:headEnd type="none" w="med" len="med"/>
+                      <a:tailEnd type="none" w="med" len="med"/>
+                    </a:lnR>
+                    <a:lnT w="9525" cap="flat" cmpd="sng" algn="ctr">
+                      <a:solidFill>
+                        <a:srgbClr val="CCCCCC"/>
+                      </a:solidFill>
+                      <a:prstDash val="solid"/>
+                      <a:round/>
+                      <a:headEnd type="none" w="med" len="med"/>
+                      <a:tailEnd type="none" w="med" len="med"/>
+                    </a:lnT>
+                    <a:lnB w="9525" cap="flat" cmpd="sng" algn="ctr">
+                      <a:solidFill>
+                        <a:srgbClr val="CCCCCC"/>
+                      </a:solidFill>
+                      <a:prstDash val="solid"/>
+                      <a:round/>
+                      <a:headEnd type="none" w="med" len="med"/>
+                      <a:tailEnd type="none" w="med" len="med"/>
+                    </a:lnB>
+                    <a:solidFill>
+                      <a:srgbClr val="E8E8FF"/>
+                    </a:solidFill>
+                  </a:tcPr>
+                </a:tc>
+                <a:tc>
+                  <a:txBody>
+                    <a:bodyPr/>
+                    <a:lstStyle/>
+                    <a:p>
+                      <a:r>
+                        <a:rPr lang="en-US"/>
+                        <a:t>Start of the file content</a:t>
+                      </a:r>
+                    </a:p>
+                  </a:txBody>
+                  <a:tcPr marL="0" marR="0" marT="0" marB="0" anchor="ctr">
+                    <a:lnL w="9525" cap="flat" cmpd="sng" algn="ctr">
+                      <a:solidFill>
+                        <a:srgbClr val="CCCCCC"/>
+                      </a:solidFill>
+                      <a:prstDash val="solid"/>
+                      <a:round/>
+                      <a:headEnd type="none" w="med" len="med"/>
+                      <a:tailEnd type="none" w="med" len="med"/>
+                    </a:lnL>
+                    <a:lnR w="9525" cap="flat" cmpd="sng" algn="ctr">
+                      <a:solidFill>
+                        <a:srgbClr val="CCCCCC"/>
+                      </a:solidFill>
+                      <a:prstDash val="solid"/>
+                      <a:round/>
+                      <a:headEnd type="none" w="med" len="med"/>
+                      <a:tailEnd type="none" w="med" len="med"/>
+                    </a:lnR>
+                    <a:lnT w="9525" cap="flat" cmpd="sng" algn="ctr">
+                      <a:solidFill>
+                        <a:srgbClr val="CCCCCC"/>
+                      </a:solidFill>
+                      <a:prstDash val="solid"/>
+                      <a:round/>
+                      <a:headEnd type="none" w="med" len="med"/>
+                      <a:tailEnd type="none" w="med" len="med"/>
+                    </a:lnT>
+                    <a:lnB w="9525" cap="flat" cmpd="sng" algn="ctr">
+                      <a:solidFill>
+                        <a:srgbClr val="CCCCCC"/>
+                      </a:solidFill>
+                      <a:prstDash val="solid"/>
+                      <a:round/>
+                      <a:headEnd type="none" w="med" len="med"/>
+                      <a:tailEnd type="none" w="med" len="med"/>
+                    </a:lnB>
+                    <a:solidFill>
+                      <a:srgbClr val="E8E8FF"/>
+                    </a:solidFill>
+                  </a:tcPr>
+                </a:tc>
+              </a:tr>
+              <a:tr h="0">
+                <a:tc>
+                  <a:txBody>
+                    <a:bodyPr/>
+                    <a:lstStyle/>
+                    <a:p>
+                      <a:pPr algn="ctr"/>
+                      <a:r>
+                        <a:rPr lang="en-US" dirty="0">
+                          <a:effectLst/>
+                        </a:rPr>
+                        <a:t>a+</a:t>
+                      </a:r>
+                    </a:p>
+                  </a:txBody>
+                  <a:tcPr marL="47625" marR="47625" marT="47625" marB="47625" anchor="ctr">
+                    <a:lnL w="9525" cap="flat" cmpd="sng" algn="ctr">
+                      <a:solidFill>
+                        <a:srgbClr val="CCCCCC"/>
+                      </a:solidFill>
+                      <a:prstDash val="solid"/>
+                      <a:round/>
+                      <a:headEnd type="none" w="med" len="med"/>
+                      <a:tailEnd type="none" w="med" len="med"/>
+                    </a:lnL>
+                    <a:lnR w="9525" cap="flat" cmpd="sng" algn="ctr">
+                      <a:solidFill>
+                        <a:srgbClr val="CCCCCC"/>
+                      </a:solidFill>
+                      <a:prstDash val="solid"/>
+                      <a:round/>
+                      <a:headEnd type="none" w="med" len="med"/>
+                      <a:tailEnd type="none" w="med" len="med"/>
+                    </a:lnR>
+                    <a:lnT w="9525" cap="flat" cmpd="sng" algn="ctr">
+                      <a:solidFill>
+                        <a:srgbClr val="CCCCCC"/>
+                      </a:solidFill>
+                      <a:prstDash val="solid"/>
+                      <a:round/>
+                      <a:headEnd type="none" w="med" len="med"/>
+                      <a:tailEnd type="none" w="med" len="med"/>
+                    </a:lnT>
+                    <a:lnB w="9525" cap="flat" cmpd="sng" algn="ctr">
+                      <a:solidFill>
+                        <a:srgbClr val="CCCCCC"/>
+                      </a:solidFill>
+                      <a:prstDash val="solid"/>
+                      <a:round/>
+                      <a:headEnd type="none" w="med" len="med"/>
+                      <a:tailEnd type="none" w="med" len="med"/>
+                    </a:lnB>
+                    <a:solidFill>
+                      <a:srgbClr val="E8E8FF"/>
+                    </a:solidFill>
+                  </a:tcPr>
+                </a:tc>
+                <a:tc>
+                  <a:txBody>
+                    <a:bodyPr/>
+                    <a:lstStyle/>
+                    <a:p>
+                      <a:r>
+                        <a:rPr lang="en-US"/>
+                        <a:t>read-write</a:t>
+                      </a:r>
+                    </a:p>
+                  </a:txBody>
+                  <a:tcPr marL="0" marR="0" marT="0" marB="0" anchor="ctr">
+                    <a:lnL w="9525" cap="flat" cmpd="sng" algn="ctr">
+                      <a:solidFill>
+                        <a:srgbClr val="CCCCCC"/>
+                      </a:solidFill>
+                      <a:prstDash val="solid"/>
+                      <a:round/>
+                      <a:headEnd type="none" w="med" len="med"/>
+                      <a:tailEnd type="none" w="med" len="med"/>
+                    </a:lnL>
+                    <a:lnR w="9525" cap="flat" cmpd="sng" algn="ctr">
+                      <a:solidFill>
+                        <a:srgbClr val="CCCCCC"/>
+                      </a:solidFill>
+                      <a:prstDash val="solid"/>
+                      <a:round/>
+                      <a:headEnd type="none" w="med" len="med"/>
+                      <a:tailEnd type="none" w="med" len="med"/>
+                    </a:lnR>
+                    <a:lnT w="9525" cap="flat" cmpd="sng" algn="ctr">
+                      <a:solidFill>
+                        <a:srgbClr val="CCCCCC"/>
+                      </a:solidFill>
+                      <a:prstDash val="solid"/>
+                      <a:round/>
+                      <a:headEnd type="none" w="med" len="med"/>
+                      <a:tailEnd type="none" w="med" len="med"/>
+                    </a:lnT>
+                    <a:lnB w="9525" cap="flat" cmpd="sng" algn="ctr">
+                      <a:solidFill>
+                        <a:srgbClr val="CCCCCC"/>
+                      </a:solidFill>
+                      <a:prstDash val="solid"/>
+                      <a:round/>
+                      <a:headEnd type="none" w="med" len="med"/>
+                      <a:tailEnd type="none" w="med" len="med"/>
+                    </a:lnB>
+                    <a:solidFill>
+                      <a:srgbClr val="E8E8FF"/>
+                    </a:solidFill>
+                  </a:tcPr>
+                </a:tc>
+                <a:tc>
+                  <a:txBody>
+                    <a:bodyPr/>
+                    <a:lstStyle/>
+                    <a:p>
+                      <a:r>
+                        <a:rPr lang="en-US" dirty="0"/>
+                        <a:t>Start of the file content</a:t>
+                      </a:r>
+                    </a:p>
+                  </a:txBody>
+                  <a:tcPr marL="0" marR="0" marT="0" marB="0" anchor="ctr">
+                    <a:lnL w="9525" cap="flat" cmpd="sng" algn="ctr">
+                      <a:solidFill>
+                        <a:srgbClr val="CCCCCC"/>
+                      </a:solidFill>
+                      <a:prstDash val="solid"/>
+                      <a:round/>
+                      <a:headEnd type="none" w="med" len="med"/>
+                      <a:tailEnd type="none" w="med" len="med"/>
+                    </a:lnL>
+                    <a:lnR w="9525" cap="flat" cmpd="sng" algn="ctr">
+                      <a:solidFill>
+                        <a:srgbClr val="CCCCCC"/>
+                      </a:solidFill>
+                      <a:prstDash val="solid"/>
+                      <a:round/>
+                      <a:headEnd type="none" w="med" len="med"/>
+                      <a:tailEnd type="none" w="med" len="med"/>
+                    </a:lnR>
+                    <a:lnT w="9525" cap="flat" cmpd="sng" algn="ctr">
+                      <a:solidFill>
+                        <a:srgbClr val="CCCCCC"/>
+                      </a:solidFill>
+                      <a:prstDash val="solid"/>
+                      <a:round/>
+                      <a:headEnd type="none" w="med" len="med"/>
+                      <a:tailEnd type="none" w="med" len="med"/>
+                    </a:lnT>
+                    <a:lnB w="9525" cap="flat" cmpd="sng" algn="ctr">
+                      <a:solidFill>
+                        <a:srgbClr val="CCCCCC"/>
+                      </a:solidFill>
+                      <a:prstDash val="solid"/>
+                      <a:round/>
+                      <a:headEnd type="none" w="med" len="med"/>
+                      <a:tailEnd type="none" w="med" len="med"/>
+                    </a:lnB>
+                    <a:solidFill>
+                      <a:srgbClr val="E8E8FF"/>
+                    </a:solidFill>
+                  </a:tcPr>
+                </a:tc>
+              </a:tr>
+            </a:tbl>
+          </a:graphicData>
+        </a:graphic>
+      </p:graphicFrame>
+      <p:sp>
+        <p:nvSpPr>
+          <p:cNvPr id="6" name="Rectangle 5"/>
+          <p:cNvSpPr/>
+          <p:nvPr/>
+        </p:nvSpPr>
+        <p:spPr>
+          <a:xfrm>
+            <a:off x="2286000" y="4643735"/>
+            <a:ext cx="4667753" cy="461665"/>
+          </a:xfrm>
+          <a:prstGeom prst="rect">
+            <a:avLst/>
+          </a:prstGeom>
+        </p:spPr>
+        <p:txBody>
+          <a:bodyPr wrap="none">
+            <a:spAutoFit/>
+          </a:bodyPr>
+          <a:lstStyle/>
+          <a:p>
+            <a:r>
+              <a:rPr lang="en-US" sz="2400" dirty="0"/>
+              <a:t>$</a:t>
+            </a:r>
+            <a:r>
+              <a:rPr lang="en-US" sz="2400" dirty="0" err="1"/>
+              <a:t>filePointer</a:t>
+            </a:r>
+            <a:r>
+              <a:rPr lang="en-US" sz="2400" dirty="0"/>
+              <a:t> = </a:t>
+            </a:r>
+            <a:r>
+              <a:rPr lang="en-US" sz="2400" dirty="0" err="1"/>
+              <a:t>fopen</a:t>
+            </a:r>
+            <a:r>
+              <a:rPr lang="en-US" sz="2400" dirty="0"/>
+              <a:t>("</a:t>
+            </a:r>
+            <a:r>
+              <a:rPr lang="en-US" sz="2400" dirty="0" err="1"/>
+              <a:t>hello.txt","a</a:t>
+            </a:r>
+            <a:r>
+              <a:rPr lang="en-US" sz="2400" dirty="0"/>
+              <a:t>");</a:t>
+            </a:r>
+            <a:endParaRPr lang="en-US" dirty="0"/>
+          </a:p>
+        </p:txBody>
+      </p:sp>
+      <p:sp>
+        <p:nvSpPr>
+          <p:cNvPr id="7" name="Rectangle 6"/>
+          <p:cNvSpPr/>
+          <p:nvPr/>
+        </p:nvSpPr>
+        <p:spPr>
+          <a:xfrm>
+            <a:off x="2286000" y="3620869"/>
+            <a:ext cx="4572000" cy="646331"/>
+          </a:xfrm>
+          <a:prstGeom prst="rect">
+            <a:avLst/>
+          </a:prstGeom>
+        </p:spPr>
+        <p:txBody>
+          <a:bodyPr>
+            <a:spAutoFit/>
+          </a:bodyPr>
+          <a:lstStyle/>
+          <a:p>
+            <a:r>
+              <a:rPr lang="en-US" dirty="0"/>
+              <a:t>The code will be similar to that of file-write except the mode specified to open the file</a:t>
+            </a:r>
+          </a:p>
+        </p:txBody>
+      </p:sp>
+    </p:spTree>
+    <p:extLst>
+      <p:ext uri="{BB962C8B-B14F-4D97-AF65-F5344CB8AC3E}">
+        <p14:creationId xmlns:p14="http://schemas.microsoft.com/office/powerpoint/2010/main" val="1229831974"/>
+      </p:ext>
+    </p:extLst>
+  </p:cSld>
+  <p:clrMapOvr>
+    <a:masterClrMapping/>
+  </p:clrMapOvr>
+</p:sld>
+</file>
+
+<file path=ppt/slides/slide128.xml><?xml version="1.0" encoding="utf-8"?>
+<p:sld xmlns:a="http://schemas.openxmlformats.org/drawingml/2006/main" xmlns:r="http://schemas.openxmlformats.org/officeDocument/2006/relationships" xmlns:p="http://schemas.openxmlformats.org/presentationml/2006/main">
+  <p:cSld>
+    <p:spTree>
+      <p:nvGrpSpPr>
+        <p:cNvPr id="1" name=""/>
+        <p:cNvGrpSpPr/>
+        <p:nvPr/>
+      </p:nvGrpSpPr>
+      <p:grpSpPr>
+        <a:xfrm>
+          <a:off x="0" y="0"/>
+          <a:ext cx="0" cy="0"/>
+          <a:chOff x="0" y="0"/>
+          <a:chExt cx="0" cy="0"/>
+        </a:xfrm>
+      </p:grpSpPr>
+      <p:sp>
+        <p:nvSpPr>
+          <p:cNvPr id="2" name="Rectangle 1"/>
+          <p:cNvSpPr/>
+          <p:nvPr/>
+        </p:nvSpPr>
+        <p:spPr>
+          <a:xfrm>
+            <a:off x="228600" y="152400"/>
+            <a:ext cx="1788631" cy="369332"/>
+          </a:xfrm>
+          <a:prstGeom prst="rect">
+            <a:avLst/>
+          </a:prstGeom>
+        </p:spPr>
+        <p:txBody>
+          <a:bodyPr wrap="none">
+            <a:spAutoFit/>
+          </a:bodyPr>
+          <a:lstStyle/>
+          <a:p>
+            <a:r>
+              <a:rPr lang="en-US" b="1" dirty="0" smtClean="0"/>
+              <a:t>Create </a:t>
+            </a:r>
+            <a:r>
+              <a:rPr lang="en-US" b="1" dirty="0"/>
+              <a:t>a new file</a:t>
+            </a:r>
+          </a:p>
+        </p:txBody>
+      </p:sp>
+      <p:graphicFrame>
+        <p:nvGraphicFramePr>
+          <p:cNvPr id="3" name="Table 2"/>
+          <p:cNvGraphicFramePr>
+            <a:graphicFrameLocks noGrp="1"/>
+          </p:cNvGraphicFramePr>
+          <p:nvPr>
+            <p:extLst>
+              <p:ext uri="{D42A27DB-BD31-4B8C-83A1-F6EECF244321}">
+                <p14:modId xmlns:p14="http://schemas.microsoft.com/office/powerpoint/2010/main" val="2454508951"/>
+              </p:ext>
+            </p:extLst>
+          </p:nvPr>
+        </p:nvGraphicFramePr>
+        <p:xfrm>
+          <a:off x="256309" y="609600"/>
+          <a:ext cx="8229600" cy="1108710"/>
+        </p:xfrm>
+        <a:graphic>
+          <a:graphicData uri="http://schemas.openxmlformats.org/drawingml/2006/table">
+            <a:tbl>
+              <a:tblPr/>
+              <a:tblGrid>
+                <a:gridCol w="2105891"/>
+                <a:gridCol w="2286000"/>
+                <a:gridCol w="3837709"/>
+              </a:tblGrid>
+              <a:tr h="0">
+                <a:tc>
+                  <a:txBody>
+                    <a:bodyPr/>
+                    <a:lstStyle/>
+                    <a:p>
+                      <a:r>
+                        <a:rPr lang="en-US" b="1" dirty="0">
+                          <a:solidFill>
+                            <a:srgbClr val="474747"/>
+                          </a:solidFill>
+                          <a:effectLst/>
+                        </a:rPr>
+                        <a:t>Mode of Operation</a:t>
+                      </a:r>
+                      <a:endParaRPr lang="en-US" dirty="0">
+                        <a:effectLst/>
+                      </a:endParaRPr>
+                    </a:p>
+                  </a:txBody>
+                  <a:tcPr marL="47625" marR="47625" marT="47625" marB="47625" anchor="ctr">
+                    <a:lnL w="9525" cap="flat" cmpd="sng" algn="ctr">
+                      <a:solidFill>
+                        <a:srgbClr val="CCCCCC"/>
+                      </a:solidFill>
+                      <a:prstDash val="solid"/>
+                      <a:round/>
+                      <a:headEnd type="none" w="med" len="med"/>
+                      <a:tailEnd type="none" w="med" len="med"/>
+                    </a:lnL>
+                    <a:lnR w="9525" cap="flat" cmpd="sng" algn="ctr">
+                      <a:solidFill>
+                        <a:srgbClr val="CCCCCC"/>
+                      </a:solidFill>
+                      <a:prstDash val="solid"/>
+                      <a:round/>
+                      <a:headEnd type="none" w="med" len="med"/>
+                      <a:tailEnd type="none" w="med" len="med"/>
+                    </a:lnR>
+                    <a:lnT w="9525" cap="flat" cmpd="sng" algn="ctr">
+                      <a:solidFill>
+                        <a:srgbClr val="CCCCCC"/>
+                      </a:solidFill>
+                      <a:prstDash val="solid"/>
+                      <a:round/>
+                      <a:headEnd type="none" w="med" len="med"/>
+                      <a:tailEnd type="none" w="med" len="med"/>
+                    </a:lnT>
+                    <a:lnB w="9525" cap="flat" cmpd="sng" algn="ctr">
+                      <a:solidFill>
+                        <a:srgbClr val="CCCCCC"/>
+                      </a:solidFill>
+                      <a:prstDash val="solid"/>
+                      <a:round/>
+                      <a:headEnd type="none" w="med" len="med"/>
+                      <a:tailEnd type="none" w="med" len="med"/>
+                    </a:lnB>
+                    <a:solidFill>
+                      <a:srgbClr val="D4D4FF"/>
+                    </a:solidFill>
+                  </a:tcPr>
+                </a:tc>
+                <a:tc>
+                  <a:txBody>
+                    <a:bodyPr/>
+                    <a:lstStyle/>
+                    <a:p>
+                      <a:r>
+                        <a:rPr lang="en-US" b="1">
+                          <a:solidFill>
+                            <a:srgbClr val="474747"/>
+                          </a:solidFill>
+                          <a:effectLst/>
+                        </a:rPr>
+                        <a:t>File Mode</a:t>
+                      </a:r>
+                      <a:endParaRPr lang="en-US"/>
+                    </a:p>
+                  </a:txBody>
+                  <a:tcPr marL="0" marR="0" marT="0" marB="0" anchor="ctr">
+                    <a:lnL w="9525" cap="flat" cmpd="sng" algn="ctr">
+                      <a:solidFill>
+                        <a:srgbClr val="CCCCCC"/>
+                      </a:solidFill>
+                      <a:prstDash val="solid"/>
+                      <a:round/>
+                      <a:headEnd type="none" w="med" len="med"/>
+                      <a:tailEnd type="none" w="med" len="med"/>
+                    </a:lnL>
+                    <a:lnR w="9525" cap="flat" cmpd="sng" algn="ctr">
+                      <a:solidFill>
+                        <a:srgbClr val="CCCCCC"/>
+                      </a:solidFill>
+                      <a:prstDash val="solid"/>
+                      <a:round/>
+                      <a:headEnd type="none" w="med" len="med"/>
+                      <a:tailEnd type="none" w="med" len="med"/>
+                    </a:lnR>
+                    <a:lnT w="9525" cap="flat" cmpd="sng" algn="ctr">
+                      <a:solidFill>
+                        <a:srgbClr val="CCCCCC"/>
+                      </a:solidFill>
+                      <a:prstDash val="solid"/>
+                      <a:round/>
+                      <a:headEnd type="none" w="med" len="med"/>
+                      <a:tailEnd type="none" w="med" len="med"/>
+                    </a:lnT>
+                    <a:lnB w="9525" cap="flat" cmpd="sng" algn="ctr">
+                      <a:solidFill>
+                        <a:srgbClr val="CCCCCC"/>
+                      </a:solidFill>
+                      <a:prstDash val="solid"/>
+                      <a:round/>
+                      <a:headEnd type="none" w="med" len="med"/>
+                      <a:tailEnd type="none" w="med" len="med"/>
+                    </a:lnB>
+                    <a:solidFill>
+                      <a:srgbClr val="D4D4FF"/>
+                    </a:solidFill>
+                  </a:tcPr>
+                </a:tc>
+                <a:tc>
+                  <a:txBody>
+                    <a:bodyPr/>
+                    <a:lstStyle/>
+                    <a:p>
+                      <a:r>
+                        <a:rPr lang="en-US" b="1">
+                          <a:solidFill>
+                            <a:srgbClr val="474747"/>
+                          </a:solidFill>
+                          <a:effectLst/>
+                        </a:rPr>
+                        <a:t>File Pointer Position</a:t>
+                      </a:r>
+                      <a:endParaRPr lang="en-US"/>
+                    </a:p>
+                  </a:txBody>
+                  <a:tcPr marL="0" marR="0" marT="0" marB="0" anchor="ctr">
+                    <a:lnL w="9525" cap="flat" cmpd="sng" algn="ctr">
+                      <a:solidFill>
+                        <a:srgbClr val="CCCCCC"/>
+                      </a:solidFill>
+                      <a:prstDash val="solid"/>
+                      <a:round/>
+                      <a:headEnd type="none" w="med" len="med"/>
+                      <a:tailEnd type="none" w="med" len="med"/>
+                    </a:lnL>
+                    <a:lnR w="9525" cap="flat" cmpd="sng" algn="ctr">
+                      <a:solidFill>
+                        <a:srgbClr val="CCCCCC"/>
+                      </a:solidFill>
+                      <a:prstDash val="solid"/>
+                      <a:round/>
+                      <a:headEnd type="none" w="med" len="med"/>
+                      <a:tailEnd type="none" w="med" len="med"/>
+                    </a:lnR>
+                    <a:lnT w="9525" cap="flat" cmpd="sng" algn="ctr">
+                      <a:solidFill>
+                        <a:srgbClr val="CCCCCC"/>
+                      </a:solidFill>
+                      <a:prstDash val="solid"/>
+                      <a:round/>
+                      <a:headEnd type="none" w="med" len="med"/>
+                      <a:tailEnd type="none" w="med" len="med"/>
+                    </a:lnT>
+                    <a:lnB w="9525" cap="flat" cmpd="sng" algn="ctr">
+                      <a:solidFill>
+                        <a:srgbClr val="CCCCCC"/>
+                      </a:solidFill>
+                      <a:prstDash val="solid"/>
+                      <a:round/>
+                      <a:headEnd type="none" w="med" len="med"/>
+                      <a:tailEnd type="none" w="med" len="med"/>
+                    </a:lnB>
+                    <a:solidFill>
+                      <a:srgbClr val="D4D4FF"/>
+                    </a:solidFill>
+                  </a:tcPr>
+                </a:tc>
+              </a:tr>
+              <a:tr h="0">
+                <a:tc>
+                  <a:txBody>
+                    <a:bodyPr/>
+                    <a:lstStyle/>
+                    <a:p>
+                      <a:pPr algn="ctr"/>
+                      <a:r>
+                        <a:rPr lang="en-US">
+                          <a:effectLst/>
+                        </a:rPr>
+                        <a:t>x</a:t>
+                      </a:r>
+                    </a:p>
+                  </a:txBody>
+                  <a:tcPr marL="47625" marR="47625" marT="47625" marB="47625" anchor="ctr">
+                    <a:lnL w="9525" cap="flat" cmpd="sng" algn="ctr">
+                      <a:solidFill>
+                        <a:srgbClr val="CCCCCC"/>
+                      </a:solidFill>
+                      <a:prstDash val="solid"/>
+                      <a:round/>
+                      <a:headEnd type="none" w="med" len="med"/>
+                      <a:tailEnd type="none" w="med" len="med"/>
+                    </a:lnL>
+                    <a:lnR w="9525" cap="flat" cmpd="sng" algn="ctr">
+                      <a:solidFill>
+                        <a:srgbClr val="CCCCCC"/>
+                      </a:solidFill>
+                      <a:prstDash val="solid"/>
+                      <a:round/>
+                      <a:headEnd type="none" w="med" len="med"/>
+                      <a:tailEnd type="none" w="med" len="med"/>
+                    </a:lnR>
+                    <a:lnT w="9525" cap="flat" cmpd="sng" algn="ctr">
+                      <a:solidFill>
+                        <a:srgbClr val="CCCCCC"/>
+                      </a:solidFill>
+                      <a:prstDash val="solid"/>
+                      <a:round/>
+                      <a:headEnd type="none" w="med" len="med"/>
+                      <a:tailEnd type="none" w="med" len="med"/>
+                    </a:lnT>
+                    <a:lnB w="9525" cap="flat" cmpd="sng" algn="ctr">
+                      <a:solidFill>
+                        <a:srgbClr val="CCCCCC"/>
+                      </a:solidFill>
+                      <a:prstDash val="solid"/>
+                      <a:round/>
+                      <a:headEnd type="none" w="med" len="med"/>
+                      <a:tailEnd type="none" w="med" len="med"/>
+                    </a:lnB>
+                    <a:solidFill>
+                      <a:srgbClr val="E8E8FF"/>
+                    </a:solidFill>
+                  </a:tcPr>
+                </a:tc>
+                <a:tc>
+                  <a:txBody>
+                    <a:bodyPr/>
+                    <a:lstStyle/>
+                    <a:p>
+                      <a:r>
+                        <a:rPr lang="en-US"/>
+                        <a:t>write-only.</a:t>
+                      </a:r>
+                    </a:p>
+                  </a:txBody>
+                  <a:tcPr marL="0" marR="0" marT="0" marB="0" anchor="ctr">
+                    <a:lnL w="9525" cap="flat" cmpd="sng" algn="ctr">
+                      <a:solidFill>
+                        <a:srgbClr val="CCCCCC"/>
+                      </a:solidFill>
+                      <a:prstDash val="solid"/>
+                      <a:round/>
+                      <a:headEnd type="none" w="med" len="med"/>
+                      <a:tailEnd type="none" w="med" len="med"/>
+                    </a:lnL>
+                    <a:lnR w="9525" cap="flat" cmpd="sng" algn="ctr">
+                      <a:solidFill>
+                        <a:srgbClr val="CCCCCC"/>
+                      </a:solidFill>
+                      <a:prstDash val="solid"/>
+                      <a:round/>
+                      <a:headEnd type="none" w="med" len="med"/>
+                      <a:tailEnd type="none" w="med" len="med"/>
+                    </a:lnR>
+                    <a:lnT w="9525" cap="flat" cmpd="sng" algn="ctr">
+                      <a:solidFill>
+                        <a:srgbClr val="CCCCCC"/>
+                      </a:solidFill>
+                      <a:prstDash val="solid"/>
+                      <a:round/>
+                      <a:headEnd type="none" w="med" len="med"/>
+                      <a:tailEnd type="none" w="med" len="med"/>
+                    </a:lnT>
+                    <a:lnB w="9525" cap="flat" cmpd="sng" algn="ctr">
+                      <a:solidFill>
+                        <a:srgbClr val="CCCCCC"/>
+                      </a:solidFill>
+                      <a:prstDash val="solid"/>
+                      <a:round/>
+                      <a:headEnd type="none" w="med" len="med"/>
+                      <a:tailEnd type="none" w="med" len="med"/>
+                    </a:lnB>
+                    <a:solidFill>
+                      <a:srgbClr val="E8E8FF"/>
+                    </a:solidFill>
+                  </a:tcPr>
+                </a:tc>
+                <a:tc>
+                  <a:txBody>
+                    <a:bodyPr/>
+                    <a:lstStyle/>
+                    <a:p>
+                      <a:r>
+                        <a:rPr lang="en-US"/>
+                        <a:t>–</a:t>
+                      </a:r>
+                    </a:p>
+                  </a:txBody>
+                  <a:tcPr marL="0" marR="0" marT="0" marB="0" anchor="ctr">
+                    <a:lnL w="9525" cap="flat" cmpd="sng" algn="ctr">
+                      <a:solidFill>
+                        <a:srgbClr val="CCCCCC"/>
+                      </a:solidFill>
+                      <a:prstDash val="solid"/>
+                      <a:round/>
+                      <a:headEnd type="none" w="med" len="med"/>
+                      <a:tailEnd type="none" w="med" len="med"/>
+                    </a:lnL>
+                    <a:lnR w="9525" cap="flat" cmpd="sng" algn="ctr">
+                      <a:solidFill>
+                        <a:srgbClr val="CCCCCC"/>
+                      </a:solidFill>
+                      <a:prstDash val="solid"/>
+                      <a:round/>
+                      <a:headEnd type="none" w="med" len="med"/>
+                      <a:tailEnd type="none" w="med" len="med"/>
+                    </a:lnR>
+                    <a:lnT w="9525" cap="flat" cmpd="sng" algn="ctr">
+                      <a:solidFill>
+                        <a:srgbClr val="CCCCCC"/>
+                      </a:solidFill>
+                      <a:prstDash val="solid"/>
+                      <a:round/>
+                      <a:headEnd type="none" w="med" len="med"/>
+                      <a:tailEnd type="none" w="med" len="med"/>
+                    </a:lnT>
+                    <a:lnB w="9525" cap="flat" cmpd="sng" algn="ctr">
+                      <a:solidFill>
+                        <a:srgbClr val="CCCCCC"/>
+                      </a:solidFill>
+                      <a:prstDash val="solid"/>
+                      <a:round/>
+                      <a:headEnd type="none" w="med" len="med"/>
+                      <a:tailEnd type="none" w="med" len="med"/>
+                    </a:lnB>
+                    <a:solidFill>
+                      <a:srgbClr val="E8E8FF"/>
+                    </a:solidFill>
+                  </a:tcPr>
+                </a:tc>
+              </a:tr>
+              <a:tr h="0">
+                <a:tc>
+                  <a:txBody>
+                    <a:bodyPr/>
+                    <a:lstStyle/>
+                    <a:p>
+                      <a:pPr algn="ctr"/>
+                      <a:r>
+                        <a:rPr lang="en-US" dirty="0">
+                          <a:effectLst/>
+                        </a:rPr>
+                        <a:t>x+</a:t>
+                      </a:r>
+                    </a:p>
+                  </a:txBody>
+                  <a:tcPr marL="47625" marR="47625" marT="47625" marB="47625" anchor="ctr">
+                    <a:lnL w="9525" cap="flat" cmpd="sng" algn="ctr">
+                      <a:solidFill>
+                        <a:srgbClr val="CCCCCC"/>
+                      </a:solidFill>
+                      <a:prstDash val="solid"/>
+                      <a:round/>
+                      <a:headEnd type="none" w="med" len="med"/>
+                      <a:tailEnd type="none" w="med" len="med"/>
+                    </a:lnL>
+                    <a:lnR w="9525" cap="flat" cmpd="sng" algn="ctr">
+                      <a:solidFill>
+                        <a:srgbClr val="CCCCCC"/>
+                      </a:solidFill>
+                      <a:prstDash val="solid"/>
+                      <a:round/>
+                      <a:headEnd type="none" w="med" len="med"/>
+                      <a:tailEnd type="none" w="med" len="med"/>
+                    </a:lnR>
+                    <a:lnT w="9525" cap="flat" cmpd="sng" algn="ctr">
+                      <a:solidFill>
+                        <a:srgbClr val="CCCCCC"/>
+                      </a:solidFill>
+                      <a:prstDash val="solid"/>
+                      <a:round/>
+                      <a:headEnd type="none" w="med" len="med"/>
+                      <a:tailEnd type="none" w="med" len="med"/>
+                    </a:lnT>
+                    <a:lnB w="9525" cap="flat" cmpd="sng" algn="ctr">
+                      <a:solidFill>
+                        <a:srgbClr val="CCCCCC"/>
+                      </a:solidFill>
+                      <a:prstDash val="solid"/>
+                      <a:round/>
+                      <a:headEnd type="none" w="med" len="med"/>
+                      <a:tailEnd type="none" w="med" len="med"/>
+                    </a:lnB>
+                    <a:solidFill>
+                      <a:srgbClr val="E8E8FF"/>
+                    </a:solidFill>
+                  </a:tcPr>
+                </a:tc>
+                <a:tc>
+                  <a:txBody>
+                    <a:bodyPr/>
+                    <a:lstStyle/>
+                    <a:p>
+                      <a:r>
+                        <a:rPr lang="en-US"/>
+                        <a:t>read-write.</a:t>
+                      </a:r>
+                    </a:p>
+                  </a:txBody>
+                  <a:tcPr marL="0" marR="0" marT="0" marB="0" anchor="ctr">
+                    <a:lnL w="9525" cap="flat" cmpd="sng" algn="ctr">
+                      <a:solidFill>
+                        <a:srgbClr val="CCCCCC"/>
+                      </a:solidFill>
+                      <a:prstDash val="solid"/>
+                      <a:round/>
+                      <a:headEnd type="none" w="med" len="med"/>
+                      <a:tailEnd type="none" w="med" len="med"/>
+                    </a:lnL>
+                    <a:lnR w="9525" cap="flat" cmpd="sng" algn="ctr">
+                      <a:solidFill>
+                        <a:srgbClr val="CCCCCC"/>
+                      </a:solidFill>
+                      <a:prstDash val="solid"/>
+                      <a:round/>
+                      <a:headEnd type="none" w="med" len="med"/>
+                      <a:tailEnd type="none" w="med" len="med"/>
+                    </a:lnR>
+                    <a:lnT w="9525" cap="flat" cmpd="sng" algn="ctr">
+                      <a:solidFill>
+                        <a:srgbClr val="CCCCCC"/>
+                      </a:solidFill>
+                      <a:prstDash val="solid"/>
+                      <a:round/>
+                      <a:headEnd type="none" w="med" len="med"/>
+                      <a:tailEnd type="none" w="med" len="med"/>
+                    </a:lnT>
+                    <a:lnB w="9525" cap="flat" cmpd="sng" algn="ctr">
+                      <a:solidFill>
+                        <a:srgbClr val="CCCCCC"/>
+                      </a:solidFill>
+                      <a:prstDash val="solid"/>
+                      <a:round/>
+                      <a:headEnd type="none" w="med" len="med"/>
+                      <a:tailEnd type="none" w="med" len="med"/>
+                    </a:lnB>
+                    <a:solidFill>
+                      <a:srgbClr val="E8E8FF"/>
+                    </a:solidFill>
+                  </a:tcPr>
+                </a:tc>
+                <a:tc>
+                  <a:txBody>
+                    <a:bodyPr/>
+                    <a:lstStyle/>
+                    <a:p>
+                      <a:r>
+                        <a:rPr lang="en-US" dirty="0"/>
+                        <a:t>–</a:t>
+                      </a:r>
+                    </a:p>
+                  </a:txBody>
+                  <a:tcPr marL="0" marR="0" marT="0" marB="0" anchor="ctr">
+                    <a:lnL w="9525" cap="flat" cmpd="sng" algn="ctr">
+                      <a:solidFill>
+                        <a:srgbClr val="CCCCCC"/>
+                      </a:solidFill>
+                      <a:prstDash val="solid"/>
+                      <a:round/>
+                      <a:headEnd type="none" w="med" len="med"/>
+                      <a:tailEnd type="none" w="med" len="med"/>
+                    </a:lnL>
+                    <a:lnR w="9525" cap="flat" cmpd="sng" algn="ctr">
+                      <a:solidFill>
+                        <a:srgbClr val="CCCCCC"/>
+                      </a:solidFill>
+                      <a:prstDash val="solid"/>
+                      <a:round/>
+                      <a:headEnd type="none" w="med" len="med"/>
+                      <a:tailEnd type="none" w="med" len="med"/>
+                    </a:lnR>
+                    <a:lnT w="9525" cap="flat" cmpd="sng" algn="ctr">
+                      <a:solidFill>
+                        <a:srgbClr val="CCCCCC"/>
+                      </a:solidFill>
+                      <a:prstDash val="solid"/>
+                      <a:round/>
+                      <a:headEnd type="none" w="med" len="med"/>
+                      <a:tailEnd type="none" w="med" len="med"/>
+                    </a:lnT>
+                    <a:lnB w="9525" cap="flat" cmpd="sng" algn="ctr">
+                      <a:solidFill>
+                        <a:srgbClr val="CCCCCC"/>
+                      </a:solidFill>
+                      <a:prstDash val="solid"/>
+                      <a:round/>
+                      <a:headEnd type="none" w="med" len="med"/>
+                      <a:tailEnd type="none" w="med" len="med"/>
+                    </a:lnB>
+                    <a:solidFill>
+                      <a:srgbClr val="E8E8FF"/>
+                    </a:solidFill>
+                  </a:tcPr>
+                </a:tc>
+              </a:tr>
+            </a:tbl>
+          </a:graphicData>
+        </a:graphic>
+      </p:graphicFrame>
+      <p:sp>
+        <p:nvSpPr>
+          <p:cNvPr id="4" name="Rectangle 3"/>
+          <p:cNvSpPr/>
+          <p:nvPr/>
+        </p:nvSpPr>
+        <p:spPr>
+          <a:xfrm>
+            <a:off x="1102133" y="4038600"/>
+            <a:ext cx="6629400" cy="830997"/>
+          </a:xfrm>
+          <a:prstGeom prst="rect">
+            <a:avLst/>
+          </a:prstGeom>
+        </p:spPr>
+        <p:txBody>
+          <a:bodyPr wrap="square">
+            <a:spAutoFit/>
+          </a:bodyPr>
+          <a:lstStyle/>
+          <a:p>
+            <a:r>
+              <a:rPr lang="en-US" sz="2400" dirty="0"/>
+              <a:t>$</a:t>
+            </a:r>
+            <a:r>
+              <a:rPr lang="en-US" sz="2400" dirty="0" err="1"/>
+              <a:t>filePointer</a:t>
+            </a:r>
+            <a:r>
+              <a:rPr lang="en-US" sz="2400" dirty="0"/>
+              <a:t> = </a:t>
+            </a:r>
+            <a:r>
+              <a:rPr lang="en-US" sz="2400" dirty="0" err="1"/>
+              <a:t>fopen</a:t>
+            </a:r>
+            <a:r>
+              <a:rPr lang="en-US" sz="2400" dirty="0"/>
+              <a:t>("</a:t>
+            </a:r>
+            <a:r>
+              <a:rPr lang="en-US" sz="2400" dirty="0" err="1"/>
+              <a:t>hello.txt","x</a:t>
+            </a:r>
+            <a:r>
+              <a:rPr lang="en-US" sz="2400" dirty="0"/>
+              <a:t>");</a:t>
+            </a:r>
+          </a:p>
+          <a:p>
+            <a:r>
+              <a:rPr lang="en-US" sz="2400" dirty="0" err="1"/>
+              <a:t>fwrite</a:t>
+            </a:r>
+            <a:r>
+              <a:rPr lang="en-US" sz="2400" dirty="0"/>
+              <a:t>( $</a:t>
+            </a:r>
+            <a:r>
+              <a:rPr lang="en-US" sz="2400" dirty="0" err="1"/>
+              <a:t>filePointer</a:t>
+            </a:r>
+            <a:r>
+              <a:rPr lang="en-US" sz="2400" dirty="0"/>
+              <a:t>, "PHP POT: FUNCTIONS\n" );</a:t>
+            </a:r>
+          </a:p>
+        </p:txBody>
+      </p:sp>
+      <p:sp>
+        <p:nvSpPr>
+          <p:cNvPr id="5" name="Rectangle 4"/>
+          <p:cNvSpPr/>
+          <p:nvPr/>
+        </p:nvSpPr>
+        <p:spPr>
+          <a:xfrm>
+            <a:off x="1122915" y="2971800"/>
+            <a:ext cx="6608618" cy="646331"/>
+          </a:xfrm>
+          <a:prstGeom prst="rect">
+            <a:avLst/>
+          </a:prstGeom>
+        </p:spPr>
+        <p:txBody>
+          <a:bodyPr wrap="square">
+            <a:spAutoFit/>
+          </a:bodyPr>
+          <a:lstStyle/>
+          <a:p>
+            <a:r>
+              <a:rPr lang="en-US" dirty="0"/>
+              <a:t>Caution: is already exists, then the execution will be stopped with the following error.</a:t>
+            </a:r>
+          </a:p>
+        </p:txBody>
+      </p:sp>
+    </p:spTree>
+    <p:extLst>
+      <p:ext uri="{BB962C8B-B14F-4D97-AF65-F5344CB8AC3E}">
+        <p14:creationId xmlns:p14="http://schemas.microsoft.com/office/powerpoint/2010/main" val="2465948228"/>
+      </p:ext>
+    </p:extLst>
+  </p:cSld>
+  <p:clrMapOvr>
+    <a:masterClrMapping/>
+  </p:clrMapOvr>
+</p:sld>
+</file>
+
+<file path=ppt/slides/slide129.xml><?xml version="1.0" encoding="utf-8"?>
+<p:sld xmlns:a="http://schemas.openxmlformats.org/drawingml/2006/main" xmlns:r="http://schemas.openxmlformats.org/officeDocument/2006/relationships" xmlns:p="http://schemas.openxmlformats.org/presentationml/2006/main">
+  <p:cSld>
+    <p:spTree>
+      <p:nvGrpSpPr>
+        <p:cNvPr id="1" name=""/>
+        <p:cNvGrpSpPr/>
+        <p:nvPr/>
+      </p:nvGrpSpPr>
+      <p:grpSpPr>
+        <a:xfrm>
+          <a:off x="0" y="0"/>
+          <a:ext cx="0" cy="0"/>
+          <a:chOff x="0" y="0"/>
+          <a:chExt cx="0" cy="0"/>
+        </a:xfrm>
+      </p:grpSpPr>
+      <p:sp>
+        <p:nvSpPr>
+          <p:cNvPr id="2" name="Rectangle 1"/>
+          <p:cNvSpPr/>
+          <p:nvPr/>
+        </p:nvSpPr>
+        <p:spPr>
+          <a:xfrm>
+            <a:off x="304800" y="304800"/>
+            <a:ext cx="1252266" cy="369332"/>
+          </a:xfrm>
+          <a:prstGeom prst="rect">
+            <a:avLst/>
+          </a:prstGeom>
+        </p:spPr>
+        <p:txBody>
+          <a:bodyPr wrap="none">
+            <a:spAutoFit/>
+          </a:bodyPr>
+          <a:lstStyle/>
+          <a:p>
+            <a:r>
+              <a:rPr lang="en-US" b="1" dirty="0"/>
+              <a:t>Closing File</a:t>
+            </a:r>
+          </a:p>
+        </p:txBody>
+      </p:sp>
+      <p:sp>
+        <p:nvSpPr>
+          <p:cNvPr id="3" name="Rectangle 2"/>
+          <p:cNvSpPr/>
+          <p:nvPr/>
+        </p:nvSpPr>
+        <p:spPr>
+          <a:xfrm>
+            <a:off x="304800" y="794910"/>
+            <a:ext cx="8458200" cy="923330"/>
+          </a:xfrm>
+          <a:prstGeom prst="rect">
+            <a:avLst/>
+          </a:prstGeom>
+        </p:spPr>
+        <p:txBody>
+          <a:bodyPr wrap="square">
+            <a:spAutoFit/>
+          </a:bodyPr>
+          <a:lstStyle/>
+          <a:p>
+            <a:r>
+              <a:rPr lang="en-US" dirty="0"/>
+              <a:t>After performing all the above file operations of PHP, we need to close it by using the </a:t>
+            </a:r>
+            <a:r>
+              <a:rPr lang="en-US" dirty="0" err="1"/>
+              <a:t>fclose</a:t>
+            </a:r>
+            <a:r>
+              <a:rPr lang="en-US" dirty="0"/>
+              <a:t>() function. </a:t>
+            </a:r>
+            <a:r>
+              <a:rPr lang="en-US" dirty="0" err="1"/>
+              <a:t>fclose</a:t>
+            </a:r>
+            <a:r>
+              <a:rPr lang="en-US" dirty="0"/>
+              <a:t>() function should hold the file pointer which is the reference for the file resources. In PHP, we can use </a:t>
+            </a:r>
+            <a:r>
+              <a:rPr lang="en-US" dirty="0" err="1"/>
+              <a:t>fclose</a:t>
+            </a:r>
+            <a:r>
+              <a:rPr lang="en-US" dirty="0"/>
+              <a:t>() as shown below.</a:t>
+            </a:r>
+          </a:p>
+        </p:txBody>
+      </p:sp>
+      <p:sp>
+        <p:nvSpPr>
+          <p:cNvPr id="5" name="Rectangle 4"/>
+          <p:cNvSpPr/>
+          <p:nvPr/>
+        </p:nvSpPr>
+        <p:spPr>
+          <a:xfrm>
+            <a:off x="2133600" y="2875002"/>
+            <a:ext cx="3111942" cy="523220"/>
+          </a:xfrm>
+          <a:prstGeom prst="rect">
+            <a:avLst/>
+          </a:prstGeom>
+        </p:spPr>
+        <p:txBody>
+          <a:bodyPr wrap="none">
+            <a:spAutoFit/>
+          </a:bodyPr>
+          <a:lstStyle/>
+          <a:p>
+            <a:r>
+              <a:rPr lang="en-US" sz="2800" dirty="0" err="1"/>
+              <a:t>fclose</a:t>
+            </a:r>
+            <a:r>
+              <a:rPr lang="en-US" sz="2800" dirty="0"/>
+              <a:t>( $</a:t>
+            </a:r>
+            <a:r>
+              <a:rPr lang="en-US" sz="2800" dirty="0" err="1"/>
+              <a:t>filePointer</a:t>
+            </a:r>
+            <a:r>
+              <a:rPr lang="en-US" sz="2800" dirty="0"/>
+              <a:t>);</a:t>
+            </a:r>
+            <a:endParaRPr lang="en-US" dirty="0"/>
+          </a:p>
+        </p:txBody>
+      </p:sp>
+    </p:spTree>
+    <p:extLst>
+      <p:ext uri="{BB962C8B-B14F-4D97-AF65-F5344CB8AC3E}">
+        <p14:creationId xmlns:p14="http://schemas.microsoft.com/office/powerpoint/2010/main" val="2812163425"/>
+      </p:ext>
+    </p:extLst>
+  </p:cSld>
+  <p:clrMapOvr>
+    <a:masterClrMapping/>
+  </p:clrMapOvr>
+</p:sld>
+</file>
+
 <file path=ppt/slides/slide13.xml><?xml version="1.0" encoding="utf-8"?>
 <p:sld xmlns:a="http://schemas.openxmlformats.org/drawingml/2006/main" xmlns:r="http://schemas.openxmlformats.org/officeDocument/2006/relationships" xmlns:p="http://schemas.openxmlformats.org/presentationml/2006/main">
   <p:cSld>
@@ -7057,6 +13735,1575 @@
     <p:extLst>
       <p:ext uri="{BB962C8B-B14F-4D97-AF65-F5344CB8AC3E}">
         <p14:creationId xmlns:p14="http://schemas.microsoft.com/office/powerpoint/2010/main" val="3015856255"/>
+      </p:ext>
+    </p:extLst>
+  </p:cSld>
+  <p:clrMapOvr>
+    <a:masterClrMapping/>
+  </p:clrMapOvr>
+</p:sld>
+</file>
+
+<file path=ppt/slides/slide130.xml><?xml version="1.0" encoding="utf-8"?>
+<p:sld xmlns:a="http://schemas.openxmlformats.org/drawingml/2006/main" xmlns:r="http://schemas.openxmlformats.org/officeDocument/2006/relationships" xmlns:p="http://schemas.openxmlformats.org/presentationml/2006/main">
+  <p:cSld>
+    <p:spTree>
+      <p:nvGrpSpPr>
+        <p:cNvPr id="1" name=""/>
+        <p:cNvGrpSpPr/>
+        <p:nvPr/>
+      </p:nvGrpSpPr>
+      <p:grpSpPr>
+        <a:xfrm>
+          <a:off x="0" y="0"/>
+          <a:ext cx="0" cy="0"/>
+          <a:chOff x="0" y="0"/>
+          <a:chExt cx="0" cy="0"/>
+        </a:xfrm>
+      </p:grpSpPr>
+      <p:sp>
+        <p:nvSpPr>
+          <p:cNvPr id="3" name="Rectangle 2"/>
+          <p:cNvSpPr/>
+          <p:nvPr/>
+        </p:nvSpPr>
+        <p:spPr>
+          <a:xfrm>
+            <a:off x="838200" y="838200"/>
+            <a:ext cx="7696200" cy="4893647"/>
+          </a:xfrm>
+          <a:prstGeom prst="rect">
+            <a:avLst/>
+          </a:prstGeom>
+        </p:spPr>
+        <p:txBody>
+          <a:bodyPr wrap="square">
+            <a:spAutoFit/>
+          </a:bodyPr>
+          <a:lstStyle/>
+          <a:p>
+            <a:r>
+              <a:rPr lang="en-US" sz="2400" dirty="0"/>
+              <a:t>&lt;?</a:t>
+            </a:r>
+            <a:r>
+              <a:rPr lang="en-US" sz="2400" dirty="0" err="1"/>
+              <a:t>php</a:t>
+            </a:r>
+            <a:r>
+              <a:rPr lang="en-US" sz="2400" dirty="0"/>
+              <a:t> </a:t>
+            </a:r>
+            <a:endParaRPr lang="en-US" sz="2400" dirty="0" smtClean="0"/>
+          </a:p>
+          <a:p>
+            <a:r>
+              <a:rPr lang="en-US" sz="2400" dirty="0" smtClean="0"/>
+              <a:t>if</a:t>
+            </a:r>
+            <a:r>
+              <a:rPr lang="en-US" sz="2400" dirty="0"/>
+              <a:t>(!</a:t>
+            </a:r>
+            <a:r>
+              <a:rPr lang="en-US" sz="2400" dirty="0" err="1"/>
+              <a:t>file_exists</a:t>
+            </a:r>
+            <a:r>
+              <a:rPr lang="en-US" sz="2400" dirty="0"/>
+              <a:t>("myfile.txt")) { </a:t>
+            </a:r>
+            <a:endParaRPr lang="en-US" sz="2400" dirty="0" smtClean="0"/>
+          </a:p>
+          <a:p>
+            <a:r>
+              <a:rPr lang="en-US" sz="2400" dirty="0" smtClean="0"/>
+              <a:t>die</a:t>
+            </a:r>
+            <a:r>
+              <a:rPr lang="en-US" sz="2400" dirty="0"/>
+              <a:t>("File was not found"); </a:t>
+            </a:r>
+            <a:endParaRPr lang="en-US" sz="2400" dirty="0" smtClean="0"/>
+          </a:p>
+          <a:p>
+            <a:r>
+              <a:rPr lang="en-US" sz="2400" dirty="0" smtClean="0"/>
+              <a:t>} </a:t>
+            </a:r>
+            <a:r>
+              <a:rPr lang="en-US" sz="2400" dirty="0"/>
+              <a:t>else { </a:t>
+            </a:r>
+            <a:endParaRPr lang="en-US" sz="2400" dirty="0" smtClean="0"/>
+          </a:p>
+          <a:p>
+            <a:r>
+              <a:rPr lang="en-US" sz="2400" dirty="0" smtClean="0"/>
+              <a:t>	$</a:t>
+            </a:r>
+            <a:r>
+              <a:rPr lang="en-US" sz="2400" dirty="0"/>
+              <a:t>f = </a:t>
+            </a:r>
+            <a:r>
+              <a:rPr lang="en-US" sz="2400" dirty="0" err="1"/>
+              <a:t>fopen</a:t>
+            </a:r>
+            <a:r>
+              <a:rPr lang="en-US" sz="2400" dirty="0"/>
+              <a:t>("myfile.txt", "r"); </a:t>
+            </a:r>
+            <a:endParaRPr lang="en-US" sz="2400" dirty="0" smtClean="0"/>
+          </a:p>
+          <a:p>
+            <a:pPr lvl="2"/>
+            <a:r>
+              <a:rPr lang="en-US" sz="2400" dirty="0" smtClean="0"/>
+              <a:t>while</a:t>
+            </a:r>
+            <a:r>
+              <a:rPr lang="en-US" sz="2400" dirty="0"/>
+              <a:t>(!</a:t>
+            </a:r>
+            <a:r>
+              <a:rPr lang="en-US" sz="2400" dirty="0" err="1"/>
+              <a:t>feof</a:t>
+            </a:r>
+            <a:r>
+              <a:rPr lang="en-US" sz="2400" dirty="0"/>
+              <a:t>($f</a:t>
+            </a:r>
+            <a:r>
+              <a:rPr lang="en-US" sz="2400" dirty="0" smtClean="0"/>
+              <a:t>))</a:t>
+            </a:r>
+          </a:p>
+          <a:p>
+            <a:pPr lvl="2"/>
+            <a:r>
+              <a:rPr lang="en-US" sz="2400" dirty="0" smtClean="0"/>
+              <a:t> </a:t>
+            </a:r>
+            <a:r>
+              <a:rPr lang="en-US" sz="2400" dirty="0"/>
+              <a:t>{ </a:t>
+            </a:r>
+            <a:endParaRPr lang="en-US" sz="2400" dirty="0" smtClean="0"/>
+          </a:p>
+          <a:p>
+            <a:pPr lvl="2"/>
+            <a:r>
+              <a:rPr lang="en-US" sz="2400" dirty="0"/>
+              <a:t>	</a:t>
+            </a:r>
+            <a:r>
+              <a:rPr lang="en-US" sz="2400" dirty="0" smtClean="0"/>
+              <a:t>$</a:t>
+            </a:r>
+            <a:r>
+              <a:rPr lang="en-US" sz="2400" dirty="0"/>
+              <a:t>read=</a:t>
+            </a:r>
+            <a:r>
+              <a:rPr lang="en-US" sz="2400" dirty="0" err="1"/>
+              <a:t>fgetc</a:t>
+            </a:r>
+            <a:r>
+              <a:rPr lang="en-US" sz="2400" dirty="0"/>
+              <a:t>($f); </a:t>
+            </a:r>
+            <a:endParaRPr lang="en-US" sz="2400" dirty="0" smtClean="0"/>
+          </a:p>
+          <a:p>
+            <a:pPr lvl="2"/>
+            <a:r>
+              <a:rPr lang="en-US" sz="2400" dirty="0" smtClean="0"/>
+              <a:t>	if</a:t>
+            </a:r>
+            <a:r>
+              <a:rPr lang="en-US" sz="2400" dirty="0"/>
+              <a:t>($read!='i') </a:t>
+            </a:r>
+            <a:endParaRPr lang="en-US" sz="2400" dirty="0" smtClean="0"/>
+          </a:p>
+          <a:p>
+            <a:pPr lvl="2"/>
+            <a:r>
+              <a:rPr lang="en-US" sz="2400" dirty="0"/>
+              <a:t>	</a:t>
+            </a:r>
+            <a:r>
+              <a:rPr lang="en-US" sz="2400" dirty="0" smtClean="0"/>
+              <a:t>echo </a:t>
+            </a:r>
+            <a:r>
+              <a:rPr lang="en-US" sz="2400" dirty="0"/>
+              <a:t>$read</a:t>
+            </a:r>
+            <a:r>
+              <a:rPr lang="en-US" sz="2400" dirty="0" smtClean="0"/>
+              <a:t>;</a:t>
+            </a:r>
+          </a:p>
+          <a:p>
+            <a:pPr lvl="2"/>
+            <a:r>
+              <a:rPr lang="en-US" sz="2400" dirty="0" smtClean="0"/>
+              <a:t> </a:t>
+            </a:r>
+            <a:r>
+              <a:rPr lang="en-US" sz="2400" dirty="0"/>
+              <a:t>} </a:t>
+            </a:r>
+            <a:endParaRPr lang="en-US" sz="2400" dirty="0" smtClean="0"/>
+          </a:p>
+          <a:p>
+            <a:r>
+              <a:rPr lang="en-US" sz="2400" dirty="0" err="1" smtClean="0"/>
+              <a:t>fclose</a:t>
+            </a:r>
+            <a:r>
+              <a:rPr lang="en-US" sz="2400" dirty="0"/>
+              <a:t>($f); </a:t>
+            </a:r>
+            <a:endParaRPr lang="en-US" sz="2400" dirty="0" smtClean="0"/>
+          </a:p>
+          <a:p>
+            <a:r>
+              <a:rPr lang="en-US" sz="2400" dirty="0" smtClean="0"/>
+              <a:t> </a:t>
+            </a:r>
+            <a:r>
+              <a:rPr lang="en-US" sz="2400" dirty="0"/>
+              <a:t>?&gt;</a:t>
+            </a:r>
+          </a:p>
+        </p:txBody>
+      </p:sp>
+    </p:spTree>
+    <p:extLst>
+      <p:ext uri="{BB962C8B-B14F-4D97-AF65-F5344CB8AC3E}">
+        <p14:creationId xmlns:p14="http://schemas.microsoft.com/office/powerpoint/2010/main" val="3735058847"/>
+      </p:ext>
+    </p:extLst>
+  </p:cSld>
+  <p:clrMapOvr>
+    <a:masterClrMapping/>
+  </p:clrMapOvr>
+</p:sld>
+</file>
+
+<file path=ppt/slides/slide131.xml><?xml version="1.0" encoding="utf-8"?>
+<p:sld xmlns:a="http://schemas.openxmlformats.org/drawingml/2006/main" xmlns:r="http://schemas.openxmlformats.org/officeDocument/2006/relationships" xmlns:p="http://schemas.openxmlformats.org/presentationml/2006/main">
+  <p:cSld>
+    <p:spTree>
+      <p:nvGrpSpPr>
+        <p:cNvPr id="1" name=""/>
+        <p:cNvGrpSpPr/>
+        <p:nvPr/>
+      </p:nvGrpSpPr>
+      <p:grpSpPr>
+        <a:xfrm>
+          <a:off x="0" y="0"/>
+          <a:ext cx="0" cy="0"/>
+          <a:chOff x="0" y="0"/>
+          <a:chExt cx="0" cy="0"/>
+        </a:xfrm>
+      </p:grpSpPr>
+      <p:sp>
+        <p:nvSpPr>
+          <p:cNvPr id="2" name="Rectangle 1"/>
+          <p:cNvSpPr/>
+          <p:nvPr/>
+        </p:nvSpPr>
+        <p:spPr>
+          <a:xfrm>
+            <a:off x="1066800" y="1143000"/>
+            <a:ext cx="6858000" cy="4062651"/>
+          </a:xfrm>
+          <a:prstGeom prst="rect">
+            <a:avLst/>
+          </a:prstGeom>
+        </p:spPr>
+        <p:txBody>
+          <a:bodyPr wrap="square">
+            <a:spAutoFit/>
+          </a:bodyPr>
+          <a:lstStyle/>
+          <a:p>
+            <a:r>
+              <a:rPr lang="en-US" sz="2400" dirty="0"/>
+              <a:t>&lt;?</a:t>
+            </a:r>
+            <a:r>
+              <a:rPr lang="en-US" sz="2400" dirty="0" err="1" smtClean="0"/>
+              <a:t>php</a:t>
+            </a:r>
+            <a:endParaRPr lang="en-US" sz="2400" dirty="0" smtClean="0"/>
+          </a:p>
+          <a:p>
+            <a:r>
+              <a:rPr lang="en-US" sz="2400" dirty="0" smtClean="0"/>
+              <a:t> </a:t>
+            </a:r>
+            <a:r>
+              <a:rPr lang="en-US" sz="2400" dirty="0"/>
+              <a:t>if(!</a:t>
+            </a:r>
+            <a:r>
+              <a:rPr lang="en-US" sz="2400" dirty="0" err="1"/>
+              <a:t>file_exists</a:t>
+            </a:r>
+            <a:r>
+              <a:rPr lang="en-US" sz="2400" dirty="0"/>
+              <a:t>("myfile.txt")) </a:t>
+            </a:r>
+            <a:endParaRPr lang="en-US" sz="2400" dirty="0" smtClean="0"/>
+          </a:p>
+          <a:p>
+            <a:r>
+              <a:rPr lang="en-US" sz="2400" dirty="0"/>
+              <a:t>	</a:t>
+            </a:r>
+            <a:r>
+              <a:rPr lang="en-US" sz="2400" dirty="0" smtClean="0"/>
+              <a:t>{ </a:t>
+            </a:r>
+          </a:p>
+          <a:p>
+            <a:r>
+              <a:rPr lang="en-US" sz="2400" dirty="0"/>
+              <a:t>	</a:t>
+            </a:r>
+            <a:r>
+              <a:rPr lang="en-US" sz="2400" dirty="0" smtClean="0"/>
+              <a:t>die</a:t>
+            </a:r>
+            <a:r>
+              <a:rPr lang="en-US" sz="2400" dirty="0"/>
+              <a:t>("File was not found"); </a:t>
+            </a:r>
+            <a:endParaRPr lang="en-US" sz="2400" dirty="0" smtClean="0"/>
+          </a:p>
+          <a:p>
+            <a:r>
+              <a:rPr lang="en-US" sz="2400" dirty="0"/>
+              <a:t>	</a:t>
+            </a:r>
+            <a:r>
+              <a:rPr lang="en-US" sz="2400" dirty="0" smtClean="0"/>
+              <a:t>} </a:t>
+            </a:r>
+            <a:r>
+              <a:rPr lang="en-US" sz="2400" dirty="0"/>
+              <a:t>else { </a:t>
+            </a:r>
+            <a:endParaRPr lang="en-US" sz="2400" dirty="0" smtClean="0"/>
+          </a:p>
+          <a:p>
+            <a:r>
+              <a:rPr lang="en-US" sz="2400" dirty="0"/>
+              <a:t>	</a:t>
+            </a:r>
+            <a:r>
+              <a:rPr lang="en-US" sz="2400" dirty="0" smtClean="0"/>
+              <a:t>$</a:t>
+            </a:r>
+            <a:r>
+              <a:rPr lang="en-US" sz="2400" dirty="0"/>
+              <a:t>f = </a:t>
+            </a:r>
+            <a:r>
+              <a:rPr lang="en-US" sz="2400" dirty="0" err="1"/>
+              <a:t>fopen</a:t>
+            </a:r>
+            <a:r>
+              <a:rPr lang="en-US" sz="2400" dirty="0"/>
+              <a:t>("myfile.txt", "w</a:t>
+            </a:r>
+            <a:r>
+              <a:rPr lang="en-US" sz="2400" dirty="0" smtClean="0"/>
+              <a:t>");</a:t>
+            </a:r>
+          </a:p>
+          <a:p>
+            <a:r>
+              <a:rPr lang="en-US" sz="2400" dirty="0"/>
+              <a:t>	</a:t>
+            </a:r>
+            <a:r>
+              <a:rPr lang="en-US" sz="2400" dirty="0" smtClean="0"/>
+              <a:t> </a:t>
+            </a:r>
+            <a:r>
+              <a:rPr lang="en-US" sz="2400" dirty="0" err="1"/>
+              <a:t>fwrite</a:t>
+            </a:r>
+            <a:r>
+              <a:rPr lang="en-US" sz="2400" dirty="0"/>
+              <a:t>($</a:t>
+            </a:r>
+            <a:r>
+              <a:rPr lang="en-US" sz="2400" dirty="0" err="1"/>
+              <a:t>f,"It</a:t>
+            </a:r>
+            <a:r>
+              <a:rPr lang="en-US" sz="2400" dirty="0"/>
+              <a:t> is easy to write in a file"); </a:t>
+            </a:r>
+            <a:endParaRPr lang="en-US" sz="2400" dirty="0" smtClean="0"/>
+          </a:p>
+          <a:p>
+            <a:r>
+              <a:rPr lang="en-US" sz="2400" dirty="0"/>
+              <a:t>	</a:t>
+            </a:r>
+            <a:r>
+              <a:rPr lang="en-US" sz="2400" dirty="0" err="1" smtClean="0"/>
+              <a:t>fclose</a:t>
+            </a:r>
+            <a:r>
+              <a:rPr lang="en-US" sz="2400" dirty="0"/>
+              <a:t>($f</a:t>
+            </a:r>
+            <a:r>
+              <a:rPr lang="en-US" sz="2400" dirty="0" smtClean="0"/>
+              <a:t>);</a:t>
+            </a:r>
+          </a:p>
+          <a:p>
+            <a:r>
+              <a:rPr lang="en-US" sz="2400" dirty="0"/>
+              <a:t>	</a:t>
+            </a:r>
+            <a:r>
+              <a:rPr lang="en-US" sz="2400" dirty="0" smtClean="0"/>
+              <a:t> </a:t>
+            </a:r>
+            <a:r>
+              <a:rPr lang="en-US" sz="2400" dirty="0"/>
+              <a:t>} </a:t>
+            </a:r>
+            <a:endParaRPr lang="en-US" sz="2400" dirty="0" smtClean="0"/>
+          </a:p>
+          <a:p>
+            <a:r>
+              <a:rPr lang="en-US" sz="2400" dirty="0" smtClean="0"/>
+              <a:t>?&gt;</a:t>
+            </a:r>
+            <a:r>
+              <a:rPr lang="en-US" dirty="0"/>
+              <a:t/>
+            </a:r>
+            <a:br>
+              <a:rPr lang="en-US" dirty="0"/>
+            </a:br>
+            <a:endParaRPr lang="en-US" dirty="0"/>
+          </a:p>
+        </p:txBody>
+      </p:sp>
+    </p:spTree>
+    <p:extLst>
+      <p:ext uri="{BB962C8B-B14F-4D97-AF65-F5344CB8AC3E}">
+        <p14:creationId xmlns:p14="http://schemas.microsoft.com/office/powerpoint/2010/main" val="1751588048"/>
+      </p:ext>
+    </p:extLst>
+  </p:cSld>
+  <p:clrMapOvr>
+    <a:masterClrMapping/>
+  </p:clrMapOvr>
+</p:sld>
+</file>
+
+<file path=ppt/slides/slide132.xml><?xml version="1.0" encoding="utf-8"?>
+<p:sld xmlns:a="http://schemas.openxmlformats.org/drawingml/2006/main" xmlns:r="http://schemas.openxmlformats.org/officeDocument/2006/relationships" xmlns:p="http://schemas.openxmlformats.org/presentationml/2006/main">
+  <p:cSld>
+    <p:spTree>
+      <p:nvGrpSpPr>
+        <p:cNvPr id="1" name=""/>
+        <p:cNvGrpSpPr/>
+        <p:nvPr/>
+      </p:nvGrpSpPr>
+      <p:grpSpPr>
+        <a:xfrm>
+          <a:off x="0" y="0"/>
+          <a:ext cx="0" cy="0"/>
+          <a:chOff x="0" y="0"/>
+          <a:chExt cx="0" cy="0"/>
+        </a:xfrm>
+      </p:grpSpPr>
+      <p:sp>
+        <p:nvSpPr>
+          <p:cNvPr id="2" name="Rectangle 1"/>
+          <p:cNvSpPr/>
+          <p:nvPr/>
+        </p:nvSpPr>
+        <p:spPr>
+          <a:xfrm>
+            <a:off x="152400" y="228600"/>
+            <a:ext cx="3243773" cy="369332"/>
+          </a:xfrm>
+          <a:prstGeom prst="rect">
+            <a:avLst/>
+          </a:prstGeom>
+        </p:spPr>
+        <p:txBody>
+          <a:bodyPr wrap="none">
+            <a:spAutoFit/>
+          </a:bodyPr>
+          <a:lstStyle/>
+          <a:p>
+            <a:pPr fontAlgn="base"/>
+            <a:r>
+              <a:rPr lang="en-US" b="1" dirty="0"/>
+              <a:t>Working with Directories in PHP</a:t>
+            </a:r>
+          </a:p>
+        </p:txBody>
+      </p:sp>
+      <p:sp>
+        <p:nvSpPr>
+          <p:cNvPr id="3" name="Rectangle 2"/>
+          <p:cNvSpPr/>
+          <p:nvPr/>
+        </p:nvSpPr>
+        <p:spPr>
+          <a:xfrm>
+            <a:off x="705075" y="838200"/>
+            <a:ext cx="2577950" cy="369332"/>
+          </a:xfrm>
+          <a:prstGeom prst="rect">
+            <a:avLst/>
+          </a:prstGeom>
+        </p:spPr>
+        <p:txBody>
+          <a:bodyPr wrap="none">
+            <a:spAutoFit/>
+          </a:bodyPr>
+          <a:lstStyle/>
+          <a:p>
+            <a:pPr fontAlgn="base"/>
+            <a:r>
+              <a:rPr lang="en-US" b="1" dirty="0"/>
+              <a:t>Creating a New Directory</a:t>
+            </a:r>
+          </a:p>
+        </p:txBody>
+      </p:sp>
+      <p:sp>
+        <p:nvSpPr>
+          <p:cNvPr id="5" name="Rectangle 4"/>
+          <p:cNvSpPr/>
+          <p:nvPr/>
+        </p:nvSpPr>
+        <p:spPr>
+          <a:xfrm>
+            <a:off x="705075" y="1571685"/>
+            <a:ext cx="7524525" cy="4247317"/>
+          </a:xfrm>
+          <a:prstGeom prst="rect">
+            <a:avLst/>
+          </a:prstGeom>
+        </p:spPr>
+        <p:txBody>
+          <a:bodyPr wrap="square">
+            <a:spAutoFit/>
+          </a:bodyPr>
+          <a:lstStyle/>
+          <a:p>
+            <a:r>
+              <a:rPr lang="en-US" dirty="0"/>
+              <a:t>&lt;?</a:t>
+            </a:r>
+            <a:r>
+              <a:rPr lang="en-US" dirty="0" err="1"/>
+              <a:t>php</a:t>
+            </a:r>
+            <a:endParaRPr lang="en-US" dirty="0"/>
+          </a:p>
+          <a:p>
+            <a:r>
+              <a:rPr lang="en-US" dirty="0" smtClean="0"/>
+              <a:t>$</a:t>
+            </a:r>
+            <a:r>
+              <a:rPr lang="en-US" dirty="0" err="1"/>
+              <a:t>dir</a:t>
+            </a:r>
+            <a:r>
+              <a:rPr lang="en-US" dirty="0"/>
+              <a:t> = "</a:t>
+            </a:r>
+            <a:r>
+              <a:rPr lang="en-US" dirty="0" err="1"/>
+              <a:t>testdir</a:t>
+            </a:r>
+            <a:r>
+              <a:rPr lang="en-US" dirty="0"/>
+              <a:t>";</a:t>
+            </a:r>
+          </a:p>
+          <a:p>
+            <a:r>
+              <a:rPr lang="en-US" dirty="0"/>
+              <a:t> </a:t>
+            </a:r>
+          </a:p>
+          <a:p>
+            <a:r>
+              <a:rPr lang="en-US" dirty="0"/>
+              <a:t>// Check the existence of directory</a:t>
+            </a:r>
+          </a:p>
+          <a:p>
+            <a:r>
+              <a:rPr lang="en-US" dirty="0"/>
+              <a:t>if(!</a:t>
+            </a:r>
+            <a:r>
+              <a:rPr lang="en-US" dirty="0" err="1"/>
+              <a:t>file_exists</a:t>
+            </a:r>
+            <a:r>
+              <a:rPr lang="en-US" dirty="0"/>
+              <a:t>($</a:t>
+            </a:r>
+            <a:r>
+              <a:rPr lang="en-US" dirty="0" err="1"/>
+              <a:t>dir</a:t>
+            </a:r>
+            <a:r>
+              <a:rPr lang="en-US" dirty="0"/>
+              <a:t>)){</a:t>
+            </a:r>
+          </a:p>
+          <a:p>
+            <a:r>
+              <a:rPr lang="en-US" dirty="0"/>
+              <a:t>    // Attempt to create directory</a:t>
+            </a:r>
+          </a:p>
+          <a:p>
+            <a:r>
+              <a:rPr lang="en-US" dirty="0"/>
+              <a:t>    if(</a:t>
+            </a:r>
+            <a:r>
+              <a:rPr lang="en-US" dirty="0" err="1"/>
+              <a:t>mkdir</a:t>
+            </a:r>
+            <a:r>
+              <a:rPr lang="en-US" dirty="0"/>
+              <a:t>($</a:t>
+            </a:r>
+            <a:r>
+              <a:rPr lang="en-US" dirty="0" err="1"/>
+              <a:t>dir</a:t>
+            </a:r>
+            <a:r>
+              <a:rPr lang="en-US" dirty="0"/>
+              <a:t>)){</a:t>
+            </a:r>
+          </a:p>
+          <a:p>
+            <a:r>
+              <a:rPr lang="en-US" dirty="0"/>
+              <a:t>        echo "Directory created successfully.";</a:t>
+            </a:r>
+          </a:p>
+          <a:p>
+            <a:r>
+              <a:rPr lang="en-US" dirty="0"/>
+              <a:t>    } else{</a:t>
+            </a:r>
+          </a:p>
+          <a:p>
+            <a:r>
+              <a:rPr lang="en-US" dirty="0"/>
+              <a:t>        echo "ERROR: Directory could not be created.";</a:t>
+            </a:r>
+          </a:p>
+          <a:p>
+            <a:r>
+              <a:rPr lang="en-US" dirty="0"/>
+              <a:t>    }</a:t>
+            </a:r>
+          </a:p>
+          <a:p>
+            <a:r>
+              <a:rPr lang="en-US" dirty="0"/>
+              <a:t>} else{</a:t>
+            </a:r>
+          </a:p>
+          <a:p>
+            <a:r>
+              <a:rPr lang="en-US" dirty="0"/>
+              <a:t>    echo "ERROR: Directory already exists.";</a:t>
+            </a:r>
+          </a:p>
+          <a:p>
+            <a:r>
+              <a:rPr lang="en-US" dirty="0"/>
+              <a:t>}</a:t>
+            </a:r>
+          </a:p>
+          <a:p>
+            <a:r>
+              <a:rPr lang="en-US" dirty="0"/>
+              <a:t>?&gt;</a:t>
+            </a:r>
+          </a:p>
+        </p:txBody>
+      </p:sp>
+    </p:spTree>
+    <p:extLst>
+      <p:ext uri="{BB962C8B-B14F-4D97-AF65-F5344CB8AC3E}">
+        <p14:creationId xmlns:p14="http://schemas.microsoft.com/office/powerpoint/2010/main" val="2433633672"/>
+      </p:ext>
+    </p:extLst>
+  </p:cSld>
+  <p:clrMapOvr>
+    <a:masterClrMapping/>
+  </p:clrMapOvr>
+</p:sld>
+</file>
+
+<file path=ppt/slides/slide133.xml><?xml version="1.0" encoding="utf-8"?>
+<p:sld xmlns:a="http://schemas.openxmlformats.org/drawingml/2006/main" xmlns:r="http://schemas.openxmlformats.org/officeDocument/2006/relationships" xmlns:p="http://schemas.openxmlformats.org/presentationml/2006/main">
+  <p:cSld>
+    <p:spTree>
+      <p:nvGrpSpPr>
+        <p:cNvPr id="1" name=""/>
+        <p:cNvGrpSpPr/>
+        <p:nvPr/>
+      </p:nvGrpSpPr>
+      <p:grpSpPr>
+        <a:xfrm>
+          <a:off x="0" y="0"/>
+          <a:ext cx="0" cy="0"/>
+          <a:chOff x="0" y="0"/>
+          <a:chExt cx="0" cy="0"/>
+        </a:xfrm>
+      </p:grpSpPr>
+      <p:sp>
+        <p:nvSpPr>
+          <p:cNvPr id="2" name="Rectangle 1"/>
+          <p:cNvSpPr/>
+          <p:nvPr/>
+        </p:nvSpPr>
+        <p:spPr>
+          <a:xfrm>
+            <a:off x="222860" y="228600"/>
+            <a:ext cx="4349139" cy="369332"/>
+          </a:xfrm>
+          <a:prstGeom prst="rect">
+            <a:avLst/>
+          </a:prstGeom>
+        </p:spPr>
+        <p:txBody>
+          <a:bodyPr wrap="none">
+            <a:spAutoFit/>
+          </a:bodyPr>
+          <a:lstStyle/>
+          <a:p>
+            <a:pPr fontAlgn="base"/>
+            <a:r>
+              <a:rPr lang="en-US" b="1" dirty="0"/>
+              <a:t>Copying Files from One Location to Another</a:t>
+            </a:r>
+          </a:p>
+        </p:txBody>
+      </p:sp>
+      <p:sp>
+        <p:nvSpPr>
+          <p:cNvPr id="3" name="Rectangle 2"/>
+          <p:cNvSpPr/>
+          <p:nvPr/>
+        </p:nvSpPr>
+        <p:spPr>
+          <a:xfrm>
+            <a:off x="533400" y="751344"/>
+            <a:ext cx="7543800" cy="5355312"/>
+          </a:xfrm>
+          <a:prstGeom prst="rect">
+            <a:avLst/>
+          </a:prstGeom>
+        </p:spPr>
+        <p:txBody>
+          <a:bodyPr wrap="square">
+            <a:spAutoFit/>
+          </a:bodyPr>
+          <a:lstStyle/>
+          <a:p>
+            <a:r>
+              <a:rPr lang="en-US" dirty="0"/>
+              <a:t>&lt;?</a:t>
+            </a:r>
+            <a:r>
+              <a:rPr lang="en-US" dirty="0" err="1"/>
+              <a:t>php</a:t>
+            </a:r>
+            <a:endParaRPr lang="en-US" dirty="0"/>
+          </a:p>
+          <a:p>
+            <a:r>
+              <a:rPr lang="en-US" dirty="0"/>
+              <a:t>// Source file path</a:t>
+            </a:r>
+          </a:p>
+          <a:p>
+            <a:r>
+              <a:rPr lang="en-US" dirty="0"/>
+              <a:t>$file = "example.txt";</a:t>
+            </a:r>
+          </a:p>
+          <a:p>
+            <a:r>
+              <a:rPr lang="en-US" dirty="0"/>
+              <a:t> </a:t>
+            </a:r>
+          </a:p>
+          <a:p>
+            <a:r>
+              <a:rPr lang="en-US" dirty="0"/>
+              <a:t>// Destination file path</a:t>
+            </a:r>
+          </a:p>
+          <a:p>
+            <a:r>
+              <a:rPr lang="en-US" dirty="0"/>
+              <a:t>$</a:t>
+            </a:r>
+            <a:r>
+              <a:rPr lang="en-US" dirty="0" err="1"/>
+              <a:t>newfile</a:t>
+            </a:r>
+            <a:r>
+              <a:rPr lang="en-US" dirty="0"/>
+              <a:t> = </a:t>
+            </a:r>
+            <a:r>
+              <a:rPr lang="en-US" dirty="0" smtClean="0"/>
+              <a:t>“project/example.txt</a:t>
+            </a:r>
+            <a:r>
+              <a:rPr lang="en-US" dirty="0"/>
+              <a:t>";</a:t>
+            </a:r>
+          </a:p>
+          <a:p>
+            <a:r>
+              <a:rPr lang="en-US" dirty="0"/>
+              <a:t> </a:t>
+            </a:r>
+          </a:p>
+          <a:p>
+            <a:r>
+              <a:rPr lang="en-US" dirty="0"/>
+              <a:t>// Check the existence of file</a:t>
+            </a:r>
+          </a:p>
+          <a:p>
+            <a:r>
+              <a:rPr lang="en-US" dirty="0"/>
+              <a:t>if(</a:t>
+            </a:r>
+            <a:r>
+              <a:rPr lang="en-US" dirty="0" err="1"/>
+              <a:t>file_exists</a:t>
+            </a:r>
+            <a:r>
+              <a:rPr lang="en-US" dirty="0"/>
+              <a:t>($file)){</a:t>
+            </a:r>
+          </a:p>
+          <a:p>
+            <a:r>
+              <a:rPr lang="en-US" dirty="0"/>
+              <a:t>    // Attempt to copy file</a:t>
+            </a:r>
+          </a:p>
+          <a:p>
+            <a:r>
+              <a:rPr lang="en-US" dirty="0"/>
+              <a:t>    if(copy($file, $</a:t>
+            </a:r>
+            <a:r>
+              <a:rPr lang="en-US" dirty="0" err="1"/>
+              <a:t>newfile</a:t>
+            </a:r>
+            <a:r>
+              <a:rPr lang="en-US" dirty="0"/>
+              <a:t>)){</a:t>
+            </a:r>
+          </a:p>
+          <a:p>
+            <a:r>
+              <a:rPr lang="en-US" dirty="0"/>
+              <a:t>        echo "File copied successfully.";</a:t>
+            </a:r>
+          </a:p>
+          <a:p>
+            <a:r>
+              <a:rPr lang="en-US" dirty="0"/>
+              <a:t>    } else{</a:t>
+            </a:r>
+          </a:p>
+          <a:p>
+            <a:r>
+              <a:rPr lang="en-US" dirty="0"/>
+              <a:t>        echo "ERROR: File could not be copied.";</a:t>
+            </a:r>
+          </a:p>
+          <a:p>
+            <a:r>
+              <a:rPr lang="en-US" dirty="0"/>
+              <a:t>    }</a:t>
+            </a:r>
+          </a:p>
+          <a:p>
+            <a:r>
+              <a:rPr lang="en-US" dirty="0"/>
+              <a:t>} else{</a:t>
+            </a:r>
+          </a:p>
+          <a:p>
+            <a:r>
+              <a:rPr lang="en-US" dirty="0"/>
+              <a:t>    echo "ERROR: File does not exist.";</a:t>
+            </a:r>
+          </a:p>
+          <a:p>
+            <a:r>
+              <a:rPr lang="en-US" dirty="0"/>
+              <a:t>}</a:t>
+            </a:r>
+          </a:p>
+          <a:p>
+            <a:r>
+              <a:rPr lang="en-US" dirty="0"/>
+              <a:t>?&gt;</a:t>
+            </a:r>
+          </a:p>
+        </p:txBody>
+      </p:sp>
+    </p:spTree>
+    <p:extLst>
+      <p:ext uri="{BB962C8B-B14F-4D97-AF65-F5344CB8AC3E}">
+        <p14:creationId xmlns:p14="http://schemas.microsoft.com/office/powerpoint/2010/main" val="3125951544"/>
+      </p:ext>
+    </p:extLst>
+  </p:cSld>
+  <p:clrMapOvr>
+    <a:masterClrMapping/>
+  </p:clrMapOvr>
+</p:sld>
+</file>
+
+<file path=ppt/slides/slide134.xml><?xml version="1.0" encoding="utf-8"?>
+<p:sld xmlns:a="http://schemas.openxmlformats.org/drawingml/2006/main" xmlns:r="http://schemas.openxmlformats.org/officeDocument/2006/relationships" xmlns:p="http://schemas.openxmlformats.org/presentationml/2006/main">
+  <p:cSld>
+    <p:spTree>
+      <p:nvGrpSpPr>
+        <p:cNvPr id="1" name=""/>
+        <p:cNvGrpSpPr/>
+        <p:nvPr/>
+      </p:nvGrpSpPr>
+      <p:grpSpPr>
+        <a:xfrm>
+          <a:off x="0" y="0"/>
+          <a:ext cx="0" cy="0"/>
+          <a:chOff x="0" y="0"/>
+          <a:chExt cx="0" cy="0"/>
+        </a:xfrm>
+      </p:grpSpPr>
+      <p:sp>
+        <p:nvSpPr>
+          <p:cNvPr id="3" name="Rectangle 2"/>
+          <p:cNvSpPr/>
+          <p:nvPr/>
+        </p:nvSpPr>
+        <p:spPr>
+          <a:xfrm>
+            <a:off x="152400" y="588288"/>
+            <a:ext cx="8610600" cy="5355312"/>
+          </a:xfrm>
+          <a:prstGeom prst="rect">
+            <a:avLst/>
+          </a:prstGeom>
+        </p:spPr>
+        <p:txBody>
+          <a:bodyPr wrap="square">
+            <a:spAutoFit/>
+          </a:bodyPr>
+          <a:lstStyle/>
+          <a:p>
+            <a:r>
+              <a:rPr lang="en-US" dirty="0"/>
+              <a:t>&lt;?</a:t>
+            </a:r>
+            <a:r>
+              <a:rPr lang="en-US" dirty="0" err="1"/>
+              <a:t>php</a:t>
+            </a:r>
+            <a:endParaRPr lang="en-US" dirty="0"/>
+          </a:p>
+          <a:p>
+            <a:r>
+              <a:rPr lang="en-US" dirty="0"/>
+              <a:t>// Check if the form was submitted</a:t>
+            </a:r>
+          </a:p>
+          <a:p>
+            <a:r>
+              <a:rPr lang="en-US" dirty="0"/>
+              <a:t>if($_SERVER["REQUEST_METHOD"] == "POST"){</a:t>
+            </a:r>
+          </a:p>
+          <a:p>
+            <a:r>
+              <a:rPr lang="en-US" dirty="0"/>
+              <a:t>    // Check if file was uploaded without errors</a:t>
+            </a:r>
+          </a:p>
+          <a:p>
+            <a:r>
+              <a:rPr lang="en-US" dirty="0"/>
+              <a:t>    if(</a:t>
+            </a:r>
+            <a:r>
+              <a:rPr lang="en-US" dirty="0" err="1"/>
+              <a:t>isset</a:t>
+            </a:r>
+            <a:r>
+              <a:rPr lang="en-US" dirty="0"/>
+              <a:t>($_FILES["photo"]) &amp;&amp; $_FILES["photo"]["error"] == 0){</a:t>
+            </a:r>
+          </a:p>
+          <a:p>
+            <a:r>
+              <a:rPr lang="en-US" dirty="0"/>
+              <a:t>        $allowed = array("jpg" =&gt; "image/jpg", "jpeg" =&gt; "image/jpeg", "gif" =&gt; "image/gif", "</a:t>
+            </a:r>
+            <a:r>
+              <a:rPr lang="en-US" dirty="0" err="1"/>
+              <a:t>png</a:t>
+            </a:r>
+            <a:r>
+              <a:rPr lang="en-US" dirty="0"/>
+              <a:t>" =&gt; "image/</a:t>
+            </a:r>
+            <a:r>
+              <a:rPr lang="en-US" dirty="0" err="1"/>
+              <a:t>png</a:t>
+            </a:r>
+            <a:r>
+              <a:rPr lang="en-US" dirty="0"/>
+              <a:t>");</a:t>
+            </a:r>
+          </a:p>
+          <a:p>
+            <a:r>
+              <a:rPr lang="en-US" dirty="0"/>
+              <a:t>        $filename = $_FILES["photo"]["name"];</a:t>
+            </a:r>
+          </a:p>
+          <a:p>
+            <a:r>
+              <a:rPr lang="en-US" dirty="0"/>
+              <a:t>        $</a:t>
+            </a:r>
+            <a:r>
+              <a:rPr lang="en-US" dirty="0" err="1"/>
+              <a:t>filetype</a:t>
+            </a:r>
+            <a:r>
+              <a:rPr lang="en-US" dirty="0"/>
+              <a:t> = $_FILES["photo"]["type"];</a:t>
+            </a:r>
+          </a:p>
+          <a:p>
+            <a:r>
+              <a:rPr lang="en-US" dirty="0"/>
+              <a:t>        $</a:t>
+            </a:r>
+            <a:r>
+              <a:rPr lang="en-US" dirty="0" err="1"/>
+              <a:t>filesize</a:t>
+            </a:r>
+            <a:r>
+              <a:rPr lang="en-US" dirty="0"/>
+              <a:t> = $_FILES["photo"]["size"];</a:t>
+            </a:r>
+          </a:p>
+          <a:p>
+            <a:r>
+              <a:rPr lang="en-US" dirty="0"/>
+              <a:t>    </a:t>
+            </a:r>
+          </a:p>
+          <a:p>
+            <a:r>
+              <a:rPr lang="en-US" dirty="0"/>
+              <a:t>        // Verify file extension</a:t>
+            </a:r>
+          </a:p>
+          <a:p>
+            <a:r>
+              <a:rPr lang="en-US" dirty="0"/>
+              <a:t>        $</a:t>
+            </a:r>
+            <a:r>
+              <a:rPr lang="en-US" dirty="0" err="1"/>
+              <a:t>ext</a:t>
+            </a:r>
+            <a:r>
+              <a:rPr lang="en-US" dirty="0"/>
+              <a:t> = </a:t>
+            </a:r>
+            <a:r>
+              <a:rPr lang="en-US" dirty="0" err="1"/>
+              <a:t>pathinfo</a:t>
+            </a:r>
+            <a:r>
+              <a:rPr lang="en-US" dirty="0"/>
+              <a:t>($filename, PATHINFO_EXTENSION);</a:t>
+            </a:r>
+          </a:p>
+          <a:p>
+            <a:r>
+              <a:rPr lang="en-US" dirty="0"/>
+              <a:t>        if(!</a:t>
+            </a:r>
+            <a:r>
+              <a:rPr lang="en-US" dirty="0" err="1"/>
+              <a:t>array_key_exists</a:t>
+            </a:r>
+            <a:r>
+              <a:rPr lang="en-US" dirty="0"/>
+              <a:t>($</a:t>
+            </a:r>
+            <a:r>
+              <a:rPr lang="en-US" dirty="0" err="1"/>
+              <a:t>ext</a:t>
+            </a:r>
+            <a:r>
+              <a:rPr lang="en-US" dirty="0"/>
+              <a:t>, $allowed)) die("Error: Please select a valid file format.");</a:t>
+            </a:r>
+          </a:p>
+          <a:p>
+            <a:r>
+              <a:rPr lang="en-US" dirty="0"/>
+              <a:t>    </a:t>
+            </a:r>
+          </a:p>
+          <a:p>
+            <a:r>
+              <a:rPr lang="en-US" dirty="0"/>
+              <a:t>        // Verify file size - 5MB maximum</a:t>
+            </a:r>
+          </a:p>
+          <a:p>
+            <a:r>
+              <a:rPr lang="en-US" dirty="0"/>
+              <a:t>        $</a:t>
+            </a:r>
+            <a:r>
+              <a:rPr lang="en-US" dirty="0" err="1"/>
+              <a:t>maxsize</a:t>
+            </a:r>
+            <a:r>
+              <a:rPr lang="en-US" dirty="0"/>
+              <a:t> = 5 * 1024 * 1024;</a:t>
+            </a:r>
+          </a:p>
+          <a:p>
+            <a:r>
+              <a:rPr lang="en-US" dirty="0"/>
+              <a:t>        if($</a:t>
+            </a:r>
+            <a:r>
+              <a:rPr lang="en-US" dirty="0" err="1"/>
+              <a:t>filesize</a:t>
+            </a:r>
+            <a:r>
+              <a:rPr lang="en-US" dirty="0"/>
+              <a:t> &gt; $</a:t>
+            </a:r>
+            <a:r>
+              <a:rPr lang="en-US" dirty="0" err="1"/>
+              <a:t>maxsize</a:t>
+            </a:r>
+            <a:r>
+              <a:rPr lang="en-US" dirty="0"/>
+              <a:t>) die("Error: File size is larger than the allowed limit.");</a:t>
+            </a:r>
+          </a:p>
+          <a:p>
+            <a:r>
+              <a:rPr lang="en-US" dirty="0"/>
+              <a:t>    </a:t>
+            </a:r>
+          </a:p>
+        </p:txBody>
+      </p:sp>
+    </p:spTree>
+    <p:extLst>
+      <p:ext uri="{BB962C8B-B14F-4D97-AF65-F5344CB8AC3E}">
+        <p14:creationId xmlns:p14="http://schemas.microsoft.com/office/powerpoint/2010/main" val="753277920"/>
+      </p:ext>
+    </p:extLst>
+  </p:cSld>
+  <p:clrMapOvr>
+    <a:masterClrMapping/>
+  </p:clrMapOvr>
+</p:sld>
+</file>
+
+<file path=ppt/slides/slide135.xml><?xml version="1.0" encoding="utf-8"?>
+<p:sld xmlns:a="http://schemas.openxmlformats.org/drawingml/2006/main" xmlns:r="http://schemas.openxmlformats.org/officeDocument/2006/relationships" xmlns:p="http://schemas.openxmlformats.org/presentationml/2006/main">
+  <p:cSld>
+    <p:spTree>
+      <p:nvGrpSpPr>
+        <p:cNvPr id="1" name=""/>
+        <p:cNvGrpSpPr/>
+        <p:nvPr/>
+      </p:nvGrpSpPr>
+      <p:grpSpPr>
+        <a:xfrm>
+          <a:off x="0" y="0"/>
+          <a:ext cx="0" cy="0"/>
+          <a:chOff x="0" y="0"/>
+          <a:chExt cx="0" cy="0"/>
+        </a:xfrm>
+      </p:grpSpPr>
+      <p:sp>
+        <p:nvSpPr>
+          <p:cNvPr id="2" name="Rectangle 1"/>
+          <p:cNvSpPr/>
+          <p:nvPr/>
+        </p:nvSpPr>
+        <p:spPr>
+          <a:xfrm>
+            <a:off x="304800" y="1599486"/>
+            <a:ext cx="8229600" cy="4801314"/>
+          </a:xfrm>
+          <a:prstGeom prst="rect">
+            <a:avLst/>
+          </a:prstGeom>
+        </p:spPr>
+        <p:txBody>
+          <a:bodyPr wrap="square">
+            <a:spAutoFit/>
+          </a:bodyPr>
+          <a:lstStyle/>
+          <a:p>
+            <a:r>
+              <a:rPr lang="en-US" dirty="0"/>
+              <a:t> // Verify MYME type of the file</a:t>
+            </a:r>
+          </a:p>
+          <a:p>
+            <a:r>
+              <a:rPr lang="en-US" dirty="0"/>
+              <a:t>        if(</a:t>
+            </a:r>
+            <a:r>
+              <a:rPr lang="en-US" dirty="0" err="1"/>
+              <a:t>in_array</a:t>
+            </a:r>
+            <a:r>
+              <a:rPr lang="en-US" dirty="0"/>
+              <a:t>($</a:t>
+            </a:r>
+            <a:r>
+              <a:rPr lang="en-US" dirty="0" err="1"/>
+              <a:t>filetype</a:t>
+            </a:r>
+            <a:r>
+              <a:rPr lang="en-US" dirty="0"/>
+              <a:t>, $allowed)){</a:t>
+            </a:r>
+          </a:p>
+          <a:p>
+            <a:r>
+              <a:rPr lang="en-US" dirty="0"/>
+              <a:t>            // Check whether file exists before uploading it</a:t>
+            </a:r>
+          </a:p>
+          <a:p>
+            <a:r>
+              <a:rPr lang="en-US" dirty="0"/>
+              <a:t>            if(</a:t>
+            </a:r>
+            <a:r>
+              <a:rPr lang="en-US" dirty="0" err="1"/>
+              <a:t>file_exists</a:t>
+            </a:r>
+            <a:r>
+              <a:rPr lang="en-US" dirty="0"/>
+              <a:t>("upload/" . $filename)){</a:t>
+            </a:r>
+          </a:p>
+          <a:p>
+            <a:r>
+              <a:rPr lang="en-US" dirty="0"/>
+              <a:t>                echo $filename . " is already exists.";</a:t>
+            </a:r>
+          </a:p>
+          <a:p>
+            <a:r>
+              <a:rPr lang="en-US" dirty="0"/>
+              <a:t>            } else{</a:t>
+            </a:r>
+          </a:p>
+          <a:p>
+            <a:r>
+              <a:rPr lang="en-US" dirty="0"/>
+              <a:t>                </a:t>
+            </a:r>
+            <a:r>
+              <a:rPr lang="en-US" dirty="0" err="1"/>
+              <a:t>move_uploaded_file</a:t>
+            </a:r>
+            <a:r>
+              <a:rPr lang="en-US" dirty="0"/>
+              <a:t>($_FILES["photo"]["</a:t>
+            </a:r>
+            <a:r>
+              <a:rPr lang="en-US" dirty="0" err="1"/>
+              <a:t>tmp_name</a:t>
+            </a:r>
+            <a:r>
+              <a:rPr lang="en-US" dirty="0"/>
+              <a:t>"], "upload/" . $filename);</a:t>
+            </a:r>
+          </a:p>
+          <a:p>
+            <a:r>
+              <a:rPr lang="en-US" dirty="0"/>
+              <a:t>                echo "Your file was uploaded successfully.";</a:t>
+            </a:r>
+          </a:p>
+          <a:p>
+            <a:r>
+              <a:rPr lang="en-US" dirty="0"/>
+              <a:t>            } </a:t>
+            </a:r>
+          </a:p>
+          <a:p>
+            <a:r>
+              <a:rPr lang="en-US" dirty="0"/>
+              <a:t>        } else{</a:t>
+            </a:r>
+          </a:p>
+          <a:p>
+            <a:r>
+              <a:rPr lang="en-US" dirty="0"/>
+              <a:t>            echo "Error: There was a problem uploading your file. Please try again."; </a:t>
+            </a:r>
+          </a:p>
+          <a:p>
+            <a:r>
+              <a:rPr lang="en-US" dirty="0"/>
+              <a:t>        }</a:t>
+            </a:r>
+          </a:p>
+          <a:p>
+            <a:r>
+              <a:rPr lang="en-US" dirty="0"/>
+              <a:t>    } else{</a:t>
+            </a:r>
+          </a:p>
+          <a:p>
+            <a:r>
+              <a:rPr lang="en-US" dirty="0"/>
+              <a:t>        echo "Error: " . $_FILES["photo"]["error"];</a:t>
+            </a:r>
+          </a:p>
+          <a:p>
+            <a:r>
+              <a:rPr lang="en-US" dirty="0"/>
+              <a:t>    }</a:t>
+            </a:r>
+          </a:p>
+          <a:p>
+            <a:r>
+              <a:rPr lang="en-US" dirty="0"/>
+              <a:t>}</a:t>
+            </a:r>
+          </a:p>
+          <a:p>
+            <a:r>
+              <a:rPr lang="en-US" dirty="0"/>
+              <a:t>?&gt;</a:t>
+            </a:r>
+          </a:p>
+        </p:txBody>
+      </p:sp>
+    </p:spTree>
+    <p:extLst>
+      <p:ext uri="{BB962C8B-B14F-4D97-AF65-F5344CB8AC3E}">
+        <p14:creationId xmlns:p14="http://schemas.microsoft.com/office/powerpoint/2010/main" val="302771624"/>
+      </p:ext>
+    </p:extLst>
+  </p:cSld>
+  <p:clrMapOvr>
+    <a:masterClrMapping/>
+  </p:clrMapOvr>
+</p:sld>
+</file>
+
+<file path=ppt/slides/slide136.xml><?xml version="1.0" encoding="utf-8"?>
+<p:sld xmlns:a="http://schemas.openxmlformats.org/drawingml/2006/main" xmlns:r="http://schemas.openxmlformats.org/officeDocument/2006/relationships" xmlns:p="http://schemas.openxmlformats.org/presentationml/2006/main">
+  <p:cSld>
+    <p:spTree>
+      <p:nvGrpSpPr>
+        <p:cNvPr id="1" name=""/>
+        <p:cNvGrpSpPr/>
+        <p:nvPr/>
+      </p:nvGrpSpPr>
+      <p:grpSpPr>
+        <a:xfrm>
+          <a:off x="0" y="0"/>
+          <a:ext cx="0" cy="0"/>
+          <a:chOff x="0" y="0"/>
+          <a:chExt cx="0" cy="0"/>
+        </a:xfrm>
+      </p:grpSpPr>
+      <p:sp>
+        <p:nvSpPr>
+          <p:cNvPr id="2" name="Rectangle 1"/>
+          <p:cNvSpPr/>
+          <p:nvPr/>
+        </p:nvSpPr>
+        <p:spPr>
+          <a:xfrm>
+            <a:off x="533400" y="1305342"/>
+            <a:ext cx="8077200" cy="2862322"/>
+          </a:xfrm>
+          <a:prstGeom prst="rect">
+            <a:avLst/>
+          </a:prstGeom>
+        </p:spPr>
+        <p:txBody>
+          <a:bodyPr wrap="square">
+            <a:spAutoFit/>
+          </a:bodyPr>
+          <a:lstStyle/>
+          <a:p>
+            <a:r>
+              <a:rPr lang="en-US" dirty="0"/>
+              <a:t>&lt;?</a:t>
+            </a:r>
+            <a:r>
+              <a:rPr lang="en-US" dirty="0" err="1"/>
+              <a:t>php</a:t>
+            </a:r>
+            <a:endParaRPr lang="en-US" dirty="0"/>
+          </a:p>
+          <a:p>
+            <a:r>
+              <a:rPr lang="en-US" dirty="0"/>
+              <a:t>if($_FILES["photo"]["error"] &gt; 0){</a:t>
+            </a:r>
+          </a:p>
+          <a:p>
+            <a:r>
+              <a:rPr lang="en-US" dirty="0"/>
+              <a:t>    echo "Error: " . $_FILES["photo"]["error"] . "&lt;</a:t>
+            </a:r>
+            <a:r>
+              <a:rPr lang="en-US" dirty="0" err="1"/>
+              <a:t>br</a:t>
+            </a:r>
+            <a:r>
+              <a:rPr lang="en-US" dirty="0"/>
+              <a:t>&gt;";</a:t>
+            </a:r>
+          </a:p>
+          <a:p>
+            <a:r>
+              <a:rPr lang="en-US" dirty="0"/>
+              <a:t>} else{</a:t>
+            </a:r>
+          </a:p>
+          <a:p>
+            <a:r>
+              <a:rPr lang="en-US" dirty="0"/>
+              <a:t>    echo "File Name: " . $_FILES["photo"]["name"] . "&lt;</a:t>
+            </a:r>
+            <a:r>
+              <a:rPr lang="en-US" dirty="0" err="1"/>
+              <a:t>br</a:t>
+            </a:r>
+            <a:r>
+              <a:rPr lang="en-US" dirty="0"/>
+              <a:t>&gt;";</a:t>
+            </a:r>
+          </a:p>
+          <a:p>
+            <a:r>
+              <a:rPr lang="en-US" dirty="0"/>
+              <a:t>    echo "File Type: " . $_FILES["photo"]["type"] . "&lt;</a:t>
+            </a:r>
+            <a:r>
+              <a:rPr lang="en-US" dirty="0" err="1"/>
+              <a:t>br</a:t>
+            </a:r>
+            <a:r>
+              <a:rPr lang="en-US" dirty="0"/>
+              <a:t>&gt;";</a:t>
+            </a:r>
+          </a:p>
+          <a:p>
+            <a:r>
+              <a:rPr lang="en-US" dirty="0"/>
+              <a:t>    echo "File Size: " . ($_FILES["photo"]["size"] / 1024) . " KB&lt;</a:t>
+            </a:r>
+            <a:r>
+              <a:rPr lang="en-US" dirty="0" err="1"/>
+              <a:t>br</a:t>
+            </a:r>
+            <a:r>
+              <a:rPr lang="en-US" dirty="0"/>
+              <a:t>&gt;";</a:t>
+            </a:r>
+          </a:p>
+          <a:p>
+            <a:r>
+              <a:rPr lang="en-US" dirty="0"/>
+              <a:t>    echo "Stored in: " . $_FILES["photo"]["</a:t>
+            </a:r>
+            <a:r>
+              <a:rPr lang="en-US" dirty="0" err="1"/>
+              <a:t>tmp_name</a:t>
+            </a:r>
+            <a:r>
+              <a:rPr lang="en-US" dirty="0"/>
+              <a:t>"];</a:t>
+            </a:r>
+          </a:p>
+          <a:p>
+            <a:r>
+              <a:rPr lang="en-US" dirty="0"/>
+              <a:t>}</a:t>
+            </a:r>
+          </a:p>
+          <a:p>
+            <a:r>
+              <a:rPr lang="en-US" dirty="0"/>
+              <a:t>?&gt;</a:t>
+            </a:r>
+          </a:p>
+        </p:txBody>
+      </p:sp>
+    </p:spTree>
+    <p:extLst>
+      <p:ext uri="{BB962C8B-B14F-4D97-AF65-F5344CB8AC3E}">
+        <p14:creationId xmlns:p14="http://schemas.microsoft.com/office/powerpoint/2010/main" val="2815443498"/>
       </p:ext>
     </p:extLst>
   </p:cSld>
